--- a/presentation.pptx
+++ b/presentation.pptx
@@ -11,18 +11,20 @@
     <p:sldId id="271" r:id="rId5"/>
     <p:sldId id="260" r:id="rId6"/>
     <p:sldId id="265" r:id="rId7"/>
-    <p:sldId id="264" r:id="rId8"/>
-    <p:sldId id="263" r:id="rId9"/>
-    <p:sldId id="266" r:id="rId10"/>
-    <p:sldId id="268" r:id="rId11"/>
-    <p:sldId id="267" r:id="rId12"/>
-    <p:sldId id="269" r:id="rId13"/>
-    <p:sldId id="272" r:id="rId14"/>
-    <p:sldId id="273" r:id="rId15"/>
-    <p:sldId id="261" r:id="rId16"/>
-    <p:sldId id="270" r:id="rId17"/>
-    <p:sldId id="259" r:id="rId18"/>
-    <p:sldId id="262" r:id="rId19"/>
+    <p:sldId id="275" r:id="rId8"/>
+    <p:sldId id="264" r:id="rId9"/>
+    <p:sldId id="263" r:id="rId10"/>
+    <p:sldId id="266" r:id="rId11"/>
+    <p:sldId id="268" r:id="rId12"/>
+    <p:sldId id="267" r:id="rId13"/>
+    <p:sldId id="269" r:id="rId14"/>
+    <p:sldId id="272" r:id="rId15"/>
+    <p:sldId id="274" r:id="rId16"/>
+    <p:sldId id="273" r:id="rId17"/>
+    <p:sldId id="270" r:id="rId18"/>
+    <p:sldId id="261" r:id="rId19"/>
+    <p:sldId id="259" r:id="rId20"/>
+    <p:sldId id="262" r:id="rId21"/>
   </p:sldIdLst>
   <p:sldSz cx="12192000" cy="6858000"/>
   <p:notesSz cx="6858000" cy="9144000"/>
@@ -132,6 +134,7 @@
             <p14:sldId id="271"/>
             <p14:sldId id="260"/>
             <p14:sldId id="265"/>
+            <p14:sldId id="275"/>
             <p14:sldId id="264"/>
             <p14:sldId id="263"/>
             <p14:sldId id="266"/>
@@ -139,9 +142,10 @@
             <p14:sldId id="267"/>
             <p14:sldId id="269"/>
             <p14:sldId id="272"/>
+            <p14:sldId id="274"/>
             <p14:sldId id="273"/>
+            <p14:sldId id="270"/>
             <p14:sldId id="261"/>
-            <p14:sldId id="270"/>
             <p14:sldId id="259"/>
             <p14:sldId id="262"/>
           </p14:sldIdLst>
@@ -302,7 +306,7 @@
           <a:p>
             <a:fld id="{0502B20F-1090-4D19-84B6-9037509FF2B7}" type="datetimeFigureOut">
               <a:rPr lang="en-US" smtClean="0"/>
-              <a:t>2/25/2020</a:t>
+              <a:t>2/26/2020</a:t>
             </a:fld>
             <a:endParaRPr lang="en-US"/>
           </a:p>
@@ -500,7 +504,7 @@
           <a:p>
             <a:fld id="{0502B20F-1090-4D19-84B6-9037509FF2B7}" type="datetimeFigureOut">
               <a:rPr lang="en-US" smtClean="0"/>
-              <a:t>2/25/2020</a:t>
+              <a:t>2/26/2020</a:t>
             </a:fld>
             <a:endParaRPr lang="en-US"/>
           </a:p>
@@ -708,7 +712,7 @@
           <a:p>
             <a:fld id="{0502B20F-1090-4D19-84B6-9037509FF2B7}" type="datetimeFigureOut">
               <a:rPr lang="en-US" smtClean="0"/>
-              <a:t>2/25/2020</a:t>
+              <a:t>2/26/2020</a:t>
             </a:fld>
             <a:endParaRPr lang="en-US"/>
           </a:p>
@@ -906,7 +910,7 @@
           <a:p>
             <a:fld id="{0502B20F-1090-4D19-84B6-9037509FF2B7}" type="datetimeFigureOut">
               <a:rPr lang="en-US" smtClean="0"/>
-              <a:t>2/25/2020</a:t>
+              <a:t>2/26/2020</a:t>
             </a:fld>
             <a:endParaRPr lang="en-US"/>
           </a:p>
@@ -1181,7 +1185,7 @@
           <a:p>
             <a:fld id="{0502B20F-1090-4D19-84B6-9037509FF2B7}" type="datetimeFigureOut">
               <a:rPr lang="en-US" smtClean="0"/>
-              <a:t>2/25/2020</a:t>
+              <a:t>2/26/2020</a:t>
             </a:fld>
             <a:endParaRPr lang="en-US"/>
           </a:p>
@@ -1446,7 +1450,7 @@
           <a:p>
             <a:fld id="{0502B20F-1090-4D19-84B6-9037509FF2B7}" type="datetimeFigureOut">
               <a:rPr lang="en-US" smtClean="0"/>
-              <a:t>2/25/2020</a:t>
+              <a:t>2/26/2020</a:t>
             </a:fld>
             <a:endParaRPr lang="en-US"/>
           </a:p>
@@ -1858,7 +1862,7 @@
           <a:p>
             <a:fld id="{0502B20F-1090-4D19-84B6-9037509FF2B7}" type="datetimeFigureOut">
               <a:rPr lang="en-US" smtClean="0"/>
-              <a:t>2/25/2020</a:t>
+              <a:t>2/26/2020</a:t>
             </a:fld>
             <a:endParaRPr lang="en-US"/>
           </a:p>
@@ -1999,7 +2003,7 @@
           <a:p>
             <a:fld id="{0502B20F-1090-4D19-84B6-9037509FF2B7}" type="datetimeFigureOut">
               <a:rPr lang="en-US" smtClean="0"/>
-              <a:t>2/25/2020</a:t>
+              <a:t>2/26/2020</a:t>
             </a:fld>
             <a:endParaRPr lang="en-US"/>
           </a:p>
@@ -2112,7 +2116,7 @@
           <a:p>
             <a:fld id="{0502B20F-1090-4D19-84B6-9037509FF2B7}" type="datetimeFigureOut">
               <a:rPr lang="en-US" smtClean="0"/>
-              <a:t>2/25/2020</a:t>
+              <a:t>2/26/2020</a:t>
             </a:fld>
             <a:endParaRPr lang="en-US"/>
           </a:p>
@@ -2423,7 +2427,7 @@
           <a:p>
             <a:fld id="{0502B20F-1090-4D19-84B6-9037509FF2B7}" type="datetimeFigureOut">
               <a:rPr lang="en-US" smtClean="0"/>
-              <a:t>2/25/2020</a:t>
+              <a:t>2/26/2020</a:t>
             </a:fld>
             <a:endParaRPr lang="en-US"/>
           </a:p>
@@ -2711,7 +2715,7 @@
           <a:p>
             <a:fld id="{0502B20F-1090-4D19-84B6-9037509FF2B7}" type="datetimeFigureOut">
               <a:rPr lang="en-US" smtClean="0"/>
-              <a:t>2/25/2020</a:t>
+              <a:t>2/26/2020</a:t>
             </a:fld>
             <a:endParaRPr lang="en-US"/>
           </a:p>
@@ -2952,7 +2956,7 @@
           <a:p>
             <a:fld id="{0502B20F-1090-4D19-84B6-9037509FF2B7}" type="datetimeFigureOut">
               <a:rPr lang="en-US" smtClean="0"/>
-              <a:t>2/25/2020</a:t>
+              <a:t>2/26/2020</a:t>
             </a:fld>
             <a:endParaRPr lang="en-US"/>
           </a:p>
@@ -3524,6 +3528,218 @@
           <p:cNvPr id="2" name="Title 1">
             <a:extLst>
               <a:ext uri="{FF2B5EF4-FFF2-40B4-BE49-F238E27FC236}">
+                <a16:creationId xmlns:a16="http://schemas.microsoft.com/office/drawing/2014/main" id="{9AD171FB-ACEA-4089-9386-2524C758BD46}"/>
+              </a:ext>
+            </a:extLst>
+          </p:cNvPr>
+          <p:cNvSpPr>
+            <a:spLocks noGrp="1"/>
+          </p:cNvSpPr>
+          <p:nvPr>
+            <p:ph type="title"/>
+          </p:nvPr>
+        </p:nvSpPr>
+        <p:spPr>
+          <a:xfrm>
+            <a:off x="1061156" y="365126"/>
+            <a:ext cx="10292644" cy="966964"/>
+          </a:xfrm>
+        </p:spPr>
+        <p:txBody>
+          <a:bodyPr/>
+          <a:lstStyle/>
+          <a:p>
+            <a:r>
+              <a:rPr lang="en-US" dirty="0"/>
+              <a:t>View</a:t>
+            </a:r>
+          </a:p>
+        </p:txBody>
+      </p:sp>
+      <p:sp>
+        <p:nvSpPr>
+          <p:cNvPr id="6" name="Content Placeholder 2">
+            <a:extLst>
+              <a:ext uri="{FF2B5EF4-FFF2-40B4-BE49-F238E27FC236}">
+                <a16:creationId xmlns:a16="http://schemas.microsoft.com/office/drawing/2014/main" id="{3B631ABF-B560-42B3-945D-A1F83962A5D9}"/>
+              </a:ext>
+            </a:extLst>
+          </p:cNvPr>
+          <p:cNvSpPr>
+            <a:spLocks noGrp="1"/>
+          </p:cNvSpPr>
+          <p:nvPr>
+            <p:ph idx="1"/>
+          </p:nvPr>
+        </p:nvSpPr>
+        <p:spPr>
+          <a:xfrm>
+            <a:off x="327378" y="1529996"/>
+            <a:ext cx="4007555" cy="4566004"/>
+          </a:xfrm>
+        </p:spPr>
+        <p:txBody>
+          <a:bodyPr>
+            <a:normAutofit fontScale="92500" lnSpcReduction="20000"/>
+          </a:bodyPr>
+          <a:lstStyle/>
+          <a:p>
+            <a:pPr marL="0" indent="0">
+              <a:buNone/>
+            </a:pPr>
+            <a:r>
+              <a:rPr lang="en-US" dirty="0"/>
+              <a:t>Receive request</a:t>
+            </a:r>
+          </a:p>
+          <a:p>
+            <a:endParaRPr lang="en-US" dirty="0"/>
+          </a:p>
+          <a:p>
+            <a:pPr marL="0" indent="0">
+              <a:buNone/>
+            </a:pPr>
+            <a:r>
+              <a:rPr lang="en-US" dirty="0"/>
+              <a:t>If GET:</a:t>
+            </a:r>
+          </a:p>
+          <a:p>
+            <a:pPr marL="457200" lvl="1" indent="0">
+              <a:buNone/>
+            </a:pPr>
+            <a:r>
+              <a:rPr lang="en-US" sz="2000" dirty="0"/>
+              <a:t>Create a blank form and return it</a:t>
+            </a:r>
+            <a:endParaRPr lang="en-US" sz="1600" dirty="0"/>
+          </a:p>
+          <a:p>
+            <a:endParaRPr lang="en-US" dirty="0"/>
+          </a:p>
+          <a:p>
+            <a:pPr marL="0" indent="0">
+              <a:buNone/>
+            </a:pPr>
+            <a:r>
+              <a:rPr lang="en-US" dirty="0"/>
+              <a:t>If POST:</a:t>
+            </a:r>
+          </a:p>
+          <a:p>
+            <a:pPr marL="457200" lvl="1" indent="0">
+              <a:buNone/>
+            </a:pPr>
+            <a:r>
+              <a:rPr lang="en-US" sz="2000" dirty="0"/>
+              <a:t>Create a form using data from the POST (i.e. validate the data)</a:t>
+            </a:r>
+          </a:p>
+          <a:p>
+            <a:pPr marL="457200" lvl="1" indent="0">
+              <a:buNone/>
+            </a:pPr>
+            <a:endParaRPr lang="en-US" sz="2000" dirty="0"/>
+          </a:p>
+          <a:p>
+            <a:pPr marL="457200" lvl="1" indent="0">
+              <a:buNone/>
+            </a:pPr>
+            <a:r>
+              <a:rPr lang="en-US" sz="2000" dirty="0"/>
+              <a:t>If valid – save to DB and redirect to </a:t>
+            </a:r>
+            <a:r>
+              <a:rPr lang="en-US" sz="2000" dirty="0" err="1"/>
+              <a:t>player_home</a:t>
+            </a:r>
+            <a:r>
+              <a:rPr lang="en-US" sz="2000" dirty="0"/>
+              <a:t> page</a:t>
+            </a:r>
+          </a:p>
+          <a:p>
+            <a:pPr marL="457200" lvl="1" indent="0">
+              <a:buNone/>
+            </a:pPr>
+            <a:endParaRPr lang="en-US" sz="2000" dirty="0"/>
+          </a:p>
+          <a:p>
+            <a:pPr marL="457200" lvl="1" indent="0">
+              <a:buNone/>
+            </a:pPr>
+            <a:r>
+              <a:rPr lang="en-US" sz="2000" dirty="0"/>
+              <a:t>If not valid – send form back to user (with errors)</a:t>
+            </a:r>
+          </a:p>
+        </p:txBody>
+      </p:sp>
+      <p:pic>
+        <p:nvPicPr>
+          <p:cNvPr id="8" name="Picture 7">
+            <a:extLst>
+              <a:ext uri="{FF2B5EF4-FFF2-40B4-BE49-F238E27FC236}">
+                <a16:creationId xmlns:a16="http://schemas.microsoft.com/office/drawing/2014/main" id="{9C248E4E-1512-4E81-88B4-C64DC453A8E6}"/>
+              </a:ext>
+            </a:extLst>
+          </p:cNvPr>
+          <p:cNvPicPr>
+            <a:picLocks noChangeAspect="1"/>
+          </p:cNvPicPr>
+          <p:nvPr/>
+        </p:nvPicPr>
+        <p:blipFill>
+          <a:blip r:embed="rId2"/>
+          <a:stretch>
+            <a:fillRect/>
+          </a:stretch>
+        </p:blipFill>
+        <p:spPr>
+          <a:xfrm>
+            <a:off x="4460982" y="1529996"/>
+            <a:ext cx="7403640" cy="4962879"/>
+          </a:xfrm>
+          <a:prstGeom prst="rect">
+            <a:avLst/>
+          </a:prstGeom>
+        </p:spPr>
+      </p:pic>
+    </p:spTree>
+    <p:extLst>
+      <p:ext uri="{BB962C8B-B14F-4D97-AF65-F5344CB8AC3E}">
+        <p14:creationId xmlns:p14="http://schemas.microsoft.com/office/powerpoint/2010/main" val="3033193438"/>
+      </p:ext>
+    </p:extLst>
+  </p:cSld>
+  <p:clrMapOvr>
+    <a:masterClrMapping/>
+  </p:clrMapOvr>
+</p:sld>
+</file>
+
+<file path=ppt/slides/slide11.xml><?xml version="1.0" encoding="utf-8"?>
+<p:sld xmlns:a="http://schemas.openxmlformats.org/drawingml/2006/main" xmlns:r="http://schemas.openxmlformats.org/officeDocument/2006/relationships" xmlns:p="http://schemas.openxmlformats.org/presentationml/2006/main">
+  <p:cSld>
+    <p:spTree>
+      <p:nvGrpSpPr>
+        <p:cNvPr id="1" name=""/>
+        <p:cNvGrpSpPr/>
+        <p:nvPr/>
+      </p:nvGrpSpPr>
+      <p:grpSpPr>
+        <a:xfrm>
+          <a:off x="0" y="0"/>
+          <a:ext cx="0" cy="0"/>
+          <a:chOff x="0" y="0"/>
+          <a:chExt cx="0" cy="0"/>
+        </a:xfrm>
+      </p:grpSpPr>
+      <p:sp>
+        <p:nvSpPr>
+          <p:cNvPr id="2" name="Title 1">
+            <a:extLst>
+              <a:ext uri="{FF2B5EF4-FFF2-40B4-BE49-F238E27FC236}">
                 <a16:creationId xmlns:a16="http://schemas.microsoft.com/office/drawing/2014/main" id="{2B98E9AD-4D00-4A97-BD00-7FF647328E8E}"/>
               </a:ext>
             </a:extLst>
@@ -3838,7 +4054,7 @@
 </p:sld>
 </file>
 
-<file path=ppt/slides/slide11.xml><?xml version="1.0" encoding="utf-8"?>
+<file path=ppt/slides/slide12.xml><?xml version="1.0" encoding="utf-8"?>
 <p:sld xmlns:a="http://schemas.openxmlformats.org/drawingml/2006/main" xmlns:r="http://schemas.openxmlformats.org/officeDocument/2006/relationships" xmlns:p="http://schemas.openxmlformats.org/presentationml/2006/main">
   <p:cSld>
     <p:spTree>
@@ -3926,7 +4142,7 @@
 </p:sld>
 </file>
 
-<file path=ppt/slides/slide12.xml><?xml version="1.0" encoding="utf-8"?>
+<file path=ppt/slides/slide13.xml><?xml version="1.0" encoding="utf-8"?>
 <p:sld xmlns:a="http://schemas.openxmlformats.org/drawingml/2006/main" xmlns:r="http://schemas.openxmlformats.org/officeDocument/2006/relationships" xmlns:p="http://schemas.openxmlformats.org/presentationml/2006/main">
   <p:cSld>
     <p:spTree>
@@ -4091,7 +4307,7 @@
 </p:sld>
 </file>
 
-<file path=ppt/slides/slide13.xml><?xml version="1.0" encoding="utf-8"?>
+<file path=ppt/slides/slide14.xml><?xml version="1.0" encoding="utf-8"?>
 <p:sld xmlns:a="http://schemas.openxmlformats.org/drawingml/2006/main" xmlns:r="http://schemas.openxmlformats.org/officeDocument/2006/relationships" xmlns:p="http://schemas.openxmlformats.org/presentationml/2006/main">
   <p:cSld>
     <p:spTree>
@@ -4238,7 +4454,7 @@
 </p:sld>
 </file>
 
-<file path=ppt/slides/slide14.xml><?xml version="1.0" encoding="utf-8"?>
+<file path=ppt/slides/slide15.xml><?xml version="1.0" encoding="utf-8"?>
 <p:sld xmlns:a="http://schemas.openxmlformats.org/drawingml/2006/main" xmlns:r="http://schemas.openxmlformats.org/officeDocument/2006/relationships" xmlns:p="http://schemas.openxmlformats.org/presentationml/2006/main">
   <p:cSld>
     <p:spTree>
@@ -4260,6 +4476,139 @@
           <p:cNvPr id="2" name="Title 1">
             <a:extLst>
               <a:ext uri="{FF2B5EF4-FFF2-40B4-BE49-F238E27FC236}">
+                <a16:creationId xmlns:a16="http://schemas.microsoft.com/office/drawing/2014/main" id="{4CF05941-5C3A-4FF8-938D-3323D27FC27B}"/>
+              </a:ext>
+            </a:extLst>
+          </p:cNvPr>
+          <p:cNvSpPr>
+            <a:spLocks noGrp="1"/>
+          </p:cNvSpPr>
+          <p:nvPr>
+            <p:ph type="title"/>
+          </p:nvPr>
+        </p:nvSpPr>
+        <p:spPr/>
+        <p:txBody>
+          <a:bodyPr/>
+          <a:lstStyle/>
+          <a:p>
+            <a:r>
+              <a:rPr lang="en-US" dirty="0"/>
+              <a:t>In Summary</a:t>
+            </a:r>
+          </a:p>
+        </p:txBody>
+      </p:sp>
+      <p:sp>
+        <p:nvSpPr>
+          <p:cNvPr id="3" name="Content Placeholder 2">
+            <a:extLst>
+              <a:ext uri="{FF2B5EF4-FFF2-40B4-BE49-F238E27FC236}">
+                <a16:creationId xmlns:a16="http://schemas.microsoft.com/office/drawing/2014/main" id="{E05635DE-BE58-48FD-8C6D-E5D127158D68}"/>
+              </a:ext>
+            </a:extLst>
+          </p:cNvPr>
+          <p:cNvSpPr>
+            <a:spLocks noGrp="1"/>
+          </p:cNvSpPr>
+          <p:nvPr>
+            <p:ph idx="1"/>
+          </p:nvPr>
+        </p:nvSpPr>
+        <p:spPr/>
+        <p:txBody>
+          <a:bodyPr>
+            <a:normAutofit fontScale="92500"/>
+          </a:bodyPr>
+          <a:lstStyle/>
+          <a:p>
+            <a:r>
+              <a:rPr lang="en-US" dirty="0"/>
+              <a:t>Django is Python + DB backend (can you say ML language and models...)</a:t>
+            </a:r>
+          </a:p>
+          <a:p>
+            <a:r>
+              <a:rPr lang="en-US" dirty="0"/>
+              <a:t>User Authentication w/ forms</a:t>
+            </a:r>
+          </a:p>
+          <a:p>
+            <a:r>
+              <a:rPr lang="en-US" dirty="0"/>
+              <a:t>/admin to view/edit project or user DB tables</a:t>
+            </a:r>
+          </a:p>
+          <a:p>
+            <a:r>
+              <a:rPr lang="en-US" dirty="0"/>
+              <a:t>Migrations</a:t>
+            </a:r>
+          </a:p>
+          <a:p>
+            <a:r>
+              <a:rPr lang="en-US" dirty="0"/>
+              <a:t>Apache/PostgreSQL for production (starter DB/WS provided)</a:t>
+            </a:r>
+          </a:p>
+          <a:p>
+            <a:r>
+              <a:rPr lang="en-US" dirty="0"/>
+              <a:t>Crispy forms</a:t>
+            </a:r>
+          </a:p>
+          <a:p>
+            <a:pPr marL="0" indent="0">
+              <a:buNone/>
+            </a:pPr>
+            <a:endParaRPr lang="en-US" dirty="0"/>
+          </a:p>
+          <a:p>
+            <a:pPr marL="0" indent="0">
+              <a:buNone/>
+            </a:pPr>
+            <a:r>
+              <a:rPr lang="en-US" dirty="0"/>
+              <a:t>In summary – Django is production ready Python backend, perfect for exposing ML and data science via web applications.</a:t>
+            </a:r>
+          </a:p>
+        </p:txBody>
+      </p:sp>
+    </p:spTree>
+    <p:extLst>
+      <p:ext uri="{BB962C8B-B14F-4D97-AF65-F5344CB8AC3E}">
+        <p14:creationId xmlns:p14="http://schemas.microsoft.com/office/powerpoint/2010/main" val="2087615427"/>
+      </p:ext>
+    </p:extLst>
+  </p:cSld>
+  <p:clrMapOvr>
+    <a:masterClrMapping/>
+  </p:clrMapOvr>
+</p:sld>
+</file>
+
+<file path=ppt/slides/slide16.xml><?xml version="1.0" encoding="utf-8"?>
+<p:sld xmlns:a="http://schemas.openxmlformats.org/drawingml/2006/main" xmlns:r="http://schemas.openxmlformats.org/officeDocument/2006/relationships" xmlns:p="http://schemas.openxmlformats.org/presentationml/2006/main">
+  <p:cSld>
+    <p:spTree>
+      <p:nvGrpSpPr>
+        <p:cNvPr id="1" name=""/>
+        <p:cNvGrpSpPr/>
+        <p:nvPr/>
+      </p:nvGrpSpPr>
+      <p:grpSpPr>
+        <a:xfrm>
+          <a:off x="0" y="0"/>
+          <a:ext cx="0" cy="0"/>
+          <a:chOff x="0" y="0"/>
+          <a:chExt cx="0" cy="0"/>
+        </a:xfrm>
+      </p:grpSpPr>
+      <p:sp>
+        <p:nvSpPr>
+          <p:cNvPr id="2" name="Title 1">
+            <a:extLst>
+              <a:ext uri="{FF2B5EF4-FFF2-40B4-BE49-F238E27FC236}">
                 <a16:creationId xmlns:a16="http://schemas.microsoft.com/office/drawing/2014/main" id="{B3712D82-7D07-4D28-B03F-7E0703ED43C6}"/>
               </a:ext>
             </a:extLst>
@@ -4278,16 +4627,8 @@
           <a:p>
             <a:r>
               <a:rPr lang="en-US" dirty="0"/>
-              <a:t>Before we get into the code...</a:t>
-            </a:r>
-            <a:br>
-              <a:rPr lang="en-US" dirty="0"/>
-            </a:br>
-            <a:r>
-              <a:rPr lang="en-US" sz="2800" dirty="0"/>
-              <a:t>What’s next...?</a:t>
-            </a:r>
-            <a:endParaRPr lang="en-US" dirty="0"/>
+              <a:t>Next steps ...</a:t>
+            </a:r>
           </a:p>
         </p:txBody>
       </p:sp>
@@ -4307,10 +4648,15 @@
             <p:ph idx="1"/>
           </p:nvPr>
         </p:nvSpPr>
-        <p:spPr/>
+        <p:spPr>
+          <a:xfrm>
+            <a:off x="838200" y="1406480"/>
+            <a:ext cx="10515600" cy="5229211"/>
+          </a:xfrm>
+        </p:spPr>
         <p:txBody>
           <a:bodyPr>
-            <a:normAutofit fontScale="55000" lnSpcReduction="20000"/>
+            <a:normAutofit fontScale="62500" lnSpcReduction="20000"/>
           </a:bodyPr>
           <a:lstStyle/>
           <a:p>
@@ -4369,6 +4715,12 @@
             </a:r>
           </a:p>
           <a:p>
+            <a:r>
+              <a:rPr lang="en-US" dirty="0"/>
+              <a:t>Make a game of it ...</a:t>
+            </a:r>
+          </a:p>
+          <a:p>
             <a:pPr marL="0" indent="0">
               <a:buNone/>
             </a:pPr>
@@ -4392,24 +4744,25 @@
           <a:p>
             <a:r>
               <a:rPr lang="en-US" dirty="0"/>
-              <a:t>Display detail view (macro data + timeseries data) in tabular form</a:t>
-            </a:r>
-          </a:p>
-          <a:p>
-            <a:r>
-              <a:rPr lang="en-US" dirty="0"/>
-              <a:t>Bonus points for a chart – that would involve frontend </a:t>
-            </a:r>
-            <a:r>
-              <a:rPr lang="en-US" dirty="0" err="1"/>
-              <a:t>Javascript</a:t>
-            </a:r>
-            <a:endParaRPr lang="en-US" dirty="0"/>
-          </a:p>
-          <a:p>
-            <a:r>
-              <a:rPr lang="en-US" dirty="0"/>
-              <a:t>Push button to apply the predictive model – and display result</a:t>
+              <a:t>Display detail view (macro data + timeseries data) in tabular form (bonus points for a chart)</a:t>
+            </a:r>
+          </a:p>
+          <a:p>
+            <a:r>
+              <a:rPr lang="en-US" dirty="0"/>
+              <a:t>Have user make a prediction</a:t>
+            </a:r>
+          </a:p>
+          <a:p>
+            <a:r>
+              <a:rPr lang="en-US" dirty="0"/>
+              <a:t>Push button to reveal predictive model, and actual result.</a:t>
+            </a:r>
+          </a:p>
+          <a:p>
+            <a:r>
+              <a:rPr lang="en-US" dirty="0"/>
+              <a:t>Keep score</a:t>
             </a:r>
           </a:p>
         </p:txBody>
@@ -4427,7 +4780,70 @@
 </p:sld>
 </file>
 
-<file path=ppt/slides/slide15.xml><?xml version="1.0" encoding="utf-8"?>
+<file path=ppt/slides/slide17.xml><?xml version="1.0" encoding="utf-8"?>
+<p:sld xmlns:a="http://schemas.openxmlformats.org/drawingml/2006/main" xmlns:r="http://schemas.openxmlformats.org/officeDocument/2006/relationships" xmlns:p="http://schemas.openxmlformats.org/presentationml/2006/main">
+  <p:cSld>
+    <p:spTree>
+      <p:nvGrpSpPr>
+        <p:cNvPr id="1" name=""/>
+        <p:cNvGrpSpPr/>
+        <p:nvPr/>
+      </p:nvGrpSpPr>
+      <p:grpSpPr>
+        <a:xfrm>
+          <a:off x="0" y="0"/>
+          <a:ext cx="0" cy="0"/>
+          <a:chOff x="0" y="0"/>
+          <a:chExt cx="0" cy="0"/>
+        </a:xfrm>
+      </p:grpSpPr>
+      <p:sp>
+        <p:nvSpPr>
+          <p:cNvPr id="2" name="Title 1">
+            <a:extLst>
+              <a:ext uri="{FF2B5EF4-FFF2-40B4-BE49-F238E27FC236}">
+                <a16:creationId xmlns:a16="http://schemas.microsoft.com/office/drawing/2014/main" id="{9362F9D5-F184-4B22-B8A4-0AFA9AA65B3D}"/>
+              </a:ext>
+            </a:extLst>
+          </p:cNvPr>
+          <p:cNvSpPr>
+            <a:spLocks noGrp="1"/>
+          </p:cNvSpPr>
+          <p:nvPr>
+            <p:ph type="title"/>
+          </p:nvPr>
+        </p:nvSpPr>
+        <p:spPr>
+          <a:xfrm>
+            <a:off x="4404048" y="2766218"/>
+            <a:ext cx="2967135" cy="1325563"/>
+          </a:xfrm>
+        </p:spPr>
+        <p:txBody>
+          <a:bodyPr/>
+          <a:lstStyle/>
+          <a:p>
+            <a:r>
+              <a:rPr lang="en-US" dirty="0"/>
+              <a:t>Thank You</a:t>
+            </a:r>
+          </a:p>
+        </p:txBody>
+      </p:sp>
+    </p:spTree>
+    <p:extLst>
+      <p:ext uri="{BB962C8B-B14F-4D97-AF65-F5344CB8AC3E}">
+        <p14:creationId xmlns:p14="http://schemas.microsoft.com/office/powerpoint/2010/main" val="2172409844"/>
+      </p:ext>
+    </p:extLst>
+  </p:cSld>
+  <p:clrMapOvr>
+    <a:masterClrMapping/>
+  </p:clrMapOvr>
+</p:sld>
+</file>
+
+<file path=ppt/slides/slide18.xml><?xml version="1.0" encoding="utf-8"?>
 <p:sld xmlns:a="http://schemas.openxmlformats.org/drawingml/2006/main" xmlns:r="http://schemas.openxmlformats.org/officeDocument/2006/relationships" xmlns:p="http://schemas.openxmlformats.org/presentationml/2006/main">
   <p:cSld>
     <p:spTree>
@@ -4515,70 +4931,7 @@
 </p:sld>
 </file>
 
-<file path=ppt/slides/slide16.xml><?xml version="1.0" encoding="utf-8"?>
-<p:sld xmlns:a="http://schemas.openxmlformats.org/drawingml/2006/main" xmlns:r="http://schemas.openxmlformats.org/officeDocument/2006/relationships" xmlns:p="http://schemas.openxmlformats.org/presentationml/2006/main">
-  <p:cSld>
-    <p:spTree>
-      <p:nvGrpSpPr>
-        <p:cNvPr id="1" name=""/>
-        <p:cNvGrpSpPr/>
-        <p:nvPr/>
-      </p:nvGrpSpPr>
-      <p:grpSpPr>
-        <a:xfrm>
-          <a:off x="0" y="0"/>
-          <a:ext cx="0" cy="0"/>
-          <a:chOff x="0" y="0"/>
-          <a:chExt cx="0" cy="0"/>
-        </a:xfrm>
-      </p:grpSpPr>
-      <p:sp>
-        <p:nvSpPr>
-          <p:cNvPr id="2" name="Title 1">
-            <a:extLst>
-              <a:ext uri="{FF2B5EF4-FFF2-40B4-BE49-F238E27FC236}">
-                <a16:creationId xmlns:a16="http://schemas.microsoft.com/office/drawing/2014/main" id="{9362F9D5-F184-4B22-B8A4-0AFA9AA65B3D}"/>
-              </a:ext>
-            </a:extLst>
-          </p:cNvPr>
-          <p:cNvSpPr>
-            <a:spLocks noGrp="1"/>
-          </p:cNvSpPr>
-          <p:nvPr>
-            <p:ph type="title"/>
-          </p:nvPr>
-        </p:nvSpPr>
-        <p:spPr>
-          <a:xfrm>
-            <a:off x="4404048" y="2766218"/>
-            <a:ext cx="2967135" cy="1325563"/>
-          </a:xfrm>
-        </p:spPr>
-        <p:txBody>
-          <a:bodyPr/>
-          <a:lstStyle/>
-          <a:p>
-            <a:r>
-              <a:rPr lang="en-US" dirty="0"/>
-              <a:t>Thank You</a:t>
-            </a:r>
-          </a:p>
-        </p:txBody>
-      </p:sp>
-    </p:spTree>
-    <p:extLst>
-      <p:ext uri="{BB962C8B-B14F-4D97-AF65-F5344CB8AC3E}">
-        <p14:creationId xmlns:p14="http://schemas.microsoft.com/office/powerpoint/2010/main" val="2172409844"/>
-      </p:ext>
-    </p:extLst>
-  </p:cSld>
-  <p:clrMapOvr>
-    <a:masterClrMapping/>
-  </p:clrMapOvr>
-</p:sld>
-</file>
-
-<file path=ppt/slides/slide17.xml><?xml version="1.0" encoding="utf-8"?>
+<file path=ppt/slides/slide19.xml><?xml version="1.0" encoding="utf-8"?>
 <p:sld xmlns:a="http://schemas.openxmlformats.org/drawingml/2006/main" xmlns:r="http://schemas.openxmlformats.org/officeDocument/2006/relationships" xmlns:p="http://schemas.openxmlformats.org/presentationml/2006/main">
   <p:cSld>
     <p:spTree>
@@ -5065,7 +5418,337 @@
 </p:sld>
 </file>
 
-<file path=ppt/slides/slide18.xml><?xml version="1.0" encoding="utf-8"?>
+<file path=ppt/slides/slide2.xml><?xml version="1.0" encoding="utf-8"?>
+<p:sld xmlns:a="http://schemas.openxmlformats.org/drawingml/2006/main" xmlns:r="http://schemas.openxmlformats.org/officeDocument/2006/relationships" xmlns:p="http://schemas.openxmlformats.org/presentationml/2006/main">
+  <p:cSld>
+    <p:spTree>
+      <p:nvGrpSpPr>
+        <p:cNvPr id="1" name=""/>
+        <p:cNvGrpSpPr/>
+        <p:nvPr/>
+      </p:nvGrpSpPr>
+      <p:grpSpPr>
+        <a:xfrm>
+          <a:off x="0" y="0"/>
+          <a:ext cx="0" cy="0"/>
+          <a:chOff x="0" y="0"/>
+          <a:chExt cx="0" cy="0"/>
+        </a:xfrm>
+      </p:grpSpPr>
+      <p:sp>
+        <p:nvSpPr>
+          <p:cNvPr id="2" name="Title 1">
+            <a:extLst>
+              <a:ext uri="{FF2B5EF4-FFF2-40B4-BE49-F238E27FC236}">
+                <a16:creationId xmlns:a16="http://schemas.microsoft.com/office/drawing/2014/main" id="{E47C0F46-C0C6-470C-9FA7-130887E9E6A1}"/>
+              </a:ext>
+            </a:extLst>
+          </p:cNvPr>
+          <p:cNvSpPr>
+            <a:spLocks noGrp="1"/>
+          </p:cNvSpPr>
+          <p:nvPr>
+            <p:ph type="title"/>
+          </p:nvPr>
+        </p:nvSpPr>
+        <p:spPr/>
+        <p:txBody>
+          <a:bodyPr/>
+          <a:lstStyle/>
+          <a:p>
+            <a:r>
+              <a:rPr lang="en-US" dirty="0"/>
+              <a:t>References...</a:t>
+            </a:r>
+          </a:p>
+        </p:txBody>
+      </p:sp>
+      <p:sp>
+        <p:nvSpPr>
+          <p:cNvPr id="3" name="Content Placeholder 2">
+            <a:extLst>
+              <a:ext uri="{FF2B5EF4-FFF2-40B4-BE49-F238E27FC236}">
+                <a16:creationId xmlns:a16="http://schemas.microsoft.com/office/drawing/2014/main" id="{35A8CADA-0362-42FC-8C94-07F7338AABF8}"/>
+              </a:ext>
+            </a:extLst>
+          </p:cNvPr>
+          <p:cNvSpPr>
+            <a:spLocks noGrp="1"/>
+          </p:cNvSpPr>
+          <p:nvPr>
+            <p:ph idx="1"/>
+          </p:nvPr>
+        </p:nvSpPr>
+        <p:spPr>
+          <a:xfrm>
+            <a:off x="838200" y="1690688"/>
+            <a:ext cx="10515600" cy="4486275"/>
+          </a:xfrm>
+        </p:spPr>
+        <p:txBody>
+          <a:bodyPr>
+            <a:normAutofit fontScale="92500" lnSpcReduction="20000"/>
+          </a:bodyPr>
+          <a:lstStyle/>
+          <a:p>
+            <a:pPr marL="0" indent="0">
+              <a:buNone/>
+            </a:pPr>
+            <a:r>
+              <a:rPr lang="en-US" sz="2000" dirty="0"/>
+              <a:t>Django:</a:t>
+            </a:r>
+          </a:p>
+          <a:p>
+            <a:r>
+              <a:rPr lang="en-US" sz="2000" dirty="0"/>
+              <a:t>"Django Fundamentals“ (</a:t>
+            </a:r>
+            <a:r>
+              <a:rPr lang="en-US" sz="2000" dirty="0" err="1"/>
+              <a:t>Reindert</a:t>
+            </a:r>
+            <a:r>
+              <a:rPr lang="en-US" sz="2000" dirty="0"/>
+              <a:t>-Jan </a:t>
+            </a:r>
+            <a:r>
+              <a:rPr lang="en-US" sz="2000" dirty="0" err="1"/>
+              <a:t>Ekker</a:t>
+            </a:r>
+            <a:r>
+              <a:rPr lang="en-US" sz="2000" dirty="0"/>
+              <a:t>) </a:t>
+            </a:r>
+            <a:r>
+              <a:rPr lang="en-US" sz="2000" dirty="0">
+                <a:hlinkClick r:id="rId2"/>
+              </a:rPr>
+              <a:t>https://app.pluralsight.com</a:t>
+            </a:r>
+            <a:r>
+              <a:rPr lang="en-US" sz="2000" dirty="0"/>
+              <a:t>  This is the “</a:t>
+            </a:r>
+            <a:r>
+              <a:rPr lang="en-US" sz="2000" dirty="0" err="1"/>
+              <a:t>tictactoe</a:t>
+            </a:r>
+            <a:r>
+              <a:rPr lang="en-US" sz="2000" dirty="0"/>
+              <a:t>” application – excellent</a:t>
+            </a:r>
+          </a:p>
+          <a:p>
+            <a:r>
+              <a:rPr lang="en-US" sz="2000" dirty="0"/>
+              <a:t>Django Tutorial </a:t>
+            </a:r>
+            <a:r>
+              <a:rPr lang="en-US" sz="2000" dirty="0">
+                <a:hlinkClick r:id="rId3"/>
+              </a:rPr>
+              <a:t>https://docs.djangoproject.com/en/3.0/intro/tutorial01/</a:t>
+            </a:r>
+            <a:r>
+              <a:rPr lang="en-US" sz="2000" dirty="0"/>
+              <a:t>  Intro from The Source</a:t>
+            </a:r>
+          </a:p>
+          <a:p>
+            <a:pPr marL="0" indent="0">
+              <a:buNone/>
+            </a:pPr>
+            <a:endParaRPr lang="en-US" sz="2000" dirty="0"/>
+          </a:p>
+          <a:p>
+            <a:pPr marL="0" indent="0">
+              <a:buNone/>
+            </a:pPr>
+            <a:r>
+              <a:rPr lang="en-US" sz="2000" dirty="0"/>
+              <a:t>Node, Postgres, Express:</a:t>
+            </a:r>
+          </a:p>
+          <a:p>
+            <a:r>
+              <a:rPr lang="en-US" sz="2000" dirty="0"/>
+              <a:t>“Build a CRUD single page application with Node, Express, Angular, Postgres” (Michael Herman) </a:t>
+            </a:r>
+            <a:r>
+              <a:rPr lang="en-US" sz="2000" dirty="0">
+                <a:solidFill>
+                  <a:schemeClr val="accent1"/>
+                </a:solidFill>
+                <a:hlinkClick r:id="rId4">
+                  <a:extLst>
+                    <a:ext uri="{A12FA001-AC4F-418D-AE19-62706E023703}">
+                      <ahyp:hlinkClr xmlns:ahyp="http://schemas.microsoft.com/office/drawing/2018/hyperlinkcolor" val="tx"/>
+                    </a:ext>
+                  </a:extLst>
+                </a:hlinkClick>
+              </a:rPr>
+              <a:t>https://mherman.org/blog/postgresql-and-nodejs/</a:t>
+            </a:r>
+            <a:r>
+              <a:rPr lang="en-US" sz="2000" dirty="0">
+                <a:solidFill>
+                  <a:schemeClr val="accent1"/>
+                </a:solidFill>
+              </a:rPr>
+              <a:t>   </a:t>
+            </a:r>
+            <a:r>
+              <a:rPr lang="en-US" sz="2000" dirty="0"/>
+              <a:t>This is an example frontend/backend </a:t>
+            </a:r>
+            <a:r>
+              <a:rPr lang="en-US" sz="2000" dirty="0" err="1"/>
+              <a:t>javascript</a:t>
+            </a:r>
+            <a:r>
+              <a:rPr lang="en-US" sz="2000" dirty="0"/>
+              <a:t> web app with </a:t>
+            </a:r>
+            <a:r>
+              <a:rPr lang="en-US" sz="2000" dirty="0" err="1"/>
+              <a:t>postgres</a:t>
+            </a:r>
+            <a:r>
+              <a:rPr lang="en-US" sz="2000" dirty="0"/>
+              <a:t> db.  It uses express web server/routing and (a little) angular on the front-end.  You will use </a:t>
+            </a:r>
+            <a:r>
+              <a:rPr lang="en-US" sz="2000" dirty="0" err="1"/>
+              <a:t>npm</a:t>
+            </a:r>
+            <a:r>
+              <a:rPr lang="en-US" sz="2000" dirty="0"/>
+              <a:t>, express, node, browser trace/debug features.  You will see </a:t>
+            </a:r>
+            <a:r>
+              <a:rPr lang="en-US" sz="2000" dirty="0" err="1"/>
+              <a:t>javascript</a:t>
+            </a:r>
+            <a:r>
+              <a:rPr lang="en-US" sz="2000" dirty="0"/>
+              <a:t> used on both client and server.  This is very standard (server-side </a:t>
+            </a:r>
+            <a:r>
+              <a:rPr lang="en-US" sz="2000" dirty="0" err="1"/>
+              <a:t>javascript</a:t>
+            </a:r>
+            <a:r>
+              <a:rPr lang="en-US" sz="2000" dirty="0"/>
+              <a:t>) architecture.</a:t>
+            </a:r>
+          </a:p>
+          <a:p>
+            <a:pPr marL="0" indent="0">
+              <a:buNone/>
+            </a:pPr>
+            <a:endParaRPr lang="en-US" sz="2000" dirty="0"/>
+          </a:p>
+          <a:p>
+            <a:pPr marL="0" indent="0">
+              <a:buNone/>
+            </a:pPr>
+            <a:r>
+              <a:rPr lang="en-US" sz="2000" dirty="0"/>
+              <a:t>Front-end:</a:t>
+            </a:r>
+          </a:p>
+          <a:p>
+            <a:r>
+              <a:rPr lang="en-US" sz="2000" dirty="0"/>
+              <a:t>“Front-End Web Development Quick Start With HTML5, CSS, and JavaScript” (Shawn Wildermuth) </a:t>
+            </a:r>
+            <a:r>
+              <a:rPr lang="en-US" sz="2000" dirty="0">
+                <a:solidFill>
+                  <a:schemeClr val="accent1"/>
+                </a:solidFill>
+                <a:hlinkClick r:id="rId5">
+                  <a:extLst>
+                    <a:ext uri="{A12FA001-AC4F-418D-AE19-62706E023703}">
+                      <ahyp:hlinkClr xmlns:ahyp="http://schemas.microsoft.com/office/drawing/2018/hyperlinkcolor" val="tx"/>
+                    </a:ext>
+                  </a:extLst>
+                </a:hlinkClick>
+              </a:rPr>
+              <a:t>https://app.pluralsight.com/course-player?clipId=e5482b13-c204-4d52-89ec-94a1099592b0</a:t>
+            </a:r>
+            <a:r>
+              <a:rPr lang="en-US" sz="2000" dirty="0">
+                <a:solidFill>
+                  <a:schemeClr val="accent1"/>
+                </a:solidFill>
+              </a:rPr>
+              <a:t>  </a:t>
+            </a:r>
+            <a:r>
+              <a:rPr lang="en-US" sz="2000" dirty="0"/>
+              <a:t>Beginner HTML5, CSS, JavaScript – excellent</a:t>
+            </a:r>
+          </a:p>
+          <a:p>
+            <a:pPr marL="0" indent="0">
+              <a:buNone/>
+            </a:pPr>
+            <a:endParaRPr lang="en-US" sz="2000" dirty="0"/>
+          </a:p>
+          <a:p>
+            <a:pPr marL="0" indent="0">
+              <a:buNone/>
+            </a:pPr>
+            <a:endParaRPr lang="en-US" sz="2000" dirty="0"/>
+          </a:p>
+          <a:p>
+            <a:pPr marL="0" indent="0">
+              <a:buNone/>
+            </a:pPr>
+            <a:endParaRPr lang="en-US" sz="2000" dirty="0"/>
+          </a:p>
+          <a:p>
+            <a:pPr marL="0" indent="0">
+              <a:buNone/>
+            </a:pPr>
+            <a:endParaRPr lang="en-US" sz="2000" dirty="0"/>
+          </a:p>
+          <a:p>
+            <a:pPr marL="0" indent="0">
+              <a:buNone/>
+            </a:pPr>
+            <a:endParaRPr lang="en-US" sz="2000" dirty="0"/>
+          </a:p>
+          <a:p>
+            <a:pPr marL="0" indent="0">
+              <a:buNone/>
+            </a:pPr>
+            <a:endParaRPr lang="en-US" sz="2000" dirty="0"/>
+          </a:p>
+          <a:p>
+            <a:pPr marL="0" indent="0">
+              <a:buNone/>
+            </a:pPr>
+            <a:endParaRPr lang="en-US" sz="2000" dirty="0"/>
+          </a:p>
+        </p:txBody>
+      </p:sp>
+    </p:spTree>
+    <p:extLst>
+      <p:ext uri="{BB962C8B-B14F-4D97-AF65-F5344CB8AC3E}">
+        <p14:creationId xmlns:p14="http://schemas.microsoft.com/office/powerpoint/2010/main" val="2730406630"/>
+      </p:ext>
+    </p:extLst>
+  </p:cSld>
+  <p:clrMapOvr>
+    <a:masterClrMapping/>
+  </p:clrMapOvr>
+</p:sld>
+</file>
+
+<file path=ppt/slides/slide20.xml><?xml version="1.0" encoding="utf-8"?>
 <p:sld xmlns:a="http://schemas.openxmlformats.org/drawingml/2006/main" xmlns:r="http://schemas.openxmlformats.org/officeDocument/2006/relationships" xmlns:p="http://schemas.openxmlformats.org/presentationml/2006/main">
   <p:cSld>
     <p:spTree>
@@ -5149,336 +5832,6 @@
     <p:extLst>
       <p:ext uri="{BB962C8B-B14F-4D97-AF65-F5344CB8AC3E}">
         <p14:creationId xmlns:p14="http://schemas.microsoft.com/office/powerpoint/2010/main" val="3744539357"/>
-      </p:ext>
-    </p:extLst>
-  </p:cSld>
-  <p:clrMapOvr>
-    <a:masterClrMapping/>
-  </p:clrMapOvr>
-</p:sld>
-</file>
-
-<file path=ppt/slides/slide2.xml><?xml version="1.0" encoding="utf-8"?>
-<p:sld xmlns:a="http://schemas.openxmlformats.org/drawingml/2006/main" xmlns:r="http://schemas.openxmlformats.org/officeDocument/2006/relationships" xmlns:p="http://schemas.openxmlformats.org/presentationml/2006/main">
-  <p:cSld>
-    <p:spTree>
-      <p:nvGrpSpPr>
-        <p:cNvPr id="1" name=""/>
-        <p:cNvGrpSpPr/>
-        <p:nvPr/>
-      </p:nvGrpSpPr>
-      <p:grpSpPr>
-        <a:xfrm>
-          <a:off x="0" y="0"/>
-          <a:ext cx="0" cy="0"/>
-          <a:chOff x="0" y="0"/>
-          <a:chExt cx="0" cy="0"/>
-        </a:xfrm>
-      </p:grpSpPr>
-      <p:sp>
-        <p:nvSpPr>
-          <p:cNvPr id="2" name="Title 1">
-            <a:extLst>
-              <a:ext uri="{FF2B5EF4-FFF2-40B4-BE49-F238E27FC236}">
-                <a16:creationId xmlns:a16="http://schemas.microsoft.com/office/drawing/2014/main" id="{E47C0F46-C0C6-470C-9FA7-130887E9E6A1}"/>
-              </a:ext>
-            </a:extLst>
-          </p:cNvPr>
-          <p:cNvSpPr>
-            <a:spLocks noGrp="1"/>
-          </p:cNvSpPr>
-          <p:nvPr>
-            <p:ph type="title"/>
-          </p:nvPr>
-        </p:nvSpPr>
-        <p:spPr/>
-        <p:txBody>
-          <a:bodyPr/>
-          <a:lstStyle/>
-          <a:p>
-            <a:r>
-              <a:rPr lang="en-US" dirty="0"/>
-              <a:t>References...</a:t>
-            </a:r>
-          </a:p>
-        </p:txBody>
-      </p:sp>
-      <p:sp>
-        <p:nvSpPr>
-          <p:cNvPr id="3" name="Content Placeholder 2">
-            <a:extLst>
-              <a:ext uri="{FF2B5EF4-FFF2-40B4-BE49-F238E27FC236}">
-                <a16:creationId xmlns:a16="http://schemas.microsoft.com/office/drawing/2014/main" id="{35A8CADA-0362-42FC-8C94-07F7338AABF8}"/>
-              </a:ext>
-            </a:extLst>
-          </p:cNvPr>
-          <p:cNvSpPr>
-            <a:spLocks noGrp="1"/>
-          </p:cNvSpPr>
-          <p:nvPr>
-            <p:ph idx="1"/>
-          </p:nvPr>
-        </p:nvSpPr>
-        <p:spPr>
-          <a:xfrm>
-            <a:off x="838200" y="1690688"/>
-            <a:ext cx="10515600" cy="4486275"/>
-          </a:xfrm>
-        </p:spPr>
-        <p:txBody>
-          <a:bodyPr>
-            <a:normAutofit fontScale="92500" lnSpcReduction="20000"/>
-          </a:bodyPr>
-          <a:lstStyle/>
-          <a:p>
-            <a:pPr marL="0" indent="0">
-              <a:buNone/>
-            </a:pPr>
-            <a:r>
-              <a:rPr lang="en-US" sz="2000" dirty="0"/>
-              <a:t>Django:</a:t>
-            </a:r>
-          </a:p>
-          <a:p>
-            <a:r>
-              <a:rPr lang="en-US" sz="2000" dirty="0"/>
-              <a:t>"Django Fundamentals“ (</a:t>
-            </a:r>
-            <a:r>
-              <a:rPr lang="en-US" sz="2000" dirty="0" err="1"/>
-              <a:t>Reindert</a:t>
-            </a:r>
-            <a:r>
-              <a:rPr lang="en-US" sz="2000" dirty="0"/>
-              <a:t>-Jan </a:t>
-            </a:r>
-            <a:r>
-              <a:rPr lang="en-US" sz="2000" dirty="0" err="1"/>
-              <a:t>Ekker</a:t>
-            </a:r>
-            <a:r>
-              <a:rPr lang="en-US" sz="2000" dirty="0"/>
-              <a:t>) </a:t>
-            </a:r>
-            <a:r>
-              <a:rPr lang="en-US" sz="2000" dirty="0">
-                <a:hlinkClick r:id="rId2"/>
-              </a:rPr>
-              <a:t>https://app.pluralsight.com</a:t>
-            </a:r>
-            <a:r>
-              <a:rPr lang="en-US" sz="2000" dirty="0"/>
-              <a:t>  This is the “</a:t>
-            </a:r>
-            <a:r>
-              <a:rPr lang="en-US" sz="2000" dirty="0" err="1"/>
-              <a:t>tictactoe</a:t>
-            </a:r>
-            <a:r>
-              <a:rPr lang="en-US" sz="2000" dirty="0"/>
-              <a:t>” application – excellent</a:t>
-            </a:r>
-          </a:p>
-          <a:p>
-            <a:r>
-              <a:rPr lang="en-US" sz="2000" dirty="0"/>
-              <a:t>Django Tutorial </a:t>
-            </a:r>
-            <a:r>
-              <a:rPr lang="en-US" sz="2000" dirty="0">
-                <a:hlinkClick r:id="rId3"/>
-              </a:rPr>
-              <a:t>https://docs.djangoproject.com/en/3.0/intro/tutorial01/</a:t>
-            </a:r>
-            <a:r>
-              <a:rPr lang="en-US" sz="2000" dirty="0"/>
-              <a:t>  Intro from The Source</a:t>
-            </a:r>
-          </a:p>
-          <a:p>
-            <a:pPr marL="0" indent="0">
-              <a:buNone/>
-            </a:pPr>
-            <a:endParaRPr lang="en-US" sz="2000" dirty="0"/>
-          </a:p>
-          <a:p>
-            <a:pPr marL="0" indent="0">
-              <a:buNone/>
-            </a:pPr>
-            <a:r>
-              <a:rPr lang="en-US" sz="2000" dirty="0"/>
-              <a:t>Node, Postgres, Express:</a:t>
-            </a:r>
-          </a:p>
-          <a:p>
-            <a:r>
-              <a:rPr lang="en-US" sz="2000" dirty="0"/>
-              <a:t>“Build a CRUD single page application with Node, Express, Angular, Postgres” (Michael Herman) </a:t>
-            </a:r>
-            <a:r>
-              <a:rPr lang="en-US" sz="2000" dirty="0">
-                <a:solidFill>
-                  <a:schemeClr val="accent1"/>
-                </a:solidFill>
-                <a:hlinkClick r:id="rId4">
-                  <a:extLst>
-                    <a:ext uri="{A12FA001-AC4F-418D-AE19-62706E023703}">
-                      <ahyp:hlinkClr xmlns:ahyp="http://schemas.microsoft.com/office/drawing/2018/hyperlinkcolor" val="tx"/>
-                    </a:ext>
-                  </a:extLst>
-                </a:hlinkClick>
-              </a:rPr>
-              <a:t>https://mherman.org/blog/postgresql-and-nodejs/</a:t>
-            </a:r>
-            <a:r>
-              <a:rPr lang="en-US" sz="2000" dirty="0">
-                <a:solidFill>
-                  <a:schemeClr val="accent1"/>
-                </a:solidFill>
-              </a:rPr>
-              <a:t>   </a:t>
-            </a:r>
-            <a:r>
-              <a:rPr lang="en-US" sz="2000" dirty="0"/>
-              <a:t>This is an example frontend/backend </a:t>
-            </a:r>
-            <a:r>
-              <a:rPr lang="en-US" sz="2000" dirty="0" err="1"/>
-              <a:t>javascript</a:t>
-            </a:r>
-            <a:r>
-              <a:rPr lang="en-US" sz="2000" dirty="0"/>
-              <a:t> web app with </a:t>
-            </a:r>
-            <a:r>
-              <a:rPr lang="en-US" sz="2000" dirty="0" err="1"/>
-              <a:t>postgres</a:t>
-            </a:r>
-            <a:r>
-              <a:rPr lang="en-US" sz="2000" dirty="0"/>
-              <a:t> db.  It uses express web server/routing and (a little) angular on the front-end.  You will use </a:t>
-            </a:r>
-            <a:r>
-              <a:rPr lang="en-US" sz="2000" dirty="0" err="1"/>
-              <a:t>npm</a:t>
-            </a:r>
-            <a:r>
-              <a:rPr lang="en-US" sz="2000" dirty="0"/>
-              <a:t>, express, node, browser trace/debug features.  You will see </a:t>
-            </a:r>
-            <a:r>
-              <a:rPr lang="en-US" sz="2000" dirty="0" err="1"/>
-              <a:t>javascript</a:t>
-            </a:r>
-            <a:r>
-              <a:rPr lang="en-US" sz="2000" dirty="0"/>
-              <a:t> used on both client and server.  This is very standard (server-side </a:t>
-            </a:r>
-            <a:r>
-              <a:rPr lang="en-US" sz="2000" dirty="0" err="1"/>
-              <a:t>javascript</a:t>
-            </a:r>
-            <a:r>
-              <a:rPr lang="en-US" sz="2000" dirty="0"/>
-              <a:t>) architecture.</a:t>
-            </a:r>
-          </a:p>
-          <a:p>
-            <a:pPr marL="0" indent="0">
-              <a:buNone/>
-            </a:pPr>
-            <a:endParaRPr lang="en-US" sz="2000" dirty="0"/>
-          </a:p>
-          <a:p>
-            <a:pPr marL="0" indent="0">
-              <a:buNone/>
-            </a:pPr>
-            <a:r>
-              <a:rPr lang="en-US" sz="2000" dirty="0"/>
-              <a:t>Front-end:</a:t>
-            </a:r>
-          </a:p>
-          <a:p>
-            <a:r>
-              <a:rPr lang="en-US" sz="2000" dirty="0"/>
-              <a:t>“Front-End Web Development Quick Start With HTML5, CSS, and JavaScript” (Shawn Wildermuth) </a:t>
-            </a:r>
-            <a:r>
-              <a:rPr lang="en-US" sz="2000" dirty="0">
-                <a:solidFill>
-                  <a:schemeClr val="accent1"/>
-                </a:solidFill>
-                <a:hlinkClick r:id="rId5">
-                  <a:extLst>
-                    <a:ext uri="{A12FA001-AC4F-418D-AE19-62706E023703}">
-                      <ahyp:hlinkClr xmlns:ahyp="http://schemas.microsoft.com/office/drawing/2018/hyperlinkcolor" val="tx"/>
-                    </a:ext>
-                  </a:extLst>
-                </a:hlinkClick>
-              </a:rPr>
-              <a:t>https://app.pluralsight.com/course-player?clipId=e5482b13-c204-4d52-89ec-94a1099592b0</a:t>
-            </a:r>
-            <a:r>
-              <a:rPr lang="en-US" sz="2000" dirty="0">
-                <a:solidFill>
-                  <a:schemeClr val="accent1"/>
-                </a:solidFill>
-              </a:rPr>
-              <a:t>  </a:t>
-            </a:r>
-            <a:r>
-              <a:rPr lang="en-US" sz="2000" dirty="0"/>
-              <a:t>Beginner HTML5, CSS, JavaScript – excellent</a:t>
-            </a:r>
-          </a:p>
-          <a:p>
-            <a:pPr marL="0" indent="0">
-              <a:buNone/>
-            </a:pPr>
-            <a:endParaRPr lang="en-US" sz="2000" dirty="0"/>
-          </a:p>
-          <a:p>
-            <a:pPr marL="0" indent="0">
-              <a:buNone/>
-            </a:pPr>
-            <a:endParaRPr lang="en-US" sz="2000" dirty="0"/>
-          </a:p>
-          <a:p>
-            <a:pPr marL="0" indent="0">
-              <a:buNone/>
-            </a:pPr>
-            <a:endParaRPr lang="en-US" sz="2000" dirty="0"/>
-          </a:p>
-          <a:p>
-            <a:pPr marL="0" indent="0">
-              <a:buNone/>
-            </a:pPr>
-            <a:endParaRPr lang="en-US" sz="2000" dirty="0"/>
-          </a:p>
-          <a:p>
-            <a:pPr marL="0" indent="0">
-              <a:buNone/>
-            </a:pPr>
-            <a:endParaRPr lang="en-US" sz="2000" dirty="0"/>
-          </a:p>
-          <a:p>
-            <a:pPr marL="0" indent="0">
-              <a:buNone/>
-            </a:pPr>
-            <a:endParaRPr lang="en-US" sz="2000" dirty="0"/>
-          </a:p>
-          <a:p>
-            <a:pPr marL="0" indent="0">
-              <a:buNone/>
-            </a:pPr>
-            <a:endParaRPr lang="en-US" sz="2000" dirty="0"/>
-          </a:p>
-        </p:txBody>
-      </p:sp>
-    </p:spTree>
-    <p:extLst>
-      <p:ext uri="{BB962C8B-B14F-4D97-AF65-F5344CB8AC3E}">
-        <p14:creationId xmlns:p14="http://schemas.microsoft.com/office/powerpoint/2010/main" val="2730406630"/>
       </p:ext>
     </p:extLst>
   </p:cSld>
@@ -6095,6 +6448,124 @@
       </p:grpSpPr>
       <p:sp>
         <p:nvSpPr>
+          <p:cNvPr id="2" name="Title 1">
+            <a:extLst>
+              <a:ext uri="{FF2B5EF4-FFF2-40B4-BE49-F238E27FC236}">
+                <a16:creationId xmlns:a16="http://schemas.microsoft.com/office/drawing/2014/main" id="{F9EC54D2-25F5-479F-8B28-7A2899723364}"/>
+              </a:ext>
+            </a:extLst>
+          </p:cNvPr>
+          <p:cNvSpPr>
+            <a:spLocks noGrp="1"/>
+          </p:cNvSpPr>
+          <p:nvPr>
+            <p:ph type="title"/>
+          </p:nvPr>
+        </p:nvSpPr>
+        <p:spPr/>
+        <p:txBody>
+          <a:bodyPr/>
+          <a:lstStyle/>
+          <a:p>
+            <a:r>
+              <a:rPr lang="en-US" dirty="0"/>
+              <a:t>Explore the app...</a:t>
+            </a:r>
+          </a:p>
+        </p:txBody>
+      </p:sp>
+      <p:sp>
+        <p:nvSpPr>
+          <p:cNvPr id="3" name="Content Placeholder 2">
+            <a:extLst>
+              <a:ext uri="{FF2B5EF4-FFF2-40B4-BE49-F238E27FC236}">
+                <a16:creationId xmlns:a16="http://schemas.microsoft.com/office/drawing/2014/main" id="{69297A70-665E-4C1B-B761-CA82652EDC98}"/>
+              </a:ext>
+            </a:extLst>
+          </p:cNvPr>
+          <p:cNvSpPr>
+            <a:spLocks noGrp="1"/>
+          </p:cNvSpPr>
+          <p:nvPr>
+            <p:ph idx="1"/>
+          </p:nvPr>
+        </p:nvSpPr>
+        <p:spPr/>
+        <p:txBody>
+          <a:bodyPr/>
+          <a:lstStyle/>
+          <a:p>
+            <a:r>
+              <a:rPr lang="en-US" dirty="0">
+                <a:hlinkClick r:id="rId2"/>
+              </a:rPr>
+              <a:t>http://x.x.x.x:9595</a:t>
+            </a:r>
+            <a:endParaRPr lang="en-US" dirty="0"/>
+          </a:p>
+          <a:p>
+            <a:endParaRPr lang="en-US" dirty="0"/>
+          </a:p>
+          <a:p>
+            <a:r>
+              <a:rPr lang="en-US" dirty="0" err="1"/>
+              <a:t>alice</a:t>
+            </a:r>
+            <a:r>
+              <a:rPr lang="en-US" dirty="0"/>
+              <a:t>   </a:t>
+            </a:r>
+            <a:r>
+              <a:rPr lang="en-US" dirty="0" err="1"/>
+              <a:t>aabbddcc</a:t>
+            </a:r>
+            <a:endParaRPr lang="en-US" dirty="0"/>
+          </a:p>
+          <a:p>
+            <a:r>
+              <a:rPr lang="en-US" dirty="0"/>
+              <a:t>bob    </a:t>
+            </a:r>
+            <a:r>
+              <a:rPr lang="en-US" dirty="0" err="1"/>
+              <a:t>aabbddcc</a:t>
+            </a:r>
+            <a:endParaRPr lang="en-US" dirty="0"/>
+          </a:p>
+        </p:txBody>
+      </p:sp>
+    </p:spTree>
+    <p:extLst>
+      <p:ext uri="{BB962C8B-B14F-4D97-AF65-F5344CB8AC3E}">
+        <p14:creationId xmlns:p14="http://schemas.microsoft.com/office/powerpoint/2010/main" val="1467692152"/>
+      </p:ext>
+    </p:extLst>
+  </p:cSld>
+  <p:clrMapOvr>
+    <a:masterClrMapping/>
+  </p:clrMapOvr>
+</p:sld>
+</file>
+
+<file path=ppt/slides/slide8.xml><?xml version="1.0" encoding="utf-8"?>
+<p:sld xmlns:a="http://schemas.openxmlformats.org/drawingml/2006/main" xmlns:r="http://schemas.openxmlformats.org/officeDocument/2006/relationships" xmlns:p="http://schemas.openxmlformats.org/presentationml/2006/main">
+  <p:cSld>
+    <p:spTree>
+      <p:nvGrpSpPr>
+        <p:cNvPr id="1" name=""/>
+        <p:cNvGrpSpPr/>
+        <p:nvPr/>
+      </p:nvGrpSpPr>
+      <p:grpSpPr>
+        <a:xfrm>
+          <a:off x="0" y="0"/>
+          <a:ext cx="0" cy="0"/>
+          <a:chOff x="0" y="0"/>
+          <a:chExt cx="0" cy="0"/>
+        </a:xfrm>
+      </p:grpSpPr>
+      <p:sp>
+        <p:nvSpPr>
           <p:cNvPr id="35" name="Rectangle 34">
             <a:extLst>
               <a:ext uri="{FF2B5EF4-FFF2-40B4-BE49-F238E27FC236}">
@@ -6846,7 +7317,7 @@
 </p:sld>
 </file>
 
-<file path=ppt/slides/slide8.xml><?xml version="1.0" encoding="utf-8"?>
+<file path=ppt/slides/slide9.xml><?xml version="1.0" encoding="utf-8"?>
 <p:sld xmlns:a="http://schemas.openxmlformats.org/drawingml/2006/main" xmlns:r="http://schemas.openxmlformats.org/officeDocument/2006/relationships" xmlns:p="http://schemas.openxmlformats.org/presentationml/2006/main">
   <p:cSld>
     <p:spTree>
@@ -6925,218 +7396,6 @@
     <p:extLst>
       <p:ext uri="{BB962C8B-B14F-4D97-AF65-F5344CB8AC3E}">
         <p14:creationId xmlns:p14="http://schemas.microsoft.com/office/powerpoint/2010/main" val="201048017"/>
-      </p:ext>
-    </p:extLst>
-  </p:cSld>
-  <p:clrMapOvr>
-    <a:masterClrMapping/>
-  </p:clrMapOvr>
-</p:sld>
-</file>
-
-<file path=ppt/slides/slide9.xml><?xml version="1.0" encoding="utf-8"?>
-<p:sld xmlns:a="http://schemas.openxmlformats.org/drawingml/2006/main" xmlns:r="http://schemas.openxmlformats.org/officeDocument/2006/relationships" xmlns:p="http://schemas.openxmlformats.org/presentationml/2006/main">
-  <p:cSld>
-    <p:spTree>
-      <p:nvGrpSpPr>
-        <p:cNvPr id="1" name=""/>
-        <p:cNvGrpSpPr/>
-        <p:nvPr/>
-      </p:nvGrpSpPr>
-      <p:grpSpPr>
-        <a:xfrm>
-          <a:off x="0" y="0"/>
-          <a:ext cx="0" cy="0"/>
-          <a:chOff x="0" y="0"/>
-          <a:chExt cx="0" cy="0"/>
-        </a:xfrm>
-      </p:grpSpPr>
-      <p:sp>
-        <p:nvSpPr>
-          <p:cNvPr id="2" name="Title 1">
-            <a:extLst>
-              <a:ext uri="{FF2B5EF4-FFF2-40B4-BE49-F238E27FC236}">
-                <a16:creationId xmlns:a16="http://schemas.microsoft.com/office/drawing/2014/main" id="{9AD171FB-ACEA-4089-9386-2524C758BD46}"/>
-              </a:ext>
-            </a:extLst>
-          </p:cNvPr>
-          <p:cNvSpPr>
-            <a:spLocks noGrp="1"/>
-          </p:cNvSpPr>
-          <p:nvPr>
-            <p:ph type="title"/>
-          </p:nvPr>
-        </p:nvSpPr>
-        <p:spPr>
-          <a:xfrm>
-            <a:off x="1061156" y="365126"/>
-            <a:ext cx="10292644" cy="966964"/>
-          </a:xfrm>
-        </p:spPr>
-        <p:txBody>
-          <a:bodyPr/>
-          <a:lstStyle/>
-          <a:p>
-            <a:r>
-              <a:rPr lang="en-US" dirty="0"/>
-              <a:t>View</a:t>
-            </a:r>
-          </a:p>
-        </p:txBody>
-      </p:sp>
-      <p:sp>
-        <p:nvSpPr>
-          <p:cNvPr id="6" name="Content Placeholder 2">
-            <a:extLst>
-              <a:ext uri="{FF2B5EF4-FFF2-40B4-BE49-F238E27FC236}">
-                <a16:creationId xmlns:a16="http://schemas.microsoft.com/office/drawing/2014/main" id="{3B631ABF-B560-42B3-945D-A1F83962A5D9}"/>
-              </a:ext>
-            </a:extLst>
-          </p:cNvPr>
-          <p:cNvSpPr>
-            <a:spLocks noGrp="1"/>
-          </p:cNvSpPr>
-          <p:nvPr>
-            <p:ph idx="1"/>
-          </p:nvPr>
-        </p:nvSpPr>
-        <p:spPr>
-          <a:xfrm>
-            <a:off x="327378" y="1529996"/>
-            <a:ext cx="4007555" cy="4566004"/>
-          </a:xfrm>
-        </p:spPr>
-        <p:txBody>
-          <a:bodyPr>
-            <a:normAutofit fontScale="92500" lnSpcReduction="20000"/>
-          </a:bodyPr>
-          <a:lstStyle/>
-          <a:p>
-            <a:pPr marL="0" indent="0">
-              <a:buNone/>
-            </a:pPr>
-            <a:r>
-              <a:rPr lang="en-US" dirty="0"/>
-              <a:t>Receive request</a:t>
-            </a:r>
-          </a:p>
-          <a:p>
-            <a:endParaRPr lang="en-US" dirty="0"/>
-          </a:p>
-          <a:p>
-            <a:pPr marL="0" indent="0">
-              <a:buNone/>
-            </a:pPr>
-            <a:r>
-              <a:rPr lang="en-US" dirty="0"/>
-              <a:t>If GET:</a:t>
-            </a:r>
-          </a:p>
-          <a:p>
-            <a:pPr marL="457200" lvl="1" indent="0">
-              <a:buNone/>
-            </a:pPr>
-            <a:r>
-              <a:rPr lang="en-US" sz="2000" dirty="0"/>
-              <a:t>Create a blank form and return it</a:t>
-            </a:r>
-            <a:endParaRPr lang="en-US" sz="1600" dirty="0"/>
-          </a:p>
-          <a:p>
-            <a:endParaRPr lang="en-US" dirty="0"/>
-          </a:p>
-          <a:p>
-            <a:pPr marL="0" indent="0">
-              <a:buNone/>
-            </a:pPr>
-            <a:r>
-              <a:rPr lang="en-US" dirty="0"/>
-              <a:t>If POST:</a:t>
-            </a:r>
-          </a:p>
-          <a:p>
-            <a:pPr marL="457200" lvl="1" indent="0">
-              <a:buNone/>
-            </a:pPr>
-            <a:r>
-              <a:rPr lang="en-US" sz="2000" dirty="0"/>
-              <a:t>Create a form using data from the POST (i.e. validate the data)</a:t>
-            </a:r>
-          </a:p>
-          <a:p>
-            <a:pPr marL="457200" lvl="1" indent="0">
-              <a:buNone/>
-            </a:pPr>
-            <a:endParaRPr lang="en-US" sz="2000" dirty="0"/>
-          </a:p>
-          <a:p>
-            <a:pPr marL="457200" lvl="1" indent="0">
-              <a:buNone/>
-            </a:pPr>
-            <a:r>
-              <a:rPr lang="en-US" sz="2000" dirty="0"/>
-              <a:t>If valid – save to DB and redirect to </a:t>
-            </a:r>
-            <a:r>
-              <a:rPr lang="en-US" sz="2000" dirty="0" err="1"/>
-              <a:t>player_home</a:t>
-            </a:r>
-            <a:r>
-              <a:rPr lang="en-US" sz="2000" dirty="0"/>
-              <a:t> page</a:t>
-            </a:r>
-          </a:p>
-          <a:p>
-            <a:pPr marL="457200" lvl="1" indent="0">
-              <a:buNone/>
-            </a:pPr>
-            <a:endParaRPr lang="en-US" sz="2000" dirty="0"/>
-          </a:p>
-          <a:p>
-            <a:pPr marL="457200" lvl="1" indent="0">
-              <a:buNone/>
-            </a:pPr>
-            <a:r>
-              <a:rPr lang="en-US" sz="2000" dirty="0"/>
-              <a:t>If not valid – send form back to user (with errors)</a:t>
-            </a:r>
-          </a:p>
-        </p:txBody>
-      </p:sp>
-      <p:pic>
-        <p:nvPicPr>
-          <p:cNvPr id="8" name="Picture 7">
-            <a:extLst>
-              <a:ext uri="{FF2B5EF4-FFF2-40B4-BE49-F238E27FC236}">
-                <a16:creationId xmlns:a16="http://schemas.microsoft.com/office/drawing/2014/main" id="{9C248E4E-1512-4E81-88B4-C64DC453A8E6}"/>
-              </a:ext>
-            </a:extLst>
-          </p:cNvPr>
-          <p:cNvPicPr>
-            <a:picLocks noChangeAspect="1"/>
-          </p:cNvPicPr>
-          <p:nvPr/>
-        </p:nvPicPr>
-        <p:blipFill>
-          <a:blip r:embed="rId2"/>
-          <a:stretch>
-            <a:fillRect/>
-          </a:stretch>
-        </p:blipFill>
-        <p:spPr>
-          <a:xfrm>
-            <a:off x="4460982" y="1529996"/>
-            <a:ext cx="7403640" cy="4962879"/>
-          </a:xfrm>
-          <a:prstGeom prst="rect">
-            <a:avLst/>
-          </a:prstGeom>
-        </p:spPr>
-      </p:pic>
-    </p:spTree>
-    <p:extLst>
-      <p:ext uri="{BB962C8B-B14F-4D97-AF65-F5344CB8AC3E}">
-        <p14:creationId xmlns:p14="http://schemas.microsoft.com/office/powerpoint/2010/main" val="3033193438"/>
       </p:ext>
     </p:extLst>
   </p:cSld>

--- a/presentation.pptx
+++ b/presentation.pptx
@@ -6499,11 +6499,33 @@
               <a:rPr lang="en-US" dirty="0">
                 <a:hlinkClick r:id="rId2"/>
               </a:rPr>
+              <a:t>python manage.py </a:t>
+            </a:r>
+            <a:r>
+              <a:rPr lang="en-US" dirty="0" err="1">
+                <a:hlinkClick r:id="rId2"/>
+              </a:rPr>
+              <a:t>runserver</a:t>
+            </a:r>
+            <a:r>
+              <a:rPr lang="en-US" dirty="0">
+                <a:hlinkClick r:id="rId2"/>
+              </a:rPr>
+              <a:t> 0.0.0.0:9595</a:t>
+            </a:r>
+          </a:p>
+          <a:p>
+            <a:endParaRPr lang="en-US" dirty="0">
+              <a:hlinkClick r:id="rId2"/>
+            </a:endParaRPr>
+          </a:p>
+          <a:p>
+            <a:r>
+              <a:rPr lang="en-US" dirty="0">
+                <a:hlinkClick r:id="rId2"/>
+              </a:rPr>
               <a:t>http://x.x.x.x:9595</a:t>
             </a:r>
-            <a:endParaRPr lang="en-US" dirty="0"/>
-          </a:p>
-          <a:p>
             <a:endParaRPr lang="en-US" dirty="0"/>
           </a:p>
           <a:p>

--- a/presentation.pptx
+++ b/presentation.pptx
@@ -2,7 +2,7 @@
 <file path=ppt/presentation.xml><?xml version="1.0" encoding="utf-8"?>
 <p:presentation xmlns:a="http://schemas.openxmlformats.org/drawingml/2006/main" xmlns:r="http://schemas.openxmlformats.org/officeDocument/2006/relationships" xmlns:p="http://schemas.openxmlformats.org/presentationml/2006/main" saveSubsetFonts="1">
   <p:sldMasterIdLst>
-    <p:sldMasterId id="2147483648" r:id="rId1"/>
+    <p:sldMasterId id="2147483858" r:id="rId1"/>
   </p:sldMasterIdLst>
   <p:sldIdLst>
     <p:sldId id="256" r:id="rId2"/>
@@ -22,9 +22,6 @@
     <p:sldId id="274" r:id="rId16"/>
     <p:sldId id="273" r:id="rId17"/>
     <p:sldId id="270" r:id="rId18"/>
-    <p:sldId id="261" r:id="rId19"/>
-    <p:sldId id="259" r:id="rId20"/>
-    <p:sldId id="262" r:id="rId21"/>
   </p:sldIdLst>
   <p:sldSz cx="12192000" cy="6858000"/>
   <p:notesSz cx="6858000" cy="9144000"/>
@@ -32,7 +29,7 @@
     <a:defPPr>
       <a:defRPr lang="en-US"/>
     </a:defPPr>
-    <a:lvl1pPr marL="0" algn="l" defTabSz="914400" rtl="0" eaLnBrk="1" latinLnBrk="0" hangingPunct="1">
+    <a:lvl1pPr marL="0" algn="l" defTabSz="457200" rtl="0" eaLnBrk="1" latinLnBrk="0" hangingPunct="1">
       <a:defRPr sz="1800" kern="1200">
         <a:solidFill>
           <a:schemeClr val="tx1"/>
@@ -42,7 +39,7 @@
         <a:cs typeface="+mn-cs"/>
       </a:defRPr>
     </a:lvl1pPr>
-    <a:lvl2pPr marL="457200" algn="l" defTabSz="914400" rtl="0" eaLnBrk="1" latinLnBrk="0" hangingPunct="1">
+    <a:lvl2pPr marL="457200" algn="l" defTabSz="457200" rtl="0" eaLnBrk="1" latinLnBrk="0" hangingPunct="1">
       <a:defRPr sz="1800" kern="1200">
         <a:solidFill>
           <a:schemeClr val="tx1"/>
@@ -52,7 +49,7 @@
         <a:cs typeface="+mn-cs"/>
       </a:defRPr>
     </a:lvl2pPr>
-    <a:lvl3pPr marL="914400" algn="l" defTabSz="914400" rtl="0" eaLnBrk="1" latinLnBrk="0" hangingPunct="1">
+    <a:lvl3pPr marL="914400" algn="l" defTabSz="457200" rtl="0" eaLnBrk="1" latinLnBrk="0" hangingPunct="1">
       <a:defRPr sz="1800" kern="1200">
         <a:solidFill>
           <a:schemeClr val="tx1"/>
@@ -62,7 +59,7 @@
         <a:cs typeface="+mn-cs"/>
       </a:defRPr>
     </a:lvl3pPr>
-    <a:lvl4pPr marL="1371600" algn="l" defTabSz="914400" rtl="0" eaLnBrk="1" latinLnBrk="0" hangingPunct="1">
+    <a:lvl4pPr marL="1371600" algn="l" defTabSz="457200" rtl="0" eaLnBrk="1" latinLnBrk="0" hangingPunct="1">
       <a:defRPr sz="1800" kern="1200">
         <a:solidFill>
           <a:schemeClr val="tx1"/>
@@ -72,7 +69,7 @@
         <a:cs typeface="+mn-cs"/>
       </a:defRPr>
     </a:lvl4pPr>
-    <a:lvl5pPr marL="1828800" algn="l" defTabSz="914400" rtl="0" eaLnBrk="1" latinLnBrk="0" hangingPunct="1">
+    <a:lvl5pPr marL="1828800" algn="l" defTabSz="457200" rtl="0" eaLnBrk="1" latinLnBrk="0" hangingPunct="1">
       <a:defRPr sz="1800" kern="1200">
         <a:solidFill>
           <a:schemeClr val="tx1"/>
@@ -82,7 +79,7 @@
         <a:cs typeface="+mn-cs"/>
       </a:defRPr>
     </a:lvl5pPr>
-    <a:lvl6pPr marL="2286000" algn="l" defTabSz="914400" rtl="0" eaLnBrk="1" latinLnBrk="0" hangingPunct="1">
+    <a:lvl6pPr marL="2286000" algn="l" defTabSz="457200" rtl="0" eaLnBrk="1" latinLnBrk="0" hangingPunct="1">
       <a:defRPr sz="1800" kern="1200">
         <a:solidFill>
           <a:schemeClr val="tx1"/>
@@ -92,7 +89,7 @@
         <a:cs typeface="+mn-cs"/>
       </a:defRPr>
     </a:lvl6pPr>
-    <a:lvl7pPr marL="2743200" algn="l" defTabSz="914400" rtl="0" eaLnBrk="1" latinLnBrk="0" hangingPunct="1">
+    <a:lvl7pPr marL="2743200" algn="l" defTabSz="457200" rtl="0" eaLnBrk="1" latinLnBrk="0" hangingPunct="1">
       <a:defRPr sz="1800" kern="1200">
         <a:solidFill>
           <a:schemeClr val="tx1"/>
@@ -102,7 +99,7 @@
         <a:cs typeface="+mn-cs"/>
       </a:defRPr>
     </a:lvl7pPr>
-    <a:lvl8pPr marL="3200400" algn="l" defTabSz="914400" rtl="0" eaLnBrk="1" latinLnBrk="0" hangingPunct="1">
+    <a:lvl8pPr marL="3200400" algn="l" defTabSz="457200" rtl="0" eaLnBrk="1" latinLnBrk="0" hangingPunct="1">
       <a:defRPr sz="1800" kern="1200">
         <a:solidFill>
           <a:schemeClr val="tx1"/>
@@ -112,7 +109,7 @@
         <a:cs typeface="+mn-cs"/>
       </a:defRPr>
     </a:lvl8pPr>
-    <a:lvl9pPr marL="3657600" algn="l" defTabSz="914400" rtl="0" eaLnBrk="1" latinLnBrk="0" hangingPunct="1">
+    <a:lvl9pPr marL="3657600" algn="l" defTabSz="457200" rtl="0" eaLnBrk="1" latinLnBrk="0" hangingPunct="1">
       <a:defRPr sz="1800" kern="1200">
         <a:solidFill>
           <a:schemeClr val="tx1"/>
@@ -145,9 +142,6 @@
             <p14:sldId id="274"/>
             <p14:sldId id="273"/>
             <p14:sldId id="270"/>
-            <p14:sldId id="261"/>
-            <p14:sldId id="259"/>
-            <p14:sldId id="262"/>
           </p14:sldIdLst>
         </p14:section>
       </p14:sectionLst>
@@ -160,8 +154,16 @@
 </file>
 
 <file path=ppt/slideLayouts/slideLayout1.xml><?xml version="1.0" encoding="utf-8"?>
-<p:sldLayout xmlns:a="http://schemas.openxmlformats.org/drawingml/2006/main" xmlns:r="http://schemas.openxmlformats.org/officeDocument/2006/relationships" xmlns:p="http://schemas.openxmlformats.org/presentationml/2006/main" type="title" preserve="1">
+<p:sldLayout xmlns:a="http://schemas.openxmlformats.org/drawingml/2006/main" xmlns:r="http://schemas.openxmlformats.org/officeDocument/2006/relationships" xmlns:p="http://schemas.openxmlformats.org/presentationml/2006/main" showMasterSp="0" type="title" preserve="1">
   <p:cSld name="Title Slide">
+    <p:bg>
+      <p:bgPr>
+        <a:solidFill>
+          <a:schemeClr val="bg2"/>
+        </a:solidFill>
+        <a:effectLst/>
+      </p:bgPr>
+    </p:bg>
     <p:spTree>
       <p:nvGrpSpPr>
         <p:cNvPr id="1" name=""/>
@@ -178,13 +180,7 @@
       </p:grpSpPr>
       <p:sp>
         <p:nvSpPr>
-          <p:cNvPr id="2" name="Title 1">
-            <a:extLst>
-              <a:ext uri="{FF2B5EF4-FFF2-40B4-BE49-F238E27FC236}">
-                <a16:creationId xmlns:a16="http://schemas.microsoft.com/office/drawing/2014/main" id="{42A8995C-FBD4-46B9-94AA-B5C6F8F32C8D}"/>
-              </a:ext>
-            </a:extLst>
-          </p:cNvPr>
+          <p:cNvPr id="2" name="Title 1"/>
           <p:cNvSpPr>
             <a:spLocks noGrp="1"/>
           </p:cNvSpPr>
@@ -194,15 +190,21 @@
         </p:nvSpPr>
         <p:spPr>
           <a:xfrm>
-            <a:off x="1524000" y="1122363"/>
-            <a:ext cx="9144000" cy="2387600"/>
-          </a:xfrm>
-        </p:spPr>
-        <p:txBody>
-          <a:bodyPr anchor="b"/>
+            <a:off x="1915128" y="1788454"/>
+            <a:ext cx="8361229" cy="2098226"/>
+          </a:xfrm>
+        </p:spPr>
+        <p:txBody>
+          <a:bodyPr anchor="b">
+            <a:noAutofit/>
+          </a:bodyPr>
           <a:lstStyle>
             <a:lvl1pPr algn="ctr">
-              <a:defRPr sz="6000"/>
+              <a:defRPr sz="7200" cap="all" baseline="0">
+                <a:solidFill>
+                  <a:schemeClr val="tx2"/>
+                </a:solidFill>
+              </a:defRPr>
             </a:lvl1pPr>
           </a:lstStyle>
           <a:p>
@@ -210,18 +212,13 @@
               <a:rPr lang="en-US"/>
               <a:t>Click to edit Master title style</a:t>
             </a:r>
-          </a:p>
-        </p:txBody>
-      </p:sp>
-      <p:sp>
-        <p:nvSpPr>
-          <p:cNvPr id="3" name="Subtitle 2">
-            <a:extLst>
-              <a:ext uri="{FF2B5EF4-FFF2-40B4-BE49-F238E27FC236}">
-                <a16:creationId xmlns:a16="http://schemas.microsoft.com/office/drawing/2014/main" id="{2E5DF98E-3ABF-4603-B866-80F357347FCB}"/>
-              </a:ext>
-            </a:extLst>
-          </p:cNvPr>
+            <a:endParaRPr lang="en-US" dirty="0"/>
+          </a:p>
+        </p:txBody>
+      </p:sp>
+      <p:sp>
+        <p:nvSpPr>
+          <p:cNvPr id="3" name="Subtitle 2"/>
           <p:cNvSpPr>
             <a:spLocks noGrp="1"/>
           </p:cNvSpPr>
@@ -231,16 +228,27 @@
         </p:nvSpPr>
         <p:spPr>
           <a:xfrm>
-            <a:off x="1524000" y="3602038"/>
-            <a:ext cx="9144000" cy="1655762"/>
-          </a:xfrm>
-        </p:spPr>
-        <p:txBody>
-          <a:bodyPr/>
+            <a:off x="2679906" y="3956279"/>
+            <a:ext cx="6831673" cy="1086237"/>
+          </a:xfrm>
+        </p:spPr>
+        <p:txBody>
+          <a:bodyPr>
+            <a:normAutofit/>
+          </a:bodyPr>
           <a:lstStyle>
             <a:lvl1pPr marL="0" indent="0" algn="ctr">
-              <a:buNone/>
-              <a:defRPr sz="2400"/>
+              <a:lnSpc>
+                <a:spcPct val="112000"/>
+              </a:lnSpc>
+              <a:spcBef>
+                <a:spcPts val="0"/>
+              </a:spcBef>
+              <a:spcAft>
+                <a:spcPts val="0"/>
+              </a:spcAft>
+              <a:buNone/>
+              <a:defRPr sz="2300"/>
             </a:lvl1pPr>
             <a:lvl2pPr marL="457200" indent="0" algn="ctr">
               <a:buNone/>
@@ -280,18 +288,13 @@
               <a:rPr lang="en-US"/>
               <a:t>Click to edit Master subtitle style</a:t>
             </a:r>
-          </a:p>
-        </p:txBody>
-      </p:sp>
-      <p:sp>
-        <p:nvSpPr>
-          <p:cNvPr id="4" name="Date Placeholder 3">
-            <a:extLst>
-              <a:ext uri="{FF2B5EF4-FFF2-40B4-BE49-F238E27FC236}">
-                <a16:creationId xmlns:a16="http://schemas.microsoft.com/office/drawing/2014/main" id="{A98CA970-C0A0-4ADA-8089-45EE4B23DBA7}"/>
-              </a:ext>
-            </a:extLst>
-          </p:cNvPr>
+            <a:endParaRPr lang="en-US" dirty="0"/>
+          </a:p>
+        </p:txBody>
+      </p:sp>
+      <p:sp>
+        <p:nvSpPr>
+          <p:cNvPr id="4" name="Date Placeholder 3"/>
           <p:cNvSpPr>
             <a:spLocks noGrp="1"/>
           </p:cNvSpPr>
@@ -299,10 +302,23 @@
             <p:ph type="dt" sz="half" idx="10"/>
           </p:nvPr>
         </p:nvSpPr>
-        <p:spPr/>
+        <p:spPr>
+          <a:xfrm>
+            <a:off x="752858" y="6453386"/>
+            <a:ext cx="1607944" cy="404614"/>
+          </a:xfrm>
+        </p:spPr>
         <p:txBody>
           <a:bodyPr/>
-          <a:lstStyle/>
+          <a:lstStyle>
+            <a:lvl1pPr>
+              <a:defRPr baseline="0">
+                <a:solidFill>
+                  <a:schemeClr val="tx2"/>
+                </a:solidFill>
+              </a:defRPr>
+            </a:lvl1pPr>
+          </a:lstStyle>
           <a:p>
             <a:fld id="{0502B20F-1090-4D19-84B6-9037509FF2B7}" type="datetimeFigureOut">
               <a:rPr lang="en-US" smtClean="0"/>
@@ -314,13 +330,7 @@
       </p:sp>
       <p:sp>
         <p:nvSpPr>
-          <p:cNvPr id="5" name="Footer Placeholder 4">
-            <a:extLst>
-              <a:ext uri="{FF2B5EF4-FFF2-40B4-BE49-F238E27FC236}">
-                <a16:creationId xmlns:a16="http://schemas.microsoft.com/office/drawing/2014/main" id="{B3041E7F-5C40-4A71-A8FE-559BA7CBA92F}"/>
-              </a:ext>
-            </a:extLst>
-          </p:cNvPr>
+          <p:cNvPr id="5" name="Footer Placeholder 4"/>
           <p:cNvSpPr>
             <a:spLocks noGrp="1"/>
           </p:cNvSpPr>
@@ -328,10 +338,23 @@
             <p:ph type="ftr" sz="quarter" idx="11"/>
           </p:nvPr>
         </p:nvSpPr>
-        <p:spPr/>
+        <p:spPr>
+          <a:xfrm>
+            <a:off x="2584054" y="6453386"/>
+            <a:ext cx="7023377" cy="404614"/>
+          </a:xfrm>
+        </p:spPr>
         <p:txBody>
           <a:bodyPr/>
-          <a:lstStyle/>
+          <a:lstStyle>
+            <a:lvl1pPr algn="ctr">
+              <a:defRPr baseline="0">
+                <a:solidFill>
+                  <a:schemeClr val="tx2"/>
+                </a:solidFill>
+              </a:defRPr>
+            </a:lvl1pPr>
+          </a:lstStyle>
           <a:p>
             <a:endParaRPr lang="en-US"/>
           </a:p>
@@ -339,13 +362,7 @@
       </p:sp>
       <p:sp>
         <p:nvSpPr>
-          <p:cNvPr id="6" name="Slide Number Placeholder 5">
-            <a:extLst>
-              <a:ext uri="{FF2B5EF4-FFF2-40B4-BE49-F238E27FC236}">
-                <a16:creationId xmlns:a16="http://schemas.microsoft.com/office/drawing/2014/main" id="{BCBD4BCD-13EE-4552-99B5-29FDB18FB24C}"/>
-              </a:ext>
-            </a:extLst>
-          </p:cNvPr>
+          <p:cNvPr id="6" name="Slide Number Placeholder 5"/>
           <p:cNvSpPr>
             <a:spLocks noGrp="1"/>
           </p:cNvSpPr>
@@ -353,10 +370,23 @@
             <p:ph type="sldNum" sz="quarter" idx="12"/>
           </p:nvPr>
         </p:nvSpPr>
-        <p:spPr/>
+        <p:spPr>
+          <a:xfrm>
+            <a:off x="9830683" y="6453386"/>
+            <a:ext cx="1596292" cy="404614"/>
+          </a:xfrm>
+        </p:spPr>
         <p:txBody>
           <a:bodyPr/>
-          <a:lstStyle/>
+          <a:lstStyle>
+            <a:lvl1pPr>
+              <a:defRPr baseline="0">
+                <a:solidFill>
+                  <a:schemeClr val="tx2"/>
+                </a:solidFill>
+              </a:defRPr>
+            </a:lvl1pPr>
+          </a:lstStyle>
           <a:p>
             <a:fld id="{15468DF0-469F-415E-AACB-95E2784A7020}" type="slidenum">
               <a:rPr lang="en-US" smtClean="0"/>
@@ -366,15 +396,144 @@
           </a:p>
         </p:txBody>
       </p:sp>
+      <p:grpSp>
+        <p:nvGrpSpPr>
+          <p:cNvPr id="7" name="Group 6"/>
+          <p:cNvGrpSpPr/>
+          <p:nvPr/>
+        </p:nvGrpSpPr>
+        <p:grpSpPr>
+          <a:xfrm>
+            <a:off x="752858" y="744469"/>
+            <a:ext cx="10674117" cy="5349671"/>
+            <a:chOff x="752858" y="744469"/>
+            <a:chExt cx="10674117" cy="5349671"/>
+          </a:xfrm>
+        </p:grpSpPr>
+        <p:sp>
+          <p:nvSpPr>
+            <p:cNvPr id="11" name="Freeform 6"/>
+            <p:cNvSpPr/>
+            <p:nvPr/>
+          </p:nvSpPr>
+          <p:spPr bwMode="auto">
+            <a:xfrm>
+              <a:off x="8151962" y="1685652"/>
+              <a:ext cx="3275013" cy="4408488"/>
+            </a:xfrm>
+            <a:custGeom>
+              <a:avLst/>
+              <a:gdLst/>
+              <a:ahLst/>
+              <a:cxnLst/>
+              <a:rect l="l" t="t" r="r" b="b"/>
+              <a:pathLst>
+                <a:path w="10000" h="10000">
+                  <a:moveTo>
+                    <a:pt x="8761" y="0"/>
+                  </a:moveTo>
+                  <a:lnTo>
+                    <a:pt x="10000" y="0"/>
+                  </a:lnTo>
+                  <a:lnTo>
+                    <a:pt x="10000" y="10000"/>
+                  </a:lnTo>
+                  <a:lnTo>
+                    <a:pt x="0" y="10000"/>
+                  </a:lnTo>
+                  <a:lnTo>
+                    <a:pt x="0" y="9126"/>
+                  </a:lnTo>
+                  <a:lnTo>
+                    <a:pt x="8761" y="9127"/>
+                  </a:lnTo>
+                  <a:lnTo>
+                    <a:pt x="8761" y="0"/>
+                  </a:lnTo>
+                  <a:close/>
+                </a:path>
+              </a:pathLst>
+            </a:custGeom>
+            <a:solidFill>
+              <a:schemeClr val="tx2"/>
+            </a:solidFill>
+            <a:ln w="0">
+              <a:noFill/>
+              <a:prstDash val="solid"/>
+              <a:round/>
+              <a:headEnd/>
+              <a:tailEnd/>
+            </a:ln>
+          </p:spPr>
+        </p:sp>
+        <p:sp>
+          <p:nvSpPr>
+            <p:cNvPr id="14" name="Freeform 6"/>
+            <p:cNvSpPr/>
+            <p:nvPr/>
+          </p:nvSpPr>
+          <p:spPr bwMode="auto">
+            <a:xfrm flipH="1" flipV="1">
+              <a:off x="752858" y="744469"/>
+              <a:ext cx="3275668" cy="4408488"/>
+            </a:xfrm>
+            <a:custGeom>
+              <a:avLst/>
+              <a:gdLst/>
+              <a:ahLst/>
+              <a:cxnLst/>
+              <a:rect l="l" t="t" r="r" b="b"/>
+              <a:pathLst>
+                <a:path w="10002" h="10000">
+                  <a:moveTo>
+                    <a:pt x="8763" y="0"/>
+                  </a:moveTo>
+                  <a:lnTo>
+                    <a:pt x="10002" y="0"/>
+                  </a:lnTo>
+                  <a:lnTo>
+                    <a:pt x="10002" y="10000"/>
+                  </a:lnTo>
+                  <a:lnTo>
+                    <a:pt x="2" y="10000"/>
+                  </a:lnTo>
+                  <a:cubicBezTo>
+                    <a:pt x="-2" y="9698"/>
+                    <a:pt x="4" y="9427"/>
+                    <a:pt x="0" y="9125"/>
+                  </a:cubicBezTo>
+                  <a:lnTo>
+                    <a:pt x="8763" y="9128"/>
+                  </a:lnTo>
+                  <a:lnTo>
+                    <a:pt x="8763" y="0"/>
+                  </a:lnTo>
+                  <a:close/>
+                </a:path>
+              </a:pathLst>
+            </a:custGeom>
+            <a:solidFill>
+              <a:schemeClr val="tx2"/>
+            </a:solidFill>
+            <a:ln w="0">
+              <a:noFill/>
+              <a:prstDash val="solid"/>
+              <a:round/>
+              <a:headEnd/>
+              <a:tailEnd/>
+            </a:ln>
+          </p:spPr>
+        </p:sp>
+      </p:grpSp>
     </p:spTree>
     <p:extLst>
       <p:ext uri="{BB962C8B-B14F-4D97-AF65-F5344CB8AC3E}">
-        <p14:creationId xmlns:p14="http://schemas.microsoft.com/office/powerpoint/2010/main" val="506987559"/>
+        <p14:creationId xmlns:p14="http://schemas.microsoft.com/office/powerpoint/2010/main" val="2116674844"/>
       </p:ext>
     </p:extLst>
   </p:cSld>
   <p:clrMapOvr>
-    <a:masterClrMapping/>
+    <a:overrideClrMapping bg1="lt1" tx1="dk1" bg2="lt2" tx2="dk2" accent1="accent1" accent2="accent2" accent3="accent3" accent4="accent4" accent5="accent5" accent6="accent6" hlink="hlink" folHlink="folHlink"/>
   </p:clrMapOvr>
 </p:sldLayout>
 </file>
@@ -398,13 +557,7 @@
       </p:grpSpPr>
       <p:sp>
         <p:nvSpPr>
-          <p:cNvPr id="2" name="Title 1">
-            <a:extLst>
-              <a:ext uri="{FF2B5EF4-FFF2-40B4-BE49-F238E27FC236}">
-                <a16:creationId xmlns:a16="http://schemas.microsoft.com/office/drawing/2014/main" id="{DD89145F-8853-4F6A-905F-282A85F02F08}"/>
-              </a:ext>
-            </a:extLst>
-          </p:cNvPr>
+          <p:cNvPr id="2" name="Title 1"/>
           <p:cNvSpPr>
             <a:spLocks noGrp="1"/>
           </p:cNvSpPr>
@@ -421,18 +574,13 @@
               <a:rPr lang="en-US"/>
               <a:t>Click to edit Master title style</a:t>
             </a:r>
-          </a:p>
-        </p:txBody>
-      </p:sp>
-      <p:sp>
-        <p:nvSpPr>
-          <p:cNvPr id="3" name="Vertical Text Placeholder 2">
-            <a:extLst>
-              <a:ext uri="{FF2B5EF4-FFF2-40B4-BE49-F238E27FC236}">
-                <a16:creationId xmlns:a16="http://schemas.microsoft.com/office/drawing/2014/main" id="{2C2F6667-ED74-43A5-96B9-437A1A70F1C5}"/>
-              </a:ext>
-            </a:extLst>
-          </p:cNvPr>
+            <a:endParaRPr lang="en-US" dirty="0"/>
+          </a:p>
+        </p:txBody>
+      </p:sp>
+      <p:sp>
+        <p:nvSpPr>
+          <p:cNvPr id="3" name="Vertical Text Placeholder 2"/>
           <p:cNvSpPr>
             <a:spLocks noGrp="1"/>
           </p:cNvSpPr>
@@ -440,7 +588,12 @@
             <p:ph type="body" orient="vert" idx="1"/>
           </p:nvPr>
         </p:nvSpPr>
-        <p:spPr/>
+        <p:spPr>
+          <a:xfrm>
+            <a:off x="1371600" y="2295525"/>
+            <a:ext cx="9601200" cy="3571875"/>
+          </a:xfrm>
+        </p:spPr>
         <p:txBody>
           <a:bodyPr vert="eaVert"/>
           <a:lstStyle/>
@@ -478,18 +631,13 @@
               <a:rPr lang="en-US"/>
               <a:t>Fifth level</a:t>
             </a:r>
-          </a:p>
-        </p:txBody>
-      </p:sp>
-      <p:sp>
-        <p:nvSpPr>
-          <p:cNvPr id="4" name="Date Placeholder 3">
-            <a:extLst>
-              <a:ext uri="{FF2B5EF4-FFF2-40B4-BE49-F238E27FC236}">
-                <a16:creationId xmlns:a16="http://schemas.microsoft.com/office/drawing/2014/main" id="{B37F0AD1-A8D8-4490-A810-381A11D6B6BC}"/>
-              </a:ext>
-            </a:extLst>
-          </p:cNvPr>
+            <a:endParaRPr lang="en-US" dirty="0"/>
+          </a:p>
+        </p:txBody>
+      </p:sp>
+      <p:sp>
+        <p:nvSpPr>
+          <p:cNvPr id="4" name="Date Placeholder 3"/>
           <p:cNvSpPr>
             <a:spLocks noGrp="1"/>
           </p:cNvSpPr>
@@ -512,13 +660,7 @@
       </p:sp>
       <p:sp>
         <p:nvSpPr>
-          <p:cNvPr id="5" name="Footer Placeholder 4">
-            <a:extLst>
-              <a:ext uri="{FF2B5EF4-FFF2-40B4-BE49-F238E27FC236}">
-                <a16:creationId xmlns:a16="http://schemas.microsoft.com/office/drawing/2014/main" id="{D4565175-FA88-429B-A8DD-B5DD9F397C92}"/>
-              </a:ext>
-            </a:extLst>
-          </p:cNvPr>
+          <p:cNvPr id="5" name="Footer Placeholder 4"/>
           <p:cNvSpPr>
             <a:spLocks noGrp="1"/>
           </p:cNvSpPr>
@@ -537,13 +679,7 @@
       </p:sp>
       <p:sp>
         <p:nvSpPr>
-          <p:cNvPr id="6" name="Slide Number Placeholder 5">
-            <a:extLst>
-              <a:ext uri="{FF2B5EF4-FFF2-40B4-BE49-F238E27FC236}">
-                <a16:creationId xmlns:a16="http://schemas.microsoft.com/office/drawing/2014/main" id="{3949D04A-201C-4950-B220-F6DAE13DD07C}"/>
-              </a:ext>
-            </a:extLst>
-          </p:cNvPr>
+          <p:cNvPr id="6" name="Slide Number Placeholder 5"/>
           <p:cNvSpPr>
             <a:spLocks noGrp="1"/>
           </p:cNvSpPr>
@@ -567,7 +703,7 @@
     </p:spTree>
     <p:extLst>
       <p:ext uri="{BB962C8B-B14F-4D97-AF65-F5344CB8AC3E}">
-        <p14:creationId xmlns:p14="http://schemas.microsoft.com/office/powerpoint/2010/main" val="1055296883"/>
+        <p14:creationId xmlns:p14="http://schemas.microsoft.com/office/powerpoint/2010/main" val="2261362234"/>
       </p:ext>
     </p:extLst>
   </p:cSld>
@@ -596,13 +732,7 @@
       </p:grpSpPr>
       <p:sp>
         <p:nvSpPr>
-          <p:cNvPr id="2" name="Vertical Title 1">
-            <a:extLst>
-              <a:ext uri="{FF2B5EF4-FFF2-40B4-BE49-F238E27FC236}">
-                <a16:creationId xmlns:a16="http://schemas.microsoft.com/office/drawing/2014/main" id="{EC57485B-D63D-4BD8-B7C9-3E8B1DC70B3D}"/>
-              </a:ext>
-            </a:extLst>
-          </p:cNvPr>
+          <p:cNvPr id="2" name="Vertical Title 1"/>
           <p:cNvSpPr>
             <a:spLocks noGrp="1"/>
           </p:cNvSpPr>
@@ -612,8 +742,8 @@
         </p:nvSpPr>
         <p:spPr>
           <a:xfrm>
-            <a:off x="8724900" y="365125"/>
-            <a:ext cx="2628900" cy="5811838"/>
+            <a:off x="9596561" y="624156"/>
+            <a:ext cx="1565766" cy="5243244"/>
           </a:xfrm>
         </p:spPr>
         <p:txBody>
@@ -624,18 +754,13 @@
               <a:rPr lang="en-US"/>
               <a:t>Click to edit Master title style</a:t>
             </a:r>
-          </a:p>
-        </p:txBody>
-      </p:sp>
-      <p:sp>
-        <p:nvSpPr>
-          <p:cNvPr id="3" name="Vertical Text Placeholder 2">
-            <a:extLst>
-              <a:ext uri="{FF2B5EF4-FFF2-40B4-BE49-F238E27FC236}">
-                <a16:creationId xmlns:a16="http://schemas.microsoft.com/office/drawing/2014/main" id="{D3DFCE81-1D9D-4D84-867D-F45FD47F2304}"/>
-              </a:ext>
-            </a:extLst>
-          </p:cNvPr>
+            <a:endParaRPr lang="en-US" dirty="0"/>
+          </a:p>
+        </p:txBody>
+      </p:sp>
+      <p:sp>
+        <p:nvSpPr>
+          <p:cNvPr id="3" name="Vertical Text Placeholder 2"/>
           <p:cNvSpPr>
             <a:spLocks noGrp="1"/>
           </p:cNvSpPr>
@@ -645,8 +770,8 @@
         </p:nvSpPr>
         <p:spPr>
           <a:xfrm>
-            <a:off x="838200" y="365125"/>
-            <a:ext cx="7734300" cy="5811838"/>
+            <a:off x="1371600" y="624156"/>
+            <a:ext cx="8179641" cy="5243244"/>
           </a:xfrm>
         </p:spPr>
         <p:txBody>
@@ -686,18 +811,13 @@
               <a:rPr lang="en-US"/>
               <a:t>Fifth level</a:t>
             </a:r>
-          </a:p>
-        </p:txBody>
-      </p:sp>
-      <p:sp>
-        <p:nvSpPr>
-          <p:cNvPr id="4" name="Date Placeholder 3">
-            <a:extLst>
-              <a:ext uri="{FF2B5EF4-FFF2-40B4-BE49-F238E27FC236}">
-                <a16:creationId xmlns:a16="http://schemas.microsoft.com/office/drawing/2014/main" id="{5AC22D74-E8FC-45D2-9AEC-88CC5F8CD28C}"/>
-              </a:ext>
-            </a:extLst>
-          </p:cNvPr>
+            <a:endParaRPr lang="en-US" dirty="0"/>
+          </a:p>
+        </p:txBody>
+      </p:sp>
+      <p:sp>
+        <p:nvSpPr>
+          <p:cNvPr id="4" name="Date Placeholder 3"/>
           <p:cNvSpPr>
             <a:spLocks noGrp="1"/>
           </p:cNvSpPr>
@@ -720,13 +840,7 @@
       </p:sp>
       <p:sp>
         <p:nvSpPr>
-          <p:cNvPr id="5" name="Footer Placeholder 4">
-            <a:extLst>
-              <a:ext uri="{FF2B5EF4-FFF2-40B4-BE49-F238E27FC236}">
-                <a16:creationId xmlns:a16="http://schemas.microsoft.com/office/drawing/2014/main" id="{FD4AAEB6-34B7-443E-9BC9-7A4693745BB1}"/>
-              </a:ext>
-            </a:extLst>
-          </p:cNvPr>
+          <p:cNvPr id="5" name="Footer Placeholder 4"/>
           <p:cNvSpPr>
             <a:spLocks noGrp="1"/>
           </p:cNvSpPr>
@@ -745,13 +859,7 @@
       </p:sp>
       <p:sp>
         <p:nvSpPr>
-          <p:cNvPr id="6" name="Slide Number Placeholder 5">
-            <a:extLst>
-              <a:ext uri="{FF2B5EF4-FFF2-40B4-BE49-F238E27FC236}">
-                <a16:creationId xmlns:a16="http://schemas.microsoft.com/office/drawing/2014/main" id="{5BFC22AB-9C52-4D1E-834B-7AC23EE3D528}"/>
-              </a:ext>
-            </a:extLst>
-          </p:cNvPr>
+          <p:cNvPr id="6" name="Slide Number Placeholder 5"/>
           <p:cNvSpPr>
             <a:spLocks noGrp="1"/>
           </p:cNvSpPr>
@@ -775,7 +883,7 @@
     </p:spTree>
     <p:extLst>
       <p:ext uri="{BB962C8B-B14F-4D97-AF65-F5344CB8AC3E}">
-        <p14:creationId xmlns:p14="http://schemas.microsoft.com/office/powerpoint/2010/main" val="3745970010"/>
+        <p14:creationId xmlns:p14="http://schemas.microsoft.com/office/powerpoint/2010/main" val="1293163818"/>
       </p:ext>
     </p:extLst>
   </p:cSld>
@@ -804,13 +912,7 @@
       </p:grpSpPr>
       <p:sp>
         <p:nvSpPr>
-          <p:cNvPr id="2" name="Title 1">
-            <a:extLst>
-              <a:ext uri="{FF2B5EF4-FFF2-40B4-BE49-F238E27FC236}">
-                <a16:creationId xmlns:a16="http://schemas.microsoft.com/office/drawing/2014/main" id="{E4CBCC2F-E26C-4BF4-B3F2-864C12944234}"/>
-              </a:ext>
-            </a:extLst>
-          </p:cNvPr>
+          <p:cNvPr id="2" name="Title 1"/>
           <p:cNvSpPr>
             <a:spLocks noGrp="1"/>
           </p:cNvSpPr>
@@ -827,18 +929,13 @@
               <a:rPr lang="en-US"/>
               <a:t>Click to edit Master title style</a:t>
             </a:r>
-          </a:p>
-        </p:txBody>
-      </p:sp>
-      <p:sp>
-        <p:nvSpPr>
-          <p:cNvPr id="3" name="Content Placeholder 2">
-            <a:extLst>
-              <a:ext uri="{FF2B5EF4-FFF2-40B4-BE49-F238E27FC236}">
-                <a16:creationId xmlns:a16="http://schemas.microsoft.com/office/drawing/2014/main" id="{34B62946-13C5-419D-BF06-E1B9A43988CD}"/>
-              </a:ext>
-            </a:extLst>
-          </p:cNvPr>
+            <a:endParaRPr lang="en-US" dirty="0"/>
+          </a:p>
+        </p:txBody>
+      </p:sp>
+      <p:sp>
+        <p:nvSpPr>
+          <p:cNvPr id="3" name="Content Placeholder 2"/>
           <p:cNvSpPr>
             <a:spLocks noGrp="1"/>
           </p:cNvSpPr>
@@ -884,18 +981,13 @@
               <a:rPr lang="en-US"/>
               <a:t>Fifth level</a:t>
             </a:r>
-          </a:p>
-        </p:txBody>
-      </p:sp>
-      <p:sp>
-        <p:nvSpPr>
-          <p:cNvPr id="4" name="Date Placeholder 3">
-            <a:extLst>
-              <a:ext uri="{FF2B5EF4-FFF2-40B4-BE49-F238E27FC236}">
-                <a16:creationId xmlns:a16="http://schemas.microsoft.com/office/drawing/2014/main" id="{967A835F-3C3F-4935-8673-C070D98E7939}"/>
-              </a:ext>
-            </a:extLst>
-          </p:cNvPr>
+            <a:endParaRPr lang="en-US" dirty="0"/>
+          </a:p>
+        </p:txBody>
+      </p:sp>
+      <p:sp>
+        <p:nvSpPr>
+          <p:cNvPr id="4" name="Date Placeholder 3"/>
           <p:cNvSpPr>
             <a:spLocks noGrp="1"/>
           </p:cNvSpPr>
@@ -918,13 +1010,7 @@
       </p:sp>
       <p:sp>
         <p:nvSpPr>
-          <p:cNvPr id="5" name="Footer Placeholder 4">
-            <a:extLst>
-              <a:ext uri="{FF2B5EF4-FFF2-40B4-BE49-F238E27FC236}">
-                <a16:creationId xmlns:a16="http://schemas.microsoft.com/office/drawing/2014/main" id="{49138167-3CB3-41E0-964A-431AFF8558AB}"/>
-              </a:ext>
-            </a:extLst>
-          </p:cNvPr>
+          <p:cNvPr id="5" name="Footer Placeholder 4"/>
           <p:cNvSpPr>
             <a:spLocks noGrp="1"/>
           </p:cNvSpPr>
@@ -943,13 +1029,7 @@
       </p:sp>
       <p:sp>
         <p:nvSpPr>
-          <p:cNvPr id="6" name="Slide Number Placeholder 5">
-            <a:extLst>
-              <a:ext uri="{FF2B5EF4-FFF2-40B4-BE49-F238E27FC236}">
-                <a16:creationId xmlns:a16="http://schemas.microsoft.com/office/drawing/2014/main" id="{1C1CCDF0-FEAD-4477-8AB5-A6235BD5C6FB}"/>
-              </a:ext>
-            </a:extLst>
-          </p:cNvPr>
+          <p:cNvPr id="6" name="Slide Number Placeholder 5"/>
           <p:cNvSpPr>
             <a:spLocks noGrp="1"/>
           </p:cNvSpPr>
@@ -973,7 +1053,7 @@
     </p:spTree>
     <p:extLst>
       <p:ext uri="{BB962C8B-B14F-4D97-AF65-F5344CB8AC3E}">
-        <p14:creationId xmlns:p14="http://schemas.microsoft.com/office/powerpoint/2010/main" val="397984733"/>
+        <p14:creationId xmlns:p14="http://schemas.microsoft.com/office/powerpoint/2010/main" val="1647933748"/>
       </p:ext>
     </p:extLst>
   </p:cSld>
@@ -984,8 +1064,13 @@
 </file>
 
 <file path=ppt/slideLayouts/slideLayout3.xml><?xml version="1.0" encoding="utf-8"?>
-<p:sldLayout xmlns:a="http://schemas.openxmlformats.org/drawingml/2006/main" xmlns:r="http://schemas.openxmlformats.org/officeDocument/2006/relationships" xmlns:p="http://schemas.openxmlformats.org/presentationml/2006/main" type="secHead" preserve="1">
+<p:sldLayout xmlns:a="http://schemas.openxmlformats.org/drawingml/2006/main" xmlns:r="http://schemas.openxmlformats.org/officeDocument/2006/relationships" xmlns:p="http://schemas.openxmlformats.org/presentationml/2006/main" showMasterSp="0" type="secHead" preserve="1">
   <p:cSld name="Section Header">
+    <p:bg>
+      <p:bgRef idx="1001">
+        <a:schemeClr val="bg2"/>
+      </p:bgRef>
+    </p:bg>
     <p:spTree>
       <p:nvGrpSpPr>
         <p:cNvPr id="1" name=""/>
@@ -1002,13 +1087,7 @@
       </p:grpSpPr>
       <p:sp>
         <p:nvSpPr>
-          <p:cNvPr id="2" name="Title 1">
-            <a:extLst>
-              <a:ext uri="{FF2B5EF4-FFF2-40B4-BE49-F238E27FC236}">
-                <a16:creationId xmlns:a16="http://schemas.microsoft.com/office/drawing/2014/main" id="{B4260E3A-86CE-453A-8814-71CB8BDB68F7}"/>
-              </a:ext>
-            </a:extLst>
-          </p:cNvPr>
+          <p:cNvPr id="2" name="Title 1"/>
           <p:cNvSpPr>
             <a:spLocks noGrp="1"/>
           </p:cNvSpPr>
@@ -1018,15 +1097,21 @@
         </p:nvSpPr>
         <p:spPr>
           <a:xfrm>
-            <a:off x="831850" y="1709738"/>
-            <a:ext cx="10515600" cy="2852737"/>
-          </a:xfrm>
-        </p:spPr>
-        <p:txBody>
-          <a:bodyPr anchor="b"/>
+            <a:off x="765025" y="1301360"/>
+            <a:ext cx="9612971" cy="2852737"/>
+          </a:xfrm>
+        </p:spPr>
+        <p:txBody>
+          <a:bodyPr anchor="b">
+            <a:normAutofit/>
+          </a:bodyPr>
           <a:lstStyle>
-            <a:lvl1pPr>
-              <a:defRPr sz="6000"/>
+            <a:lvl1pPr algn="r">
+              <a:defRPr sz="7200" cap="all" baseline="0">
+                <a:solidFill>
+                  <a:schemeClr val="tx2"/>
+                </a:solidFill>
+              </a:defRPr>
             </a:lvl1pPr>
           </a:lstStyle>
           <a:p>
@@ -1034,18 +1119,13 @@
               <a:rPr lang="en-US"/>
               <a:t>Click to edit Master title style</a:t>
             </a:r>
-          </a:p>
-        </p:txBody>
-      </p:sp>
-      <p:sp>
-        <p:nvSpPr>
-          <p:cNvPr id="3" name="Text Placeholder 2">
-            <a:extLst>
-              <a:ext uri="{FF2B5EF4-FFF2-40B4-BE49-F238E27FC236}">
-                <a16:creationId xmlns:a16="http://schemas.microsoft.com/office/drawing/2014/main" id="{086B07CA-2234-4FA4-8C53-BC4F98239D2C}"/>
-              </a:ext>
-            </a:extLst>
-          </p:cNvPr>
+            <a:endParaRPr lang="en-US" dirty="0"/>
+          </a:p>
+        </p:txBody>
+      </p:sp>
+      <p:sp>
+        <p:nvSpPr>
+          <p:cNvPr id="3" name="Text Placeholder 2"/>
           <p:cNvSpPr>
             <a:spLocks noGrp="1"/>
           </p:cNvSpPr>
@@ -1055,20 +1135,27 @@
         </p:nvSpPr>
         <p:spPr>
           <a:xfrm>
-            <a:off x="831850" y="4589463"/>
-            <a:ext cx="10515600" cy="1500187"/>
+            <a:off x="765025" y="4216328"/>
+            <a:ext cx="9612971" cy="1143324"/>
           </a:xfrm>
         </p:spPr>
         <p:txBody>
           <a:bodyPr/>
           <a:lstStyle>
-            <a:lvl1pPr marL="0" indent="0">
+            <a:lvl1pPr marL="0" indent="0" algn="r">
+              <a:lnSpc>
+                <a:spcPct val="112000"/>
+              </a:lnSpc>
+              <a:spcBef>
+                <a:spcPts val="0"/>
+              </a:spcBef>
+              <a:spcAft>
+                <a:spcPts val="0"/>
+              </a:spcAft>
               <a:buNone/>
               <a:defRPr sz="2400">
                 <a:solidFill>
-                  <a:schemeClr val="tx1">
-                    <a:tint val="75000"/>
-                  </a:schemeClr>
+                  <a:schemeClr val="tx2"/>
                 </a:solidFill>
               </a:defRPr>
             </a:lvl1pPr>
@@ -1164,13 +1251,7 @@
       </p:sp>
       <p:sp>
         <p:nvSpPr>
-          <p:cNvPr id="4" name="Date Placeholder 3">
-            <a:extLst>
-              <a:ext uri="{FF2B5EF4-FFF2-40B4-BE49-F238E27FC236}">
-                <a16:creationId xmlns:a16="http://schemas.microsoft.com/office/drawing/2014/main" id="{817FAAD0-280B-489A-8ACF-C46307F19211}"/>
-              </a:ext>
-            </a:extLst>
-          </p:cNvPr>
+          <p:cNvPr id="4" name="Date Placeholder 3"/>
           <p:cNvSpPr>
             <a:spLocks noGrp="1"/>
           </p:cNvSpPr>
@@ -1178,10 +1259,23 @@
             <p:ph type="dt" sz="half" idx="10"/>
           </p:nvPr>
         </p:nvSpPr>
-        <p:spPr/>
+        <p:spPr>
+          <a:xfrm>
+            <a:off x="738908" y="6453386"/>
+            <a:ext cx="1622409" cy="404614"/>
+          </a:xfrm>
+        </p:spPr>
         <p:txBody>
           <a:bodyPr/>
-          <a:lstStyle/>
+          <a:lstStyle>
+            <a:lvl1pPr>
+              <a:defRPr>
+                <a:solidFill>
+                  <a:schemeClr val="tx2"/>
+                </a:solidFill>
+              </a:defRPr>
+            </a:lvl1pPr>
+          </a:lstStyle>
           <a:p>
             <a:fld id="{0502B20F-1090-4D19-84B6-9037509FF2B7}" type="datetimeFigureOut">
               <a:rPr lang="en-US" smtClean="0"/>
@@ -1193,13 +1287,7 @@
       </p:sp>
       <p:sp>
         <p:nvSpPr>
-          <p:cNvPr id="5" name="Footer Placeholder 4">
-            <a:extLst>
-              <a:ext uri="{FF2B5EF4-FFF2-40B4-BE49-F238E27FC236}">
-                <a16:creationId xmlns:a16="http://schemas.microsoft.com/office/drawing/2014/main" id="{23A76182-BF15-43C2-A6AB-28A5604FE121}"/>
-              </a:ext>
-            </a:extLst>
-          </p:cNvPr>
+          <p:cNvPr id="5" name="Footer Placeholder 4"/>
           <p:cNvSpPr>
             <a:spLocks noGrp="1"/>
           </p:cNvSpPr>
@@ -1207,10 +1295,23 @@
             <p:ph type="ftr" sz="quarter" idx="11"/>
           </p:nvPr>
         </p:nvSpPr>
-        <p:spPr/>
+        <p:spPr>
+          <a:xfrm>
+            <a:off x="2584312" y="6453386"/>
+            <a:ext cx="7023377" cy="404614"/>
+          </a:xfrm>
+        </p:spPr>
         <p:txBody>
           <a:bodyPr/>
-          <a:lstStyle/>
+          <a:lstStyle>
+            <a:lvl1pPr algn="ctr">
+              <a:defRPr>
+                <a:solidFill>
+                  <a:schemeClr val="tx2"/>
+                </a:solidFill>
+              </a:defRPr>
+            </a:lvl1pPr>
+          </a:lstStyle>
           <a:p>
             <a:endParaRPr lang="en-US"/>
           </a:p>
@@ -1218,13 +1319,7 @@
       </p:sp>
       <p:sp>
         <p:nvSpPr>
-          <p:cNvPr id="6" name="Slide Number Placeholder 5">
-            <a:extLst>
-              <a:ext uri="{FF2B5EF4-FFF2-40B4-BE49-F238E27FC236}">
-                <a16:creationId xmlns:a16="http://schemas.microsoft.com/office/drawing/2014/main" id="{0AC10822-9670-4F3C-B356-2F7F38B5FB5C}"/>
-              </a:ext>
-            </a:extLst>
-          </p:cNvPr>
+          <p:cNvPr id="6" name="Slide Number Placeholder 5"/>
           <p:cNvSpPr>
             <a:spLocks noGrp="1"/>
           </p:cNvSpPr>
@@ -1232,10 +1327,23 @@
             <p:ph type="sldNum" sz="quarter" idx="12"/>
           </p:nvPr>
         </p:nvSpPr>
-        <p:spPr/>
+        <p:spPr>
+          <a:xfrm>
+            <a:off x="9830683" y="6453386"/>
+            <a:ext cx="1596292" cy="404614"/>
+          </a:xfrm>
+        </p:spPr>
         <p:txBody>
           <a:bodyPr/>
-          <a:lstStyle/>
+          <a:lstStyle>
+            <a:lvl1pPr>
+              <a:defRPr>
+                <a:solidFill>
+                  <a:schemeClr val="tx2"/>
+                </a:solidFill>
+              </a:defRPr>
+            </a:lvl1pPr>
+          </a:lstStyle>
           <a:p>
             <a:fld id="{15468DF0-469F-415E-AACB-95E2784A7020}" type="slidenum">
               <a:rPr lang="en-US" smtClean="0"/>
@@ -1245,15 +1353,71 @@
           </a:p>
         </p:txBody>
       </p:sp>
+      <p:sp>
+        <p:nvSpPr>
+          <p:cNvPr id="7" name="Freeform 6" title="Crop Mark"/>
+          <p:cNvSpPr/>
+          <p:nvPr/>
+        </p:nvSpPr>
+        <p:spPr bwMode="auto">
+          <a:xfrm>
+            <a:off x="8151962" y="1685652"/>
+            <a:ext cx="3275013" cy="4408488"/>
+          </a:xfrm>
+          <a:custGeom>
+            <a:avLst/>
+            <a:gdLst/>
+            <a:ahLst/>
+            <a:cxnLst/>
+            <a:rect l="0" t="0" r="r" b="b"/>
+            <a:pathLst>
+              <a:path w="4125" h="5554">
+                <a:moveTo>
+                  <a:pt x="3614" y="0"/>
+                </a:moveTo>
+                <a:lnTo>
+                  <a:pt x="4125" y="0"/>
+                </a:lnTo>
+                <a:lnTo>
+                  <a:pt x="4125" y="5554"/>
+                </a:lnTo>
+                <a:lnTo>
+                  <a:pt x="0" y="5554"/>
+                </a:lnTo>
+                <a:lnTo>
+                  <a:pt x="0" y="5074"/>
+                </a:lnTo>
+                <a:lnTo>
+                  <a:pt x="3614" y="5074"/>
+                </a:lnTo>
+                <a:lnTo>
+                  <a:pt x="3614" y="0"/>
+                </a:lnTo>
+                <a:close/>
+              </a:path>
+            </a:pathLst>
+          </a:custGeom>
+          <a:solidFill>
+            <a:schemeClr val="tx2"/>
+          </a:solidFill>
+          <a:ln w="0">
+            <a:noFill/>
+            <a:prstDash val="solid"/>
+            <a:round/>
+            <a:headEnd/>
+            <a:tailEnd/>
+          </a:ln>
+        </p:spPr>
+      </p:sp>
     </p:spTree>
     <p:extLst>
       <p:ext uri="{BB962C8B-B14F-4D97-AF65-F5344CB8AC3E}">
-        <p14:creationId xmlns:p14="http://schemas.microsoft.com/office/powerpoint/2010/main" val="3361237332"/>
+        <p14:creationId xmlns:p14="http://schemas.microsoft.com/office/powerpoint/2010/main" val="2443030960"/>
       </p:ext>
     </p:extLst>
   </p:cSld>
   <p:clrMapOvr>
-    <a:masterClrMapping/>
+    <a:overrideClrMapping bg1="dk1" tx1="lt1" bg2="dk2" tx2="lt2" accent1="accent1" accent2="accent2" accent3="accent3" accent4="accent4" accent5="accent5" accent6="accent6" hlink="hlink" folHlink="folHlink"/>
   </p:clrMapOvr>
 </p:sldLayout>
 </file>
@@ -1277,13 +1441,7 @@
       </p:grpSpPr>
       <p:sp>
         <p:nvSpPr>
-          <p:cNvPr id="2" name="Title 1">
-            <a:extLst>
-              <a:ext uri="{FF2B5EF4-FFF2-40B4-BE49-F238E27FC236}">
-                <a16:creationId xmlns:a16="http://schemas.microsoft.com/office/drawing/2014/main" id="{E4BB3983-846C-4C72-9FCB-05A133A33EF2}"/>
-              </a:ext>
-            </a:extLst>
-          </p:cNvPr>
+          <p:cNvPr id="2" name="Title 1"/>
           <p:cNvSpPr>
             <a:spLocks noGrp="1"/>
           </p:cNvSpPr>
@@ -1294,24 +1452,27 @@
         <p:spPr/>
         <p:txBody>
           <a:bodyPr/>
-          <a:lstStyle/>
+          <a:lstStyle>
+            <a:lvl1pPr>
+              <a:defRPr>
+                <a:solidFill>
+                  <a:schemeClr val="tx2"/>
+                </a:solidFill>
+              </a:defRPr>
+            </a:lvl1pPr>
+          </a:lstStyle>
           <a:p>
             <a:r>
               <a:rPr lang="en-US"/>
               <a:t>Click to edit Master title style</a:t>
             </a:r>
-          </a:p>
-        </p:txBody>
-      </p:sp>
-      <p:sp>
-        <p:nvSpPr>
-          <p:cNvPr id="3" name="Content Placeholder 2">
-            <a:extLst>
-              <a:ext uri="{FF2B5EF4-FFF2-40B4-BE49-F238E27FC236}">
-                <a16:creationId xmlns:a16="http://schemas.microsoft.com/office/drawing/2014/main" id="{C2FB8099-38FD-4DE5-A550-0C43ACF05F51}"/>
-              </a:ext>
-            </a:extLst>
-          </p:cNvPr>
+            <a:endParaRPr lang="en-US" dirty="0"/>
+          </a:p>
+        </p:txBody>
+      </p:sp>
+      <p:sp>
+        <p:nvSpPr>
+          <p:cNvPr id="3" name="Content Placeholder 2"/>
           <p:cNvSpPr>
             <a:spLocks noGrp="1"/>
           </p:cNvSpPr>
@@ -1321,13 +1482,49 @@
         </p:nvSpPr>
         <p:spPr>
           <a:xfrm>
-            <a:off x="838200" y="1825625"/>
-            <a:ext cx="5181600" cy="4351338"/>
+            <a:off x="1371600" y="2285999"/>
+            <a:ext cx="4447786" cy="3581401"/>
           </a:xfrm>
         </p:spPr>
         <p:txBody>
           <a:bodyPr/>
-          <a:lstStyle/>
+          <a:lstStyle>
+            <a:lvl1pPr>
+              <a:defRPr baseline="0">
+                <a:solidFill>
+                  <a:schemeClr val="tx2"/>
+                </a:solidFill>
+              </a:defRPr>
+            </a:lvl1pPr>
+            <a:lvl2pPr>
+              <a:defRPr baseline="0">
+                <a:solidFill>
+                  <a:schemeClr val="tx2"/>
+                </a:solidFill>
+              </a:defRPr>
+            </a:lvl2pPr>
+            <a:lvl3pPr>
+              <a:defRPr baseline="0">
+                <a:solidFill>
+                  <a:schemeClr val="tx2"/>
+                </a:solidFill>
+              </a:defRPr>
+            </a:lvl3pPr>
+            <a:lvl4pPr>
+              <a:defRPr baseline="0">
+                <a:solidFill>
+                  <a:schemeClr val="tx2"/>
+                </a:solidFill>
+              </a:defRPr>
+            </a:lvl4pPr>
+            <a:lvl5pPr>
+              <a:defRPr baseline="0">
+                <a:solidFill>
+                  <a:schemeClr val="tx2"/>
+                </a:solidFill>
+              </a:defRPr>
+            </a:lvl5pPr>
+          </a:lstStyle>
           <a:p>
             <a:pPr lvl="0"/>
             <a:r>
@@ -1362,18 +1559,13 @@
               <a:rPr lang="en-US"/>
               <a:t>Fifth level</a:t>
             </a:r>
-          </a:p>
-        </p:txBody>
-      </p:sp>
-      <p:sp>
-        <p:nvSpPr>
-          <p:cNvPr id="4" name="Content Placeholder 3">
-            <a:extLst>
-              <a:ext uri="{FF2B5EF4-FFF2-40B4-BE49-F238E27FC236}">
-                <a16:creationId xmlns:a16="http://schemas.microsoft.com/office/drawing/2014/main" id="{A70B8980-D7F3-48BF-BCD5-7B795B87C926}"/>
-              </a:ext>
-            </a:extLst>
-          </p:cNvPr>
+            <a:endParaRPr lang="en-US" dirty="0"/>
+          </a:p>
+        </p:txBody>
+      </p:sp>
+      <p:sp>
+        <p:nvSpPr>
+          <p:cNvPr id="4" name="Content Placeholder 3"/>
           <p:cNvSpPr>
             <a:spLocks noGrp="1"/>
           </p:cNvSpPr>
@@ -1383,13 +1575,49 @@
         </p:nvSpPr>
         <p:spPr>
           <a:xfrm>
-            <a:off x="6172200" y="1825625"/>
-            <a:ext cx="5181600" cy="4351338"/>
+            <a:off x="6525403" y="2285999"/>
+            <a:ext cx="4447786" cy="3581401"/>
           </a:xfrm>
         </p:spPr>
         <p:txBody>
           <a:bodyPr/>
-          <a:lstStyle/>
+          <a:lstStyle>
+            <a:lvl1pPr>
+              <a:defRPr>
+                <a:solidFill>
+                  <a:schemeClr val="tx2"/>
+                </a:solidFill>
+              </a:defRPr>
+            </a:lvl1pPr>
+            <a:lvl2pPr>
+              <a:defRPr>
+                <a:solidFill>
+                  <a:schemeClr val="tx2"/>
+                </a:solidFill>
+              </a:defRPr>
+            </a:lvl2pPr>
+            <a:lvl3pPr>
+              <a:defRPr>
+                <a:solidFill>
+                  <a:schemeClr val="tx2"/>
+                </a:solidFill>
+              </a:defRPr>
+            </a:lvl3pPr>
+            <a:lvl4pPr>
+              <a:defRPr>
+                <a:solidFill>
+                  <a:schemeClr val="tx2"/>
+                </a:solidFill>
+              </a:defRPr>
+            </a:lvl4pPr>
+            <a:lvl5pPr>
+              <a:defRPr>
+                <a:solidFill>
+                  <a:schemeClr val="tx2"/>
+                </a:solidFill>
+              </a:defRPr>
+            </a:lvl5pPr>
+          </a:lstStyle>
           <a:p>
             <a:pPr lvl="0"/>
             <a:r>
@@ -1424,18 +1652,13 @@
               <a:rPr lang="en-US"/>
               <a:t>Fifth level</a:t>
             </a:r>
-          </a:p>
-        </p:txBody>
-      </p:sp>
-      <p:sp>
-        <p:nvSpPr>
-          <p:cNvPr id="5" name="Date Placeholder 4">
-            <a:extLst>
-              <a:ext uri="{FF2B5EF4-FFF2-40B4-BE49-F238E27FC236}">
-                <a16:creationId xmlns:a16="http://schemas.microsoft.com/office/drawing/2014/main" id="{1926B70D-2A2E-41AD-BA26-D94E711A07E6}"/>
-              </a:ext>
-            </a:extLst>
-          </p:cNvPr>
+            <a:endParaRPr lang="en-US" dirty="0"/>
+          </a:p>
+        </p:txBody>
+      </p:sp>
+      <p:sp>
+        <p:nvSpPr>
+          <p:cNvPr id="5" name="Date Placeholder 4"/>
           <p:cNvSpPr>
             <a:spLocks noGrp="1"/>
           </p:cNvSpPr>
@@ -1458,13 +1681,7 @@
       </p:sp>
       <p:sp>
         <p:nvSpPr>
-          <p:cNvPr id="6" name="Footer Placeholder 5">
-            <a:extLst>
-              <a:ext uri="{FF2B5EF4-FFF2-40B4-BE49-F238E27FC236}">
-                <a16:creationId xmlns:a16="http://schemas.microsoft.com/office/drawing/2014/main" id="{0A6925EB-B83B-457B-8C75-66A12C7BEB2E}"/>
-              </a:ext>
-            </a:extLst>
-          </p:cNvPr>
+          <p:cNvPr id="6" name="Footer Placeholder 5"/>
           <p:cNvSpPr>
             <a:spLocks noGrp="1"/>
           </p:cNvSpPr>
@@ -1483,13 +1700,7 @@
       </p:sp>
       <p:sp>
         <p:nvSpPr>
-          <p:cNvPr id="7" name="Slide Number Placeholder 6">
-            <a:extLst>
-              <a:ext uri="{FF2B5EF4-FFF2-40B4-BE49-F238E27FC236}">
-                <a16:creationId xmlns:a16="http://schemas.microsoft.com/office/drawing/2014/main" id="{E92AC68B-D9CC-4644-B63A-09053396EB10}"/>
-              </a:ext>
-            </a:extLst>
-          </p:cNvPr>
+          <p:cNvPr id="7" name="Slide Number Placeholder 6"/>
           <p:cNvSpPr>
             <a:spLocks noGrp="1"/>
           </p:cNvSpPr>
@@ -1513,7 +1724,7 @@
     </p:spTree>
     <p:extLst>
       <p:ext uri="{BB962C8B-B14F-4D97-AF65-F5344CB8AC3E}">
-        <p14:creationId xmlns:p14="http://schemas.microsoft.com/office/powerpoint/2010/main" val="560998607"/>
+        <p14:creationId xmlns:p14="http://schemas.microsoft.com/office/powerpoint/2010/main" val="4194378484"/>
       </p:ext>
     </p:extLst>
   </p:cSld>
@@ -1542,13 +1753,7 @@
       </p:grpSpPr>
       <p:sp>
         <p:nvSpPr>
-          <p:cNvPr id="2" name="Title 1">
-            <a:extLst>
-              <a:ext uri="{FF2B5EF4-FFF2-40B4-BE49-F238E27FC236}">
-                <a16:creationId xmlns:a16="http://schemas.microsoft.com/office/drawing/2014/main" id="{753F754A-5BF3-45F9-B636-0F6D5570A465}"/>
-              </a:ext>
-            </a:extLst>
-          </p:cNvPr>
+          <p:cNvPr id="2" name="Title 1"/>
           <p:cNvSpPr>
             <a:spLocks noGrp="1"/>
           </p:cNvSpPr>
@@ -1558,30 +1763,33 @@
         </p:nvSpPr>
         <p:spPr>
           <a:xfrm>
-            <a:off x="839788" y="365125"/>
-            <a:ext cx="10515600" cy="1325563"/>
+            <a:off x="1371600" y="685800"/>
+            <a:ext cx="9601200" cy="1485900"/>
           </a:xfrm>
         </p:spPr>
         <p:txBody>
           <a:bodyPr/>
-          <a:lstStyle/>
+          <a:lstStyle>
+            <a:lvl1pPr>
+              <a:defRPr>
+                <a:solidFill>
+                  <a:schemeClr val="tx2"/>
+                </a:solidFill>
+              </a:defRPr>
+            </a:lvl1pPr>
+          </a:lstStyle>
           <a:p>
             <a:r>
               <a:rPr lang="en-US"/>
               <a:t>Click to edit Master title style</a:t>
             </a:r>
-          </a:p>
-        </p:txBody>
-      </p:sp>
-      <p:sp>
-        <p:nvSpPr>
-          <p:cNvPr id="3" name="Text Placeholder 2">
-            <a:extLst>
-              <a:ext uri="{FF2B5EF4-FFF2-40B4-BE49-F238E27FC236}">
-                <a16:creationId xmlns:a16="http://schemas.microsoft.com/office/drawing/2014/main" id="{01B82264-9552-43C7-A1D1-902F7F0A4809}"/>
-              </a:ext>
-            </a:extLst>
-          </p:cNvPr>
+            <a:endParaRPr lang="en-US" dirty="0"/>
+          </a:p>
+        </p:txBody>
+      </p:sp>
+      <p:sp>
+        <p:nvSpPr>
+          <p:cNvPr id="3" name="Text Placeholder 2"/>
           <p:cNvSpPr>
             <a:spLocks noGrp="1"/>
           </p:cNvSpPr>
@@ -1591,16 +1799,31 @@
         </p:nvSpPr>
         <p:spPr>
           <a:xfrm>
-            <a:off x="839788" y="1681163"/>
-            <a:ext cx="5157787" cy="823912"/>
-          </a:xfrm>
-        </p:spPr>
-        <p:txBody>
-          <a:bodyPr anchor="b"/>
+            <a:off x="1371600" y="2340864"/>
+            <a:ext cx="4443984" cy="823912"/>
+          </a:xfrm>
+        </p:spPr>
+        <p:txBody>
+          <a:bodyPr anchor="b">
+            <a:noAutofit/>
+          </a:bodyPr>
           <a:lstStyle>
             <a:lvl1pPr marL="0" indent="0">
-              <a:buNone/>
-              <a:defRPr sz="2400" b="1"/>
+              <a:lnSpc>
+                <a:spcPct val="84000"/>
+              </a:lnSpc>
+              <a:spcBef>
+                <a:spcPts val="0"/>
+              </a:spcBef>
+              <a:spcAft>
+                <a:spcPts val="0"/>
+              </a:spcAft>
+              <a:buNone/>
+              <a:defRPr sz="3000" b="0" baseline="0">
+                <a:solidFill>
+                  <a:schemeClr val="tx2"/>
+                </a:solidFill>
+              </a:defRPr>
             </a:lvl1pPr>
             <a:lvl2pPr marL="457200" indent="0">
               <a:buNone/>
@@ -1646,13 +1869,7 @@
       </p:sp>
       <p:sp>
         <p:nvSpPr>
-          <p:cNvPr id="4" name="Content Placeholder 3">
-            <a:extLst>
-              <a:ext uri="{FF2B5EF4-FFF2-40B4-BE49-F238E27FC236}">
-                <a16:creationId xmlns:a16="http://schemas.microsoft.com/office/drawing/2014/main" id="{FFEDCB26-92E7-431E-B903-01FA6E98F5E2}"/>
-              </a:ext>
-            </a:extLst>
-          </p:cNvPr>
+          <p:cNvPr id="4" name="Content Placeholder 3"/>
           <p:cNvSpPr>
             <a:spLocks noGrp="1"/>
           </p:cNvSpPr>
@@ -1662,13 +1879,49 @@
         </p:nvSpPr>
         <p:spPr>
           <a:xfrm>
-            <a:off x="839788" y="2505075"/>
-            <a:ext cx="5157787" cy="3684588"/>
+            <a:off x="1371600" y="3305207"/>
+            <a:ext cx="4443984" cy="2562193"/>
           </a:xfrm>
         </p:spPr>
         <p:txBody>
           <a:bodyPr/>
-          <a:lstStyle/>
+          <a:lstStyle>
+            <a:lvl1pPr>
+              <a:defRPr baseline="0">
+                <a:solidFill>
+                  <a:schemeClr val="tx2"/>
+                </a:solidFill>
+              </a:defRPr>
+            </a:lvl1pPr>
+            <a:lvl2pPr>
+              <a:defRPr baseline="0">
+                <a:solidFill>
+                  <a:schemeClr val="tx2"/>
+                </a:solidFill>
+              </a:defRPr>
+            </a:lvl2pPr>
+            <a:lvl3pPr>
+              <a:defRPr baseline="0">
+                <a:solidFill>
+                  <a:schemeClr val="tx2"/>
+                </a:solidFill>
+              </a:defRPr>
+            </a:lvl3pPr>
+            <a:lvl4pPr>
+              <a:defRPr baseline="0">
+                <a:solidFill>
+                  <a:schemeClr val="tx2"/>
+                </a:solidFill>
+              </a:defRPr>
+            </a:lvl4pPr>
+            <a:lvl5pPr>
+              <a:defRPr baseline="0">
+                <a:solidFill>
+                  <a:schemeClr val="tx2"/>
+                </a:solidFill>
+              </a:defRPr>
+            </a:lvl5pPr>
+          </a:lstStyle>
           <a:p>
             <a:pPr lvl="0"/>
             <a:r>
@@ -1703,18 +1956,13 @@
               <a:rPr lang="en-US"/>
               <a:t>Fifth level</a:t>
             </a:r>
-          </a:p>
-        </p:txBody>
-      </p:sp>
-      <p:sp>
-        <p:nvSpPr>
-          <p:cNvPr id="5" name="Text Placeholder 4">
-            <a:extLst>
-              <a:ext uri="{FF2B5EF4-FFF2-40B4-BE49-F238E27FC236}">
-                <a16:creationId xmlns:a16="http://schemas.microsoft.com/office/drawing/2014/main" id="{F0242FE6-63D7-42E4-972D-FAB9FAFBA930}"/>
-              </a:ext>
-            </a:extLst>
-          </p:cNvPr>
+            <a:endParaRPr lang="en-US" dirty="0"/>
+          </a:p>
+        </p:txBody>
+      </p:sp>
+      <p:sp>
+        <p:nvSpPr>
+          <p:cNvPr id="5" name="Text Placeholder 4"/>
           <p:cNvSpPr>
             <a:spLocks noGrp="1"/>
           </p:cNvSpPr>
@@ -1724,16 +1972,31 @@
         </p:nvSpPr>
         <p:spPr>
           <a:xfrm>
-            <a:off x="6172200" y="1681163"/>
-            <a:ext cx="5183188" cy="823912"/>
-          </a:xfrm>
-        </p:spPr>
-        <p:txBody>
-          <a:bodyPr anchor="b"/>
+            <a:off x="6525014" y="2340864"/>
+            <a:ext cx="4443984" cy="823912"/>
+          </a:xfrm>
+        </p:spPr>
+        <p:txBody>
+          <a:bodyPr anchor="b">
+            <a:noAutofit/>
+          </a:bodyPr>
           <a:lstStyle>
             <a:lvl1pPr marL="0" indent="0">
-              <a:buNone/>
-              <a:defRPr sz="2400" b="1"/>
+              <a:lnSpc>
+                <a:spcPct val="84000"/>
+              </a:lnSpc>
+              <a:spcBef>
+                <a:spcPts val="0"/>
+              </a:spcBef>
+              <a:spcAft>
+                <a:spcPts val="0"/>
+              </a:spcAft>
+              <a:buNone/>
+              <a:defRPr sz="3000" b="0" baseline="0">
+                <a:solidFill>
+                  <a:schemeClr val="tx2"/>
+                </a:solidFill>
+              </a:defRPr>
             </a:lvl1pPr>
             <a:lvl2pPr marL="457200" indent="0">
               <a:buNone/>
@@ -1779,13 +2042,7 @@
       </p:sp>
       <p:sp>
         <p:nvSpPr>
-          <p:cNvPr id="6" name="Content Placeholder 5">
-            <a:extLst>
-              <a:ext uri="{FF2B5EF4-FFF2-40B4-BE49-F238E27FC236}">
-                <a16:creationId xmlns:a16="http://schemas.microsoft.com/office/drawing/2014/main" id="{E9816D59-976B-48E9-B1C2-78827F0193C3}"/>
-              </a:ext>
-            </a:extLst>
-          </p:cNvPr>
+          <p:cNvPr id="6" name="Content Placeholder 5"/>
           <p:cNvSpPr>
             <a:spLocks noGrp="1"/>
           </p:cNvSpPr>
@@ -1795,13 +2052,49 @@
         </p:nvSpPr>
         <p:spPr>
           <a:xfrm>
-            <a:off x="6172200" y="2505075"/>
-            <a:ext cx="5183188" cy="3684588"/>
+            <a:off x="6525014" y="3305207"/>
+            <a:ext cx="4443984" cy="2562193"/>
           </a:xfrm>
         </p:spPr>
         <p:txBody>
           <a:bodyPr/>
-          <a:lstStyle/>
+          <a:lstStyle>
+            <a:lvl1pPr>
+              <a:defRPr baseline="0">
+                <a:solidFill>
+                  <a:schemeClr val="tx2"/>
+                </a:solidFill>
+              </a:defRPr>
+            </a:lvl1pPr>
+            <a:lvl2pPr>
+              <a:defRPr baseline="0">
+                <a:solidFill>
+                  <a:schemeClr val="tx2"/>
+                </a:solidFill>
+              </a:defRPr>
+            </a:lvl2pPr>
+            <a:lvl3pPr>
+              <a:defRPr baseline="0">
+                <a:solidFill>
+                  <a:schemeClr val="tx2"/>
+                </a:solidFill>
+              </a:defRPr>
+            </a:lvl3pPr>
+            <a:lvl4pPr>
+              <a:defRPr baseline="0">
+                <a:solidFill>
+                  <a:schemeClr val="tx2"/>
+                </a:solidFill>
+              </a:defRPr>
+            </a:lvl4pPr>
+            <a:lvl5pPr>
+              <a:defRPr baseline="0">
+                <a:solidFill>
+                  <a:schemeClr val="tx2"/>
+                </a:solidFill>
+              </a:defRPr>
+            </a:lvl5pPr>
+          </a:lstStyle>
           <a:p>
             <a:pPr lvl="0"/>
             <a:r>
@@ -1836,18 +2129,13 @@
               <a:rPr lang="en-US"/>
               <a:t>Fifth level</a:t>
             </a:r>
-          </a:p>
-        </p:txBody>
-      </p:sp>
-      <p:sp>
-        <p:nvSpPr>
-          <p:cNvPr id="7" name="Date Placeholder 6">
-            <a:extLst>
-              <a:ext uri="{FF2B5EF4-FFF2-40B4-BE49-F238E27FC236}">
-                <a16:creationId xmlns:a16="http://schemas.microsoft.com/office/drawing/2014/main" id="{01526206-EEBC-44CF-9610-D192A4793C95}"/>
-              </a:ext>
-            </a:extLst>
-          </p:cNvPr>
+            <a:endParaRPr lang="en-US" dirty="0"/>
+          </a:p>
+        </p:txBody>
+      </p:sp>
+      <p:sp>
+        <p:nvSpPr>
+          <p:cNvPr id="7" name="Date Placeholder 6"/>
           <p:cNvSpPr>
             <a:spLocks noGrp="1"/>
           </p:cNvSpPr>
@@ -1870,13 +2158,7 @@
       </p:sp>
       <p:sp>
         <p:nvSpPr>
-          <p:cNvPr id="8" name="Footer Placeholder 7">
-            <a:extLst>
-              <a:ext uri="{FF2B5EF4-FFF2-40B4-BE49-F238E27FC236}">
-                <a16:creationId xmlns:a16="http://schemas.microsoft.com/office/drawing/2014/main" id="{212FF637-CEDF-43B9-8D4A-D6B336C0681F}"/>
-              </a:ext>
-            </a:extLst>
-          </p:cNvPr>
+          <p:cNvPr id="8" name="Footer Placeholder 7"/>
           <p:cNvSpPr>
             <a:spLocks noGrp="1"/>
           </p:cNvSpPr>
@@ -1895,13 +2177,7 @@
       </p:sp>
       <p:sp>
         <p:nvSpPr>
-          <p:cNvPr id="9" name="Slide Number Placeholder 8">
-            <a:extLst>
-              <a:ext uri="{FF2B5EF4-FFF2-40B4-BE49-F238E27FC236}">
-                <a16:creationId xmlns:a16="http://schemas.microsoft.com/office/drawing/2014/main" id="{BC3BD30A-30D2-4070-9914-D4CD2821C8F5}"/>
-              </a:ext>
-            </a:extLst>
-          </p:cNvPr>
+          <p:cNvPr id="9" name="Slide Number Placeholder 8"/>
           <p:cNvSpPr>
             <a:spLocks noGrp="1"/>
           </p:cNvSpPr>
@@ -1925,7 +2201,7 @@
     </p:spTree>
     <p:extLst>
       <p:ext uri="{BB962C8B-B14F-4D97-AF65-F5344CB8AC3E}">
-        <p14:creationId xmlns:p14="http://schemas.microsoft.com/office/powerpoint/2010/main" val="2617461415"/>
+        <p14:creationId xmlns:p14="http://schemas.microsoft.com/office/powerpoint/2010/main" val="3810227342"/>
       </p:ext>
     </p:extLst>
   </p:cSld>
@@ -1954,13 +2230,7 @@
       </p:grpSpPr>
       <p:sp>
         <p:nvSpPr>
-          <p:cNvPr id="2" name="Title 1">
-            <a:extLst>
-              <a:ext uri="{FF2B5EF4-FFF2-40B4-BE49-F238E27FC236}">
-                <a16:creationId xmlns:a16="http://schemas.microsoft.com/office/drawing/2014/main" id="{1E41343A-A662-490D-99DB-3BC2A6D56E3B}"/>
-              </a:ext>
-            </a:extLst>
-          </p:cNvPr>
+          <p:cNvPr id="2" name="Title 1"/>
           <p:cNvSpPr>
             <a:spLocks noGrp="1"/>
           </p:cNvSpPr>
@@ -1977,18 +2247,13 @@
               <a:rPr lang="en-US"/>
               <a:t>Click to edit Master title style</a:t>
             </a:r>
-          </a:p>
-        </p:txBody>
-      </p:sp>
-      <p:sp>
-        <p:nvSpPr>
-          <p:cNvPr id="3" name="Date Placeholder 2">
-            <a:extLst>
-              <a:ext uri="{FF2B5EF4-FFF2-40B4-BE49-F238E27FC236}">
-                <a16:creationId xmlns:a16="http://schemas.microsoft.com/office/drawing/2014/main" id="{82EC27E7-76BD-4D9F-A2BE-9947F7D4B1F8}"/>
-              </a:ext>
-            </a:extLst>
-          </p:cNvPr>
+            <a:endParaRPr lang="en-US" dirty="0"/>
+          </a:p>
+        </p:txBody>
+      </p:sp>
+      <p:sp>
+        <p:nvSpPr>
+          <p:cNvPr id="3" name="Date Placeholder 2"/>
           <p:cNvSpPr>
             <a:spLocks noGrp="1"/>
           </p:cNvSpPr>
@@ -2011,13 +2276,7 @@
       </p:sp>
       <p:sp>
         <p:nvSpPr>
-          <p:cNvPr id="4" name="Footer Placeholder 3">
-            <a:extLst>
-              <a:ext uri="{FF2B5EF4-FFF2-40B4-BE49-F238E27FC236}">
-                <a16:creationId xmlns:a16="http://schemas.microsoft.com/office/drawing/2014/main" id="{FFD037BC-A593-4194-97DD-72C5CE89609A}"/>
-              </a:ext>
-            </a:extLst>
-          </p:cNvPr>
+          <p:cNvPr id="4" name="Footer Placeholder 3"/>
           <p:cNvSpPr>
             <a:spLocks noGrp="1"/>
           </p:cNvSpPr>
@@ -2036,13 +2295,7 @@
       </p:sp>
       <p:sp>
         <p:nvSpPr>
-          <p:cNvPr id="5" name="Slide Number Placeholder 4">
-            <a:extLst>
-              <a:ext uri="{FF2B5EF4-FFF2-40B4-BE49-F238E27FC236}">
-                <a16:creationId xmlns:a16="http://schemas.microsoft.com/office/drawing/2014/main" id="{AD68B45E-B6FA-43D0-AEDC-E029514BE79E}"/>
-              </a:ext>
-            </a:extLst>
-          </p:cNvPr>
+          <p:cNvPr id="5" name="Slide Number Placeholder 4"/>
           <p:cNvSpPr>
             <a:spLocks noGrp="1"/>
           </p:cNvSpPr>
@@ -2066,7 +2319,7 @@
     </p:spTree>
     <p:extLst>
       <p:ext uri="{BB962C8B-B14F-4D97-AF65-F5344CB8AC3E}">
-        <p14:creationId xmlns:p14="http://schemas.microsoft.com/office/powerpoint/2010/main" val="64509254"/>
+        <p14:creationId xmlns:p14="http://schemas.microsoft.com/office/powerpoint/2010/main" val="1870992713"/>
       </p:ext>
     </p:extLst>
   </p:cSld>
@@ -2095,13 +2348,7 @@
       </p:grpSpPr>
       <p:sp>
         <p:nvSpPr>
-          <p:cNvPr id="2" name="Date Placeholder 1">
-            <a:extLst>
-              <a:ext uri="{FF2B5EF4-FFF2-40B4-BE49-F238E27FC236}">
-                <a16:creationId xmlns:a16="http://schemas.microsoft.com/office/drawing/2014/main" id="{798A72BB-F084-4D54-9CEA-DD6B502A58F2}"/>
-              </a:ext>
-            </a:extLst>
-          </p:cNvPr>
+          <p:cNvPr id="2" name="Date Placeholder 1"/>
           <p:cNvSpPr>
             <a:spLocks noGrp="1"/>
           </p:cNvSpPr>
@@ -2124,13 +2371,7 @@
       </p:sp>
       <p:sp>
         <p:nvSpPr>
-          <p:cNvPr id="3" name="Footer Placeholder 2">
-            <a:extLst>
-              <a:ext uri="{FF2B5EF4-FFF2-40B4-BE49-F238E27FC236}">
-                <a16:creationId xmlns:a16="http://schemas.microsoft.com/office/drawing/2014/main" id="{2A8E76A6-F909-4156-81AE-9F8A66BCFDF0}"/>
-              </a:ext>
-            </a:extLst>
-          </p:cNvPr>
+          <p:cNvPr id="3" name="Footer Placeholder 2"/>
           <p:cNvSpPr>
             <a:spLocks noGrp="1"/>
           </p:cNvSpPr>
@@ -2149,13 +2390,7 @@
       </p:sp>
       <p:sp>
         <p:nvSpPr>
-          <p:cNvPr id="4" name="Slide Number Placeholder 3">
-            <a:extLst>
-              <a:ext uri="{FF2B5EF4-FFF2-40B4-BE49-F238E27FC236}">
-                <a16:creationId xmlns:a16="http://schemas.microsoft.com/office/drawing/2014/main" id="{9116F40A-56FC-4398-A92A-7DEC289A67DC}"/>
-              </a:ext>
-            </a:extLst>
-          </p:cNvPr>
+          <p:cNvPr id="4" name="Slide Number Placeholder 3"/>
           <p:cNvSpPr>
             <a:spLocks noGrp="1"/>
           </p:cNvSpPr>
@@ -2179,7 +2414,7 @@
     </p:spTree>
     <p:extLst>
       <p:ext uri="{BB962C8B-B14F-4D97-AF65-F5344CB8AC3E}">
-        <p14:creationId xmlns:p14="http://schemas.microsoft.com/office/powerpoint/2010/main" val="2328941237"/>
+        <p14:creationId xmlns:p14="http://schemas.microsoft.com/office/powerpoint/2010/main" val="271250365"/>
       </p:ext>
     </p:extLst>
   </p:cSld>
@@ -2190,7 +2425,7 @@
 </file>
 
 <file path=ppt/slideLayouts/slideLayout8.xml><?xml version="1.0" encoding="utf-8"?>
-<p:sldLayout xmlns:a="http://schemas.openxmlformats.org/drawingml/2006/main" xmlns:r="http://schemas.openxmlformats.org/officeDocument/2006/relationships" xmlns:p="http://schemas.openxmlformats.org/presentationml/2006/main" type="objTx" preserve="1">
+<p:sldLayout xmlns:a="http://schemas.openxmlformats.org/drawingml/2006/main" xmlns:r="http://schemas.openxmlformats.org/officeDocument/2006/relationships" xmlns:p="http://schemas.openxmlformats.org/presentationml/2006/main" showMasterSp="0" type="objTx" preserve="1">
   <p:cSld name="Content with Caption">
     <p:spTree>
       <p:nvGrpSpPr>
@@ -2208,13 +2443,45 @@
       </p:grpSpPr>
       <p:sp>
         <p:nvSpPr>
-          <p:cNvPr id="2" name="Title 1">
-            <a:extLst>
-              <a:ext uri="{FF2B5EF4-FFF2-40B4-BE49-F238E27FC236}">
-                <a16:creationId xmlns:a16="http://schemas.microsoft.com/office/drawing/2014/main" id="{5C2C3BCD-9ABA-4356-8542-786D9D38F793}"/>
-              </a:ext>
-            </a:extLst>
-          </p:cNvPr>
+          <p:cNvPr id="8" name="Rectangle 7" title="Background Shape"/>
+          <p:cNvSpPr/>
+          <p:nvPr/>
+        </p:nvSpPr>
+        <p:spPr>
+          <a:xfrm>
+            <a:off x="0" y="376"/>
+            <a:ext cx="5303520" cy="6857624"/>
+          </a:xfrm>
+          <a:prstGeom prst="rect">
+            <a:avLst/>
+          </a:prstGeom>
+          <a:solidFill>
+            <a:schemeClr val="accent1"/>
+          </a:solidFill>
+          <a:ln>
+            <a:noFill/>
+          </a:ln>
+        </p:spPr>
+        <p:style>
+          <a:lnRef idx="2">
+            <a:schemeClr val="accent1">
+              <a:shade val="50000"/>
+            </a:schemeClr>
+          </a:lnRef>
+          <a:fillRef idx="1">
+            <a:schemeClr val="accent1"/>
+          </a:fillRef>
+          <a:effectRef idx="0">
+            <a:schemeClr val="accent1"/>
+          </a:effectRef>
+          <a:fontRef idx="minor">
+            <a:schemeClr val="lt1"/>
+          </a:fontRef>
+        </p:style>
+      </p:sp>
+      <p:sp>
+        <p:nvSpPr>
+          <p:cNvPr id="2" name="Title 1"/>
           <p:cNvSpPr>
             <a:spLocks noGrp="1"/>
           </p:cNvSpPr>
@@ -2224,15 +2491,24 @@
         </p:nvSpPr>
         <p:spPr>
           <a:xfrm>
-            <a:off x="839788" y="457200"/>
-            <a:ext cx="3932237" cy="1600200"/>
-          </a:xfrm>
-        </p:spPr>
-        <p:txBody>
-          <a:bodyPr anchor="b"/>
+            <a:off x="723900" y="685800"/>
+            <a:ext cx="3855720" cy="2157884"/>
+          </a:xfrm>
+        </p:spPr>
+        <p:txBody>
+          <a:bodyPr anchor="t">
+            <a:noAutofit/>
+          </a:bodyPr>
           <a:lstStyle>
             <a:lvl1pPr>
-              <a:defRPr sz="3200"/>
+              <a:lnSpc>
+                <a:spcPct val="84000"/>
+              </a:lnSpc>
+              <a:defRPr sz="4800" baseline="0">
+                <a:solidFill>
+                  <a:schemeClr val="tx2"/>
+                </a:solidFill>
+              </a:defRPr>
             </a:lvl1pPr>
           </a:lstStyle>
           <a:p>
@@ -2240,18 +2516,13 @@
               <a:rPr lang="en-US"/>
               <a:t>Click to edit Master title style</a:t>
             </a:r>
-          </a:p>
-        </p:txBody>
-      </p:sp>
-      <p:sp>
-        <p:nvSpPr>
-          <p:cNvPr id="3" name="Content Placeholder 2">
-            <a:extLst>
-              <a:ext uri="{FF2B5EF4-FFF2-40B4-BE49-F238E27FC236}">
-                <a16:creationId xmlns:a16="http://schemas.microsoft.com/office/drawing/2014/main" id="{A44D50CD-F207-47EE-9544-A2CE454336BA}"/>
-              </a:ext>
-            </a:extLst>
-          </p:cNvPr>
+            <a:endParaRPr lang="en-US" dirty="0"/>
+          </a:p>
+        </p:txBody>
+      </p:sp>
+      <p:sp>
+        <p:nvSpPr>
+          <p:cNvPr id="3" name="Content Placeholder 2"/>
           <p:cNvSpPr>
             <a:spLocks noGrp="1"/>
           </p:cNvSpPr>
@@ -2261,39 +2532,39 @@
         </p:nvSpPr>
         <p:spPr>
           <a:xfrm>
-            <a:off x="5183188" y="987425"/>
-            <a:ext cx="6172200" cy="4873625"/>
+            <a:off x="6256020" y="685801"/>
+            <a:ext cx="5212080" cy="5175250"/>
           </a:xfrm>
         </p:spPr>
         <p:txBody>
           <a:bodyPr/>
           <a:lstStyle>
             <a:lvl1pPr>
-              <a:defRPr sz="3200"/>
+              <a:defRPr sz="2000"/>
             </a:lvl1pPr>
             <a:lvl2pPr>
-              <a:defRPr sz="2800"/>
+              <a:defRPr sz="2000"/>
             </a:lvl2pPr>
             <a:lvl3pPr>
-              <a:defRPr sz="2400"/>
+              <a:defRPr sz="1800"/>
             </a:lvl3pPr>
             <a:lvl4pPr>
-              <a:defRPr sz="2000"/>
+              <a:defRPr sz="1800"/>
             </a:lvl4pPr>
             <a:lvl5pPr>
-              <a:defRPr sz="2000"/>
+              <a:defRPr sz="1600"/>
             </a:lvl5pPr>
             <a:lvl6pPr>
-              <a:defRPr sz="2000"/>
+              <a:defRPr sz="1600"/>
             </a:lvl6pPr>
             <a:lvl7pPr>
-              <a:defRPr sz="2000"/>
+              <a:defRPr sz="1600"/>
             </a:lvl7pPr>
             <a:lvl8pPr>
-              <a:defRPr sz="2000"/>
+              <a:defRPr sz="1600"/>
             </a:lvl8pPr>
             <a:lvl9pPr>
-              <a:defRPr sz="2000"/>
+              <a:defRPr sz="1600"/>
             </a:lvl9pPr>
           </a:lstStyle>
           <a:p>
@@ -2330,18 +2601,13 @@
               <a:rPr lang="en-US"/>
               <a:t>Fifth level</a:t>
             </a:r>
-          </a:p>
-        </p:txBody>
-      </p:sp>
-      <p:sp>
-        <p:nvSpPr>
-          <p:cNvPr id="4" name="Text Placeholder 3">
-            <a:extLst>
-              <a:ext uri="{FF2B5EF4-FFF2-40B4-BE49-F238E27FC236}">
-                <a16:creationId xmlns:a16="http://schemas.microsoft.com/office/drawing/2014/main" id="{EBA641CF-DB81-4BA2-9693-F02462F39FA2}"/>
-              </a:ext>
-            </a:extLst>
-          </p:cNvPr>
+            <a:endParaRPr lang="en-US" dirty="0"/>
+          </a:p>
+        </p:txBody>
+      </p:sp>
+      <p:sp>
+        <p:nvSpPr>
+          <p:cNvPr id="4" name="Text Placeholder 3"/>
           <p:cNvSpPr>
             <a:spLocks noGrp="1"/>
           </p:cNvSpPr>
@@ -2351,14 +2617,23 @@
         </p:nvSpPr>
         <p:spPr>
           <a:xfrm>
-            <a:off x="839788" y="2057400"/>
-            <a:ext cx="3932237" cy="3811588"/>
+            <a:off x="723900" y="2856344"/>
+            <a:ext cx="3855720" cy="3011056"/>
           </a:xfrm>
         </p:spPr>
         <p:txBody>
           <a:bodyPr/>
           <a:lstStyle>
             <a:lvl1pPr marL="0" indent="0">
+              <a:lnSpc>
+                <a:spcPct val="113000"/>
+              </a:lnSpc>
+              <a:spcBef>
+                <a:spcPts val="0"/>
+              </a:spcBef>
+              <a:spcAft>
+                <a:spcPts val="1500"/>
+              </a:spcAft>
               <a:buNone/>
               <a:defRPr sz="1600"/>
             </a:lvl1pPr>
@@ -2406,13 +2681,7 @@
       </p:sp>
       <p:sp>
         <p:nvSpPr>
-          <p:cNvPr id="5" name="Date Placeholder 4">
-            <a:extLst>
-              <a:ext uri="{FF2B5EF4-FFF2-40B4-BE49-F238E27FC236}">
-                <a16:creationId xmlns:a16="http://schemas.microsoft.com/office/drawing/2014/main" id="{713AC6F3-18DD-44F8-A7A6-ECD6D8914355}"/>
-              </a:ext>
-            </a:extLst>
-          </p:cNvPr>
+          <p:cNvPr id="5" name="Date Placeholder 4"/>
           <p:cNvSpPr>
             <a:spLocks noGrp="1"/>
           </p:cNvSpPr>
@@ -2420,10 +2689,23 @@
             <p:ph type="dt" sz="half" idx="10"/>
           </p:nvPr>
         </p:nvSpPr>
-        <p:spPr/>
+        <p:spPr>
+          <a:xfrm>
+            <a:off x="723900" y="6453386"/>
+            <a:ext cx="1204572" cy="404614"/>
+          </a:xfrm>
+        </p:spPr>
         <p:txBody>
           <a:bodyPr/>
-          <a:lstStyle/>
+          <a:lstStyle>
+            <a:lvl1pPr>
+              <a:defRPr>
+                <a:solidFill>
+                  <a:schemeClr val="tx2"/>
+                </a:solidFill>
+              </a:defRPr>
+            </a:lvl1pPr>
+          </a:lstStyle>
           <a:p>
             <a:fld id="{0502B20F-1090-4D19-84B6-9037509FF2B7}" type="datetimeFigureOut">
               <a:rPr lang="en-US" smtClean="0"/>
@@ -2435,13 +2717,7 @@
       </p:sp>
       <p:sp>
         <p:nvSpPr>
-          <p:cNvPr id="6" name="Footer Placeholder 5">
-            <a:extLst>
-              <a:ext uri="{FF2B5EF4-FFF2-40B4-BE49-F238E27FC236}">
-                <a16:creationId xmlns:a16="http://schemas.microsoft.com/office/drawing/2014/main" id="{1E89DB1B-BC11-4188-9183-12CF4D096111}"/>
-              </a:ext>
-            </a:extLst>
-          </p:cNvPr>
+          <p:cNvPr id="6" name="Footer Placeholder 5"/>
           <p:cNvSpPr>
             <a:spLocks noGrp="1"/>
           </p:cNvSpPr>
@@ -2449,10 +2725,23 @@
             <p:ph type="ftr" sz="quarter" idx="11"/>
           </p:nvPr>
         </p:nvSpPr>
-        <p:spPr/>
+        <p:spPr>
+          <a:xfrm>
+            <a:off x="2205945" y="6453386"/>
+            <a:ext cx="2373675" cy="404614"/>
+          </a:xfrm>
+        </p:spPr>
         <p:txBody>
           <a:bodyPr/>
-          <a:lstStyle/>
+          <a:lstStyle>
+            <a:lvl1pPr>
+              <a:defRPr>
+                <a:solidFill>
+                  <a:schemeClr val="tx2"/>
+                </a:solidFill>
+              </a:defRPr>
+            </a:lvl1pPr>
+          </a:lstStyle>
           <a:p>
             <a:endParaRPr lang="en-US"/>
           </a:p>
@@ -2460,13 +2749,7 @@
       </p:sp>
       <p:sp>
         <p:nvSpPr>
-          <p:cNvPr id="7" name="Slide Number Placeholder 6">
-            <a:extLst>
-              <a:ext uri="{FF2B5EF4-FFF2-40B4-BE49-F238E27FC236}">
-                <a16:creationId xmlns:a16="http://schemas.microsoft.com/office/drawing/2014/main" id="{7537C567-617F-4086-B3E7-21E0B51C5162}"/>
-              </a:ext>
-            </a:extLst>
-          </p:cNvPr>
+          <p:cNvPr id="7" name="Slide Number Placeholder 6"/>
           <p:cNvSpPr>
             <a:spLocks noGrp="1"/>
           </p:cNvSpPr>
@@ -2474,10 +2757,23 @@
             <p:ph type="sldNum" sz="quarter" idx="12"/>
           </p:nvPr>
         </p:nvSpPr>
-        <p:spPr/>
+        <p:spPr>
+          <a:xfrm>
+            <a:off x="9883140" y="6453386"/>
+            <a:ext cx="1596292" cy="404614"/>
+          </a:xfrm>
+        </p:spPr>
         <p:txBody>
           <a:bodyPr/>
-          <a:lstStyle/>
+          <a:lstStyle>
+            <a:lvl1pPr>
+              <a:defRPr>
+                <a:solidFill>
+                  <a:schemeClr val="tx2"/>
+                </a:solidFill>
+              </a:defRPr>
+            </a:lvl1pPr>
+          </a:lstStyle>
           <a:p>
             <a:fld id="{15468DF0-469F-415E-AACB-95E2784A7020}" type="slidenum">
               <a:rPr lang="en-US" smtClean="0"/>
@@ -2487,10 +2783,48 @@
           </a:p>
         </p:txBody>
       </p:sp>
+      <p:sp>
+        <p:nvSpPr>
+          <p:cNvPr id="9" name="Rectangle 8" title="Divider Bar"/>
+          <p:cNvSpPr/>
+          <p:nvPr/>
+        </p:nvSpPr>
+        <p:spPr>
+          <a:xfrm>
+            <a:off x="5303520" y="376"/>
+            <a:ext cx="228600" cy="6858000"/>
+          </a:xfrm>
+          <a:prstGeom prst="rect">
+            <a:avLst/>
+          </a:prstGeom>
+          <a:solidFill>
+            <a:schemeClr val="tx2"/>
+          </a:solidFill>
+          <a:ln>
+            <a:noFill/>
+          </a:ln>
+        </p:spPr>
+        <p:style>
+          <a:lnRef idx="2">
+            <a:schemeClr val="accent1">
+              <a:shade val="50000"/>
+            </a:schemeClr>
+          </a:lnRef>
+          <a:fillRef idx="1">
+            <a:schemeClr val="accent1"/>
+          </a:fillRef>
+          <a:effectRef idx="0">
+            <a:schemeClr val="accent1"/>
+          </a:effectRef>
+          <a:fontRef idx="minor">
+            <a:schemeClr val="lt1"/>
+          </a:fontRef>
+        </p:style>
+      </p:sp>
     </p:spTree>
     <p:extLst>
       <p:ext uri="{BB962C8B-B14F-4D97-AF65-F5344CB8AC3E}">
-        <p14:creationId xmlns:p14="http://schemas.microsoft.com/office/powerpoint/2010/main" val="1681742999"/>
+        <p14:creationId xmlns:p14="http://schemas.microsoft.com/office/powerpoint/2010/main" val="2535358473"/>
       </p:ext>
     </p:extLst>
   </p:cSld>
@@ -2501,7 +2835,7 @@
 </file>
 
 <file path=ppt/slideLayouts/slideLayout9.xml><?xml version="1.0" encoding="utf-8"?>
-<p:sldLayout xmlns:a="http://schemas.openxmlformats.org/drawingml/2006/main" xmlns:r="http://schemas.openxmlformats.org/officeDocument/2006/relationships" xmlns:p="http://schemas.openxmlformats.org/presentationml/2006/main" type="picTx" preserve="1">
+<p:sldLayout xmlns:a="http://schemas.openxmlformats.org/drawingml/2006/main" xmlns:r="http://schemas.openxmlformats.org/officeDocument/2006/relationships" xmlns:p="http://schemas.openxmlformats.org/presentationml/2006/main" showMasterSp="0" type="picTx" preserve="1">
   <p:cSld name="Picture with Caption">
     <p:spTree>
       <p:nvGrpSpPr>
@@ -2519,13 +2853,45 @@
       </p:grpSpPr>
       <p:sp>
         <p:nvSpPr>
-          <p:cNvPr id="2" name="Title 1">
-            <a:extLst>
-              <a:ext uri="{FF2B5EF4-FFF2-40B4-BE49-F238E27FC236}">
-                <a16:creationId xmlns:a16="http://schemas.microsoft.com/office/drawing/2014/main" id="{A2784653-A96B-44D7-A30A-B14BAB8684F0}"/>
-              </a:ext>
-            </a:extLst>
-          </p:cNvPr>
+          <p:cNvPr id="8" name="Rectangle 7" title="Background Shape"/>
+          <p:cNvSpPr/>
+          <p:nvPr/>
+        </p:nvSpPr>
+        <p:spPr>
+          <a:xfrm>
+            <a:off x="0" y="376"/>
+            <a:ext cx="5303520" cy="6857624"/>
+          </a:xfrm>
+          <a:prstGeom prst="rect">
+            <a:avLst/>
+          </a:prstGeom>
+          <a:solidFill>
+            <a:schemeClr val="accent1"/>
+          </a:solidFill>
+          <a:ln>
+            <a:noFill/>
+          </a:ln>
+        </p:spPr>
+        <p:style>
+          <a:lnRef idx="2">
+            <a:schemeClr val="accent1">
+              <a:shade val="50000"/>
+            </a:schemeClr>
+          </a:lnRef>
+          <a:fillRef idx="1">
+            <a:schemeClr val="accent1"/>
+          </a:fillRef>
+          <a:effectRef idx="0">
+            <a:schemeClr val="accent1"/>
+          </a:effectRef>
+          <a:fontRef idx="minor">
+            <a:schemeClr val="lt1"/>
+          </a:fontRef>
+        </p:style>
+      </p:sp>
+      <p:sp>
+        <p:nvSpPr>
+          <p:cNvPr id="2" name="Title 1"/>
           <p:cNvSpPr>
             <a:spLocks noGrp="1"/>
           </p:cNvSpPr>
@@ -2535,15 +2901,20 @@
         </p:nvSpPr>
         <p:spPr>
           <a:xfrm>
-            <a:off x="839788" y="457200"/>
-            <a:ext cx="3932237" cy="1600200"/>
-          </a:xfrm>
-        </p:spPr>
-        <p:txBody>
-          <a:bodyPr anchor="b"/>
+            <a:off x="723900" y="685800"/>
+            <a:ext cx="3855720" cy="2157884"/>
+          </a:xfrm>
+        </p:spPr>
+        <p:txBody>
+          <a:bodyPr anchor="t">
+            <a:normAutofit/>
+          </a:bodyPr>
           <a:lstStyle>
             <a:lvl1pPr>
-              <a:defRPr sz="3200"/>
+              <a:lnSpc>
+                <a:spcPct val="84000"/>
+              </a:lnSpc>
+              <a:defRPr sz="4800" baseline="0"/>
             </a:lvl1pPr>
           </a:lstStyle>
           <a:p>
@@ -2551,20 +2922,15 @@
               <a:rPr lang="en-US"/>
               <a:t>Click to edit Master title style</a:t>
             </a:r>
-          </a:p>
-        </p:txBody>
-      </p:sp>
-      <p:sp>
-        <p:nvSpPr>
-          <p:cNvPr id="3" name="Picture Placeholder 2">
-            <a:extLst>
-              <a:ext uri="{FF2B5EF4-FFF2-40B4-BE49-F238E27FC236}">
-                <a16:creationId xmlns:a16="http://schemas.microsoft.com/office/drawing/2014/main" id="{9C28D780-FFFB-487E-AA45-6DDF37B6631A}"/>
-              </a:ext>
-            </a:extLst>
-          </p:cNvPr>
-          <p:cNvSpPr>
-            <a:spLocks noGrp="1"/>
+            <a:endParaRPr lang="en-US" dirty="0"/>
+          </a:p>
+        </p:txBody>
+      </p:sp>
+      <p:sp>
+        <p:nvSpPr>
+          <p:cNvPr id="3" name="Picture Placeholder 2"/>
+          <p:cNvSpPr>
+            <a:spLocks noGrp="1" noChangeAspect="1"/>
           </p:cNvSpPr>
           <p:nvPr>
             <p:ph type="pic" idx="1"/>
@@ -2572,81 +2938,90 @@
         </p:nvSpPr>
         <p:spPr>
           <a:xfrm>
-            <a:off x="5183188" y="987425"/>
-            <a:ext cx="6172200" cy="4873625"/>
+            <a:off x="5532120" y="0"/>
+            <a:ext cx="6659880" cy="6857999"/>
+          </a:xfrm>
+        </p:spPr>
+        <p:txBody>
+          <a:bodyPr anchor="t">
+            <a:normAutofit/>
+          </a:bodyPr>
+          <a:lstStyle>
+            <a:lvl1pPr marL="0" indent="0">
+              <a:buNone/>
+              <a:defRPr sz="2000"/>
+            </a:lvl1pPr>
+            <a:lvl2pPr marL="457200" indent="0">
+              <a:buNone/>
+              <a:defRPr sz="2000"/>
+            </a:lvl2pPr>
+            <a:lvl3pPr marL="914400" indent="0">
+              <a:buNone/>
+              <a:defRPr sz="2000"/>
+            </a:lvl3pPr>
+            <a:lvl4pPr marL="1371600" indent="0">
+              <a:buNone/>
+              <a:defRPr sz="2000"/>
+            </a:lvl4pPr>
+            <a:lvl5pPr marL="1828800" indent="0">
+              <a:buNone/>
+              <a:defRPr sz="2000"/>
+            </a:lvl5pPr>
+            <a:lvl6pPr marL="2286000" indent="0">
+              <a:buNone/>
+              <a:defRPr sz="2000"/>
+            </a:lvl6pPr>
+            <a:lvl7pPr marL="2743200" indent="0">
+              <a:buNone/>
+              <a:defRPr sz="2000"/>
+            </a:lvl7pPr>
+            <a:lvl8pPr marL="3200400" indent="0">
+              <a:buNone/>
+              <a:defRPr sz="2000"/>
+            </a:lvl8pPr>
+            <a:lvl9pPr marL="3657600" indent="0">
+              <a:buNone/>
+              <a:defRPr sz="2000"/>
+            </a:lvl9pPr>
+          </a:lstStyle>
+          <a:p>
+            <a:r>
+              <a:rPr lang="en-US"/>
+              <a:t>Click icon to add picture</a:t>
+            </a:r>
+            <a:endParaRPr lang="en-US" dirty="0"/>
+          </a:p>
+        </p:txBody>
+      </p:sp>
+      <p:sp>
+        <p:nvSpPr>
+          <p:cNvPr id="4" name="Text Placeholder 3"/>
+          <p:cNvSpPr>
+            <a:spLocks noGrp="1"/>
+          </p:cNvSpPr>
+          <p:nvPr>
+            <p:ph type="body" sz="half" idx="2"/>
+          </p:nvPr>
+        </p:nvSpPr>
+        <p:spPr>
+          <a:xfrm>
+            <a:off x="723900" y="2855968"/>
+            <a:ext cx="3855720" cy="3011432"/>
           </a:xfrm>
         </p:spPr>
         <p:txBody>
           <a:bodyPr/>
           <a:lstStyle>
             <a:lvl1pPr marL="0" indent="0">
-              <a:buNone/>
-              <a:defRPr sz="3200"/>
-            </a:lvl1pPr>
-            <a:lvl2pPr marL="457200" indent="0">
-              <a:buNone/>
-              <a:defRPr sz="2800"/>
-            </a:lvl2pPr>
-            <a:lvl3pPr marL="914400" indent="0">
-              <a:buNone/>
-              <a:defRPr sz="2400"/>
-            </a:lvl3pPr>
-            <a:lvl4pPr marL="1371600" indent="0">
-              <a:buNone/>
-              <a:defRPr sz="2000"/>
-            </a:lvl4pPr>
-            <a:lvl5pPr marL="1828800" indent="0">
-              <a:buNone/>
-              <a:defRPr sz="2000"/>
-            </a:lvl5pPr>
-            <a:lvl6pPr marL="2286000" indent="0">
-              <a:buNone/>
-              <a:defRPr sz="2000"/>
-            </a:lvl6pPr>
-            <a:lvl7pPr marL="2743200" indent="0">
-              <a:buNone/>
-              <a:defRPr sz="2000"/>
-            </a:lvl7pPr>
-            <a:lvl8pPr marL="3200400" indent="0">
-              <a:buNone/>
-              <a:defRPr sz="2000"/>
-            </a:lvl8pPr>
-            <a:lvl9pPr marL="3657600" indent="0">
-              <a:buNone/>
-              <a:defRPr sz="2000"/>
-            </a:lvl9pPr>
-          </a:lstStyle>
-          <a:p>
-            <a:endParaRPr lang="en-US"/>
-          </a:p>
-        </p:txBody>
-      </p:sp>
-      <p:sp>
-        <p:nvSpPr>
-          <p:cNvPr id="4" name="Text Placeholder 3">
-            <a:extLst>
-              <a:ext uri="{FF2B5EF4-FFF2-40B4-BE49-F238E27FC236}">
-                <a16:creationId xmlns:a16="http://schemas.microsoft.com/office/drawing/2014/main" id="{7126FC59-D55A-4D1B-9853-987BD00D97C7}"/>
-              </a:ext>
-            </a:extLst>
-          </p:cNvPr>
-          <p:cNvSpPr>
-            <a:spLocks noGrp="1"/>
-          </p:cNvSpPr>
-          <p:nvPr>
-            <p:ph type="body" sz="half" idx="2"/>
-          </p:nvPr>
-        </p:nvSpPr>
-        <p:spPr>
-          <a:xfrm>
-            <a:off x="839788" y="2057400"/>
-            <a:ext cx="3932237" cy="3811588"/>
-          </a:xfrm>
-        </p:spPr>
-        <p:txBody>
-          <a:bodyPr/>
-          <a:lstStyle>
-            <a:lvl1pPr marL="0" indent="0">
+              <a:lnSpc>
+                <a:spcPct val="113000"/>
+              </a:lnSpc>
+              <a:spcBef>
+                <a:spcPts val="0"/>
+              </a:spcBef>
+              <a:spcAft>
+                <a:spcPts val="1500"/>
+              </a:spcAft>
               <a:buNone/>
               <a:defRPr sz="1600"/>
             </a:lvl1pPr>
@@ -2694,13 +3069,7 @@
       </p:sp>
       <p:sp>
         <p:nvSpPr>
-          <p:cNvPr id="5" name="Date Placeholder 4">
-            <a:extLst>
-              <a:ext uri="{FF2B5EF4-FFF2-40B4-BE49-F238E27FC236}">
-                <a16:creationId xmlns:a16="http://schemas.microsoft.com/office/drawing/2014/main" id="{E6CB47DA-A73B-4627-B803-17BE7458DDFA}"/>
-              </a:ext>
-            </a:extLst>
-          </p:cNvPr>
+          <p:cNvPr id="5" name="Date Placeholder 4"/>
           <p:cNvSpPr>
             <a:spLocks noGrp="1"/>
           </p:cNvSpPr>
@@ -2708,10 +3077,23 @@
             <p:ph type="dt" sz="half" idx="10"/>
           </p:nvPr>
         </p:nvSpPr>
-        <p:spPr/>
+        <p:spPr>
+          <a:xfrm>
+            <a:off x="723900" y="6453386"/>
+            <a:ext cx="1204572" cy="404614"/>
+          </a:xfrm>
+        </p:spPr>
         <p:txBody>
           <a:bodyPr/>
-          <a:lstStyle/>
+          <a:lstStyle>
+            <a:lvl1pPr>
+              <a:defRPr>
+                <a:solidFill>
+                  <a:schemeClr val="tx2"/>
+                </a:solidFill>
+              </a:defRPr>
+            </a:lvl1pPr>
+          </a:lstStyle>
           <a:p>
             <a:fld id="{0502B20F-1090-4D19-84B6-9037509FF2B7}" type="datetimeFigureOut">
               <a:rPr lang="en-US" smtClean="0"/>
@@ -2723,13 +3105,7 @@
       </p:sp>
       <p:sp>
         <p:nvSpPr>
-          <p:cNvPr id="6" name="Footer Placeholder 5">
-            <a:extLst>
-              <a:ext uri="{FF2B5EF4-FFF2-40B4-BE49-F238E27FC236}">
-                <a16:creationId xmlns:a16="http://schemas.microsoft.com/office/drawing/2014/main" id="{55881D4D-32F3-4156-B681-477174F2FF96}"/>
-              </a:ext>
-            </a:extLst>
-          </p:cNvPr>
+          <p:cNvPr id="6" name="Footer Placeholder 5"/>
           <p:cNvSpPr>
             <a:spLocks noGrp="1"/>
           </p:cNvSpPr>
@@ -2737,10 +3113,23 @@
             <p:ph type="ftr" sz="quarter" idx="11"/>
           </p:nvPr>
         </p:nvSpPr>
-        <p:spPr/>
+        <p:spPr>
+          <a:xfrm>
+            <a:off x="2205945" y="6453386"/>
+            <a:ext cx="2373675" cy="404614"/>
+          </a:xfrm>
+        </p:spPr>
         <p:txBody>
           <a:bodyPr/>
-          <a:lstStyle/>
+          <a:lstStyle>
+            <a:lvl1pPr>
+              <a:defRPr>
+                <a:solidFill>
+                  <a:schemeClr val="tx2"/>
+                </a:solidFill>
+              </a:defRPr>
+            </a:lvl1pPr>
+          </a:lstStyle>
           <a:p>
             <a:endParaRPr lang="en-US"/>
           </a:p>
@@ -2748,13 +3137,7 @@
       </p:sp>
       <p:sp>
         <p:nvSpPr>
-          <p:cNvPr id="7" name="Slide Number Placeholder 6">
-            <a:extLst>
-              <a:ext uri="{FF2B5EF4-FFF2-40B4-BE49-F238E27FC236}">
-                <a16:creationId xmlns:a16="http://schemas.microsoft.com/office/drawing/2014/main" id="{E0F3781F-7A9A-4EA1-944D-512CE98778DB}"/>
-              </a:ext>
-            </a:extLst>
-          </p:cNvPr>
+          <p:cNvPr id="7" name="Slide Number Placeholder 6"/>
           <p:cNvSpPr>
             <a:spLocks noGrp="1"/>
           </p:cNvSpPr>
@@ -2762,10 +3145,23 @@
             <p:ph type="sldNum" sz="quarter" idx="12"/>
           </p:nvPr>
         </p:nvSpPr>
-        <p:spPr/>
+        <p:spPr>
+          <a:xfrm>
+            <a:off x="9883140" y="6453386"/>
+            <a:ext cx="1596292" cy="404614"/>
+          </a:xfrm>
+        </p:spPr>
         <p:txBody>
           <a:bodyPr/>
-          <a:lstStyle/>
+          <a:lstStyle>
+            <a:lvl1pPr>
+              <a:defRPr>
+                <a:solidFill>
+                  <a:schemeClr val="tx2"/>
+                </a:solidFill>
+              </a:defRPr>
+            </a:lvl1pPr>
+          </a:lstStyle>
           <a:p>
             <a:fld id="{15468DF0-469F-415E-AACB-95E2784A7020}" type="slidenum">
               <a:rPr lang="en-US" smtClean="0"/>
@@ -2775,10 +3171,48 @@
           </a:p>
         </p:txBody>
       </p:sp>
+      <p:sp>
+        <p:nvSpPr>
+          <p:cNvPr id="9" name="Rectangle 8" title="Divider Bar"/>
+          <p:cNvSpPr/>
+          <p:nvPr/>
+        </p:nvSpPr>
+        <p:spPr>
+          <a:xfrm>
+            <a:off x="5303520" y="376"/>
+            <a:ext cx="228600" cy="6858000"/>
+          </a:xfrm>
+          <a:prstGeom prst="rect">
+            <a:avLst/>
+          </a:prstGeom>
+          <a:solidFill>
+            <a:schemeClr val="tx2"/>
+          </a:solidFill>
+          <a:ln>
+            <a:noFill/>
+          </a:ln>
+        </p:spPr>
+        <p:style>
+          <a:lnRef idx="2">
+            <a:schemeClr val="accent1">
+              <a:shade val="50000"/>
+            </a:schemeClr>
+          </a:lnRef>
+          <a:fillRef idx="1">
+            <a:schemeClr val="accent1"/>
+          </a:fillRef>
+          <a:effectRef idx="0">
+            <a:schemeClr val="accent1"/>
+          </a:effectRef>
+          <a:fontRef idx="minor">
+            <a:schemeClr val="lt1"/>
+          </a:fontRef>
+        </p:style>
+      </p:sp>
     </p:spTree>
     <p:extLst>
       <p:ext uri="{BB962C8B-B14F-4D97-AF65-F5344CB8AC3E}">
-        <p14:creationId xmlns:p14="http://schemas.microsoft.com/office/powerpoint/2010/main" val="1865583429"/>
+        <p14:creationId xmlns:p14="http://schemas.microsoft.com/office/powerpoint/2010/main" val="1088685682"/>
       </p:ext>
     </p:extLst>
   </p:cSld>
@@ -2792,9 +3226,12 @@
 <p:sldMaster xmlns:a="http://schemas.openxmlformats.org/drawingml/2006/main" xmlns:r="http://schemas.openxmlformats.org/officeDocument/2006/relationships" xmlns:p="http://schemas.openxmlformats.org/presentationml/2006/main">
   <p:cSld>
     <p:bg>
-      <p:bgRef idx="1001">
-        <a:schemeClr val="bg1"/>
-      </p:bgRef>
+      <p:bgPr>
+        <a:solidFill>
+          <a:schemeClr val="bg2"/>
+        </a:solidFill>
+        <a:effectLst/>
+      </p:bgPr>
     </p:bg>
     <p:spTree>
       <p:nvGrpSpPr>
@@ -2812,13 +3249,7 @@
       </p:grpSpPr>
       <p:sp>
         <p:nvSpPr>
-          <p:cNvPr id="2" name="Title Placeholder 1">
-            <a:extLst>
-              <a:ext uri="{FF2B5EF4-FFF2-40B4-BE49-F238E27FC236}">
-                <a16:creationId xmlns:a16="http://schemas.microsoft.com/office/drawing/2014/main" id="{5887DA78-A01F-42C3-A300-E1934BFDDF27}"/>
-              </a:ext>
-            </a:extLst>
-          </p:cNvPr>
+          <p:cNvPr id="2" name="Title Placeholder 1"/>
           <p:cNvSpPr>
             <a:spLocks noGrp="1"/>
           </p:cNvSpPr>
@@ -2828,15 +3259,15 @@
         </p:nvSpPr>
         <p:spPr>
           <a:xfrm>
-            <a:off x="838200" y="365125"/>
-            <a:ext cx="10515600" cy="1325563"/>
+            <a:off x="1371600" y="685800"/>
+            <a:ext cx="9601200" cy="1485900"/>
           </a:xfrm>
           <a:prstGeom prst="rect">
             <a:avLst/>
           </a:prstGeom>
         </p:spPr>
         <p:txBody>
-          <a:bodyPr vert="horz" lIns="91440" tIns="45720" rIns="91440" bIns="45720" rtlCol="0" anchor="ctr">
+          <a:bodyPr vert="horz" lIns="91440" tIns="45720" rIns="91440" bIns="45720" rtlCol="0" anchor="t">
             <a:normAutofit/>
           </a:bodyPr>
           <a:lstStyle/>
@@ -2845,18 +3276,13 @@
               <a:rPr lang="en-US"/>
               <a:t>Click to edit Master title style</a:t>
             </a:r>
-          </a:p>
-        </p:txBody>
-      </p:sp>
-      <p:sp>
-        <p:nvSpPr>
-          <p:cNvPr id="3" name="Text Placeholder 2">
-            <a:extLst>
-              <a:ext uri="{FF2B5EF4-FFF2-40B4-BE49-F238E27FC236}">
-                <a16:creationId xmlns:a16="http://schemas.microsoft.com/office/drawing/2014/main" id="{55D4061C-06EF-4C8E-9494-80541A7B95F9}"/>
-              </a:ext>
-            </a:extLst>
-          </p:cNvPr>
+            <a:endParaRPr lang="en-US" dirty="0"/>
+          </a:p>
+        </p:txBody>
+      </p:sp>
+      <p:sp>
+        <p:nvSpPr>
+          <p:cNvPr id="3" name="Text Placeholder 2"/>
           <p:cNvSpPr>
             <a:spLocks noGrp="1"/>
           </p:cNvSpPr>
@@ -2866,8 +3292,8 @@
         </p:nvSpPr>
         <p:spPr>
           <a:xfrm>
-            <a:off x="838200" y="1825625"/>
-            <a:ext cx="10515600" cy="4351338"/>
+            <a:off x="1371600" y="2286000"/>
+            <a:ext cx="9601200" cy="3581400"/>
           </a:xfrm>
           <a:prstGeom prst="rect">
             <a:avLst/>
@@ -2912,18 +3338,13 @@
               <a:rPr lang="en-US"/>
               <a:t>Fifth level</a:t>
             </a:r>
-          </a:p>
-        </p:txBody>
-      </p:sp>
-      <p:sp>
-        <p:nvSpPr>
-          <p:cNvPr id="4" name="Date Placeholder 3">
-            <a:extLst>
-              <a:ext uri="{FF2B5EF4-FFF2-40B4-BE49-F238E27FC236}">
-                <a16:creationId xmlns:a16="http://schemas.microsoft.com/office/drawing/2014/main" id="{EAB25A88-4526-4043-9BE6-31AC270FC958}"/>
-              </a:ext>
-            </a:extLst>
-          </p:cNvPr>
+            <a:endParaRPr lang="en-US" dirty="0"/>
+          </a:p>
+        </p:txBody>
+      </p:sp>
+      <p:sp>
+        <p:nvSpPr>
+          <p:cNvPr id="4" name="Date Placeholder 3"/>
           <p:cNvSpPr>
             <a:spLocks noGrp="1"/>
           </p:cNvSpPr>
@@ -2933,8 +3354,8 @@
         </p:nvSpPr>
         <p:spPr>
           <a:xfrm>
-            <a:off x="838200" y="6356350"/>
-            <a:ext cx="2743200" cy="365125"/>
+            <a:off x="1390650" y="6453386"/>
+            <a:ext cx="1204572" cy="404614"/>
           </a:xfrm>
           <a:prstGeom prst="rect">
             <a:avLst/>
@@ -2944,11 +3365,9 @@
           <a:bodyPr vert="horz" lIns="91440" tIns="45720" rIns="91440" bIns="45720" rtlCol="0" anchor="ctr"/>
           <a:lstStyle>
             <a:lvl1pPr algn="l">
-              <a:defRPr sz="1200">
+              <a:defRPr sz="1200" baseline="0">
                 <a:solidFill>
-                  <a:schemeClr val="tx1">
-                    <a:tint val="75000"/>
-                  </a:schemeClr>
+                  <a:schemeClr val="tx2"/>
                 </a:solidFill>
               </a:defRPr>
             </a:lvl1pPr>
@@ -2964,13 +3383,7 @@
       </p:sp>
       <p:sp>
         <p:nvSpPr>
-          <p:cNvPr id="5" name="Footer Placeholder 4">
-            <a:extLst>
-              <a:ext uri="{FF2B5EF4-FFF2-40B4-BE49-F238E27FC236}">
-                <a16:creationId xmlns:a16="http://schemas.microsoft.com/office/drawing/2014/main" id="{65F62055-D23C-47DC-83F3-0F66F47A97F2}"/>
-              </a:ext>
-            </a:extLst>
-          </p:cNvPr>
+          <p:cNvPr id="5" name="Footer Placeholder 4"/>
           <p:cNvSpPr>
             <a:spLocks noGrp="1"/>
           </p:cNvSpPr>
@@ -2980,8 +3393,8 @@
         </p:nvSpPr>
         <p:spPr>
           <a:xfrm>
-            <a:off x="4038600" y="6356350"/>
-            <a:ext cx="4114800" cy="365125"/>
+            <a:off x="2893564" y="6453386"/>
+            <a:ext cx="6280830" cy="404614"/>
           </a:xfrm>
           <a:prstGeom prst="rect">
             <a:avLst/>
@@ -2990,12 +3403,10 @@
         <p:txBody>
           <a:bodyPr vert="horz" lIns="91440" tIns="45720" rIns="91440" bIns="45720" rtlCol="0" anchor="ctr"/>
           <a:lstStyle>
-            <a:lvl1pPr algn="ctr">
-              <a:defRPr sz="1200">
+            <a:lvl1pPr algn="l">
+              <a:defRPr sz="1200" baseline="0">
                 <a:solidFill>
-                  <a:schemeClr val="tx1">
-                    <a:tint val="75000"/>
-                  </a:schemeClr>
+                  <a:schemeClr val="tx2"/>
                 </a:solidFill>
               </a:defRPr>
             </a:lvl1pPr>
@@ -3007,13 +3418,7 @@
       </p:sp>
       <p:sp>
         <p:nvSpPr>
-          <p:cNvPr id="6" name="Slide Number Placeholder 5">
-            <a:extLst>
-              <a:ext uri="{FF2B5EF4-FFF2-40B4-BE49-F238E27FC236}">
-                <a16:creationId xmlns:a16="http://schemas.microsoft.com/office/drawing/2014/main" id="{D59FD30A-E39E-4A4A-ABB3-9D977E295073}"/>
-              </a:ext>
-            </a:extLst>
-          </p:cNvPr>
+          <p:cNvPr id="6" name="Slide Number Placeholder 5"/>
           <p:cNvSpPr>
             <a:spLocks noGrp="1"/>
           </p:cNvSpPr>
@@ -3023,8 +3428,8 @@
         </p:nvSpPr>
         <p:spPr>
           <a:xfrm>
-            <a:off x="8610600" y="6356350"/>
-            <a:ext cx="2743200" cy="365125"/>
+            <a:off x="9472736" y="6453386"/>
+            <a:ext cx="1596292" cy="404614"/>
           </a:xfrm>
           <a:prstGeom prst="rect">
             <a:avLst/>
@@ -3034,11 +3439,9 @@
           <a:bodyPr vert="horz" lIns="91440" tIns="45720" rIns="91440" bIns="45720" rtlCol="0" anchor="ctr"/>
           <a:lstStyle>
             <a:lvl1pPr algn="r">
-              <a:defRPr sz="1200">
+              <a:defRPr sz="1200" baseline="0">
                 <a:solidFill>
-                  <a:schemeClr val="tx1">
-                    <a:tint val="75000"/>
-                  </a:schemeClr>
+                  <a:schemeClr val="tx2"/>
                 </a:solidFill>
               </a:defRPr>
             </a:lvl1pPr>
@@ -3052,40 +3455,78 @@
           </a:p>
         </p:txBody>
       </p:sp>
+      <p:sp>
+        <p:nvSpPr>
+          <p:cNvPr id="9" name="Rectangle 8" title="Side bar"/>
+          <p:cNvSpPr/>
+          <p:nvPr/>
+        </p:nvSpPr>
+        <p:spPr>
+          <a:xfrm>
+            <a:off x="478095" y="376"/>
+            <a:ext cx="228600" cy="6858000"/>
+          </a:xfrm>
+          <a:prstGeom prst="rect">
+            <a:avLst/>
+          </a:prstGeom>
+          <a:solidFill>
+            <a:schemeClr val="tx2"/>
+          </a:solidFill>
+          <a:ln>
+            <a:noFill/>
+          </a:ln>
+        </p:spPr>
+        <p:style>
+          <a:lnRef idx="2">
+            <a:schemeClr val="accent1">
+              <a:shade val="50000"/>
+            </a:schemeClr>
+          </a:lnRef>
+          <a:fillRef idx="1">
+            <a:schemeClr val="accent1"/>
+          </a:fillRef>
+          <a:effectRef idx="0">
+            <a:schemeClr val="accent1"/>
+          </a:effectRef>
+          <a:fontRef idx="minor">
+            <a:schemeClr val="lt1"/>
+          </a:fontRef>
+        </p:style>
+      </p:sp>
     </p:spTree>
     <p:extLst>
       <p:ext uri="{BB962C8B-B14F-4D97-AF65-F5344CB8AC3E}">
-        <p14:creationId xmlns:p14="http://schemas.microsoft.com/office/powerpoint/2010/main" val="1125556818"/>
+        <p14:creationId xmlns:p14="http://schemas.microsoft.com/office/powerpoint/2010/main" val="1178457011"/>
       </p:ext>
     </p:extLst>
   </p:cSld>
   <p:clrMap bg1="lt1" tx1="dk1" bg2="lt2" tx2="dk2" accent1="accent1" accent2="accent2" accent3="accent3" accent4="accent4" accent5="accent5" accent6="accent6" hlink="hlink" folHlink="folHlink"/>
   <p:sldLayoutIdLst>
-    <p:sldLayoutId id="2147483649" r:id="rId1"/>
-    <p:sldLayoutId id="2147483650" r:id="rId2"/>
-    <p:sldLayoutId id="2147483651" r:id="rId3"/>
-    <p:sldLayoutId id="2147483652" r:id="rId4"/>
-    <p:sldLayoutId id="2147483653" r:id="rId5"/>
-    <p:sldLayoutId id="2147483654" r:id="rId6"/>
-    <p:sldLayoutId id="2147483655" r:id="rId7"/>
-    <p:sldLayoutId id="2147483656" r:id="rId8"/>
-    <p:sldLayoutId id="2147483657" r:id="rId9"/>
-    <p:sldLayoutId id="2147483658" r:id="rId10"/>
-    <p:sldLayoutId id="2147483659" r:id="rId11"/>
+    <p:sldLayoutId id="2147483859" r:id="rId1"/>
+    <p:sldLayoutId id="2147483860" r:id="rId2"/>
+    <p:sldLayoutId id="2147483861" r:id="rId3"/>
+    <p:sldLayoutId id="2147483862" r:id="rId4"/>
+    <p:sldLayoutId id="2147483863" r:id="rId5"/>
+    <p:sldLayoutId id="2147483864" r:id="rId6"/>
+    <p:sldLayoutId id="2147483865" r:id="rId7"/>
+    <p:sldLayoutId id="2147483866" r:id="rId8"/>
+    <p:sldLayoutId id="2147483867" r:id="rId9"/>
+    <p:sldLayoutId id="2147483868" r:id="rId10"/>
+    <p:sldLayoutId id="2147483869" r:id="rId11"/>
   </p:sldLayoutIdLst>
   <p:txStyles>
     <p:titleStyle>
       <a:lvl1pPr algn="l" defTabSz="914400" rtl="0" eaLnBrk="1" latinLnBrk="0" hangingPunct="1">
         <a:lnSpc>
-          <a:spcPct val="90000"/>
+          <a:spcPct val="89000"/>
         </a:lnSpc>
         <a:spcBef>
           <a:spcPct val="0"/>
         </a:spcBef>
         <a:buNone/>
-        <a:defRPr sz="4400" kern="1200">
+        <a:defRPr sz="4400" kern="1200" baseline="0">
           <a:solidFill>
-            <a:schemeClr val="tx1"/>
+            <a:schemeClr val="tx2"/>
           </a:solidFill>
           <a:latin typeface="+mj-lt"/>
           <a:ea typeface="+mj-ea"/>
@@ -3094,162 +3535,189 @@
       </a:lvl1pPr>
     </p:titleStyle>
     <p:bodyStyle>
-      <a:lvl1pPr marL="228600" indent="-228600" algn="l" defTabSz="914400" rtl="0" eaLnBrk="1" latinLnBrk="0" hangingPunct="1">
+      <a:lvl1pPr marL="384048" indent="-384048" algn="l" defTabSz="914400" rtl="0" eaLnBrk="1" latinLnBrk="0" hangingPunct="1">
         <a:lnSpc>
-          <a:spcPct val="90000"/>
+          <a:spcPct val="94000"/>
         </a:lnSpc>
         <a:spcBef>
           <a:spcPts val="1000"/>
         </a:spcBef>
-        <a:buFont typeface="Arial" panose="020B0604020202020204" pitchFamily="34" charset="0"/>
-        <a:buChar char="•"/>
-        <a:defRPr sz="2800" kern="1200">
+        <a:spcAft>
+          <a:spcPts val="200"/>
+        </a:spcAft>
+        <a:buFont typeface="Franklin Gothic Book" panose="020B0503020102020204" pitchFamily="34" charset="0"/>
+        <a:buChar char="■"/>
+        <a:defRPr sz="2000" kern="1200" baseline="0">
           <a:solidFill>
-            <a:schemeClr val="tx1"/>
+            <a:schemeClr val="tx2"/>
           </a:solidFill>
           <a:latin typeface="+mn-lt"/>
           <a:ea typeface="+mn-ea"/>
           <a:cs typeface="+mn-cs"/>
         </a:defRPr>
       </a:lvl1pPr>
-      <a:lvl2pPr marL="685800" indent="-228600" algn="l" defTabSz="914400" rtl="0" eaLnBrk="1" latinLnBrk="0" hangingPunct="1">
+      <a:lvl2pPr marL="914400" indent="-384048" algn="l" defTabSz="914400" rtl="0" eaLnBrk="1" latinLnBrk="0" hangingPunct="1">
         <a:lnSpc>
-          <a:spcPct val="90000"/>
+          <a:spcPct val="94000"/>
         </a:lnSpc>
         <a:spcBef>
           <a:spcPts val="500"/>
         </a:spcBef>
-        <a:buFont typeface="Arial" panose="020B0604020202020204" pitchFamily="34" charset="0"/>
-        <a:buChar char="•"/>
-        <a:defRPr sz="2400" kern="1200">
+        <a:spcAft>
+          <a:spcPts val="200"/>
+        </a:spcAft>
+        <a:buFont typeface="Franklin Gothic Book" panose="020B0503020102020204" pitchFamily="34" charset="0"/>
+        <a:buChar char="–"/>
+        <a:defRPr sz="2000" i="1" kern="1200" baseline="0">
           <a:solidFill>
-            <a:schemeClr val="tx1"/>
+            <a:schemeClr val="tx2"/>
           </a:solidFill>
           <a:latin typeface="+mn-lt"/>
           <a:ea typeface="+mn-ea"/>
           <a:cs typeface="+mn-cs"/>
         </a:defRPr>
       </a:lvl2pPr>
-      <a:lvl3pPr marL="1143000" indent="-228600" algn="l" defTabSz="914400" rtl="0" eaLnBrk="1" latinLnBrk="0" hangingPunct="1">
+      <a:lvl3pPr marL="1371600" indent="-384048" algn="l" defTabSz="914400" rtl="0" eaLnBrk="1" latinLnBrk="0" hangingPunct="1">
         <a:lnSpc>
-          <a:spcPct val="90000"/>
+          <a:spcPct val="94000"/>
         </a:lnSpc>
         <a:spcBef>
           <a:spcPts val="500"/>
         </a:spcBef>
-        <a:buFont typeface="Arial" panose="020B0604020202020204" pitchFamily="34" charset="0"/>
-        <a:buChar char="•"/>
-        <a:defRPr sz="2000" kern="1200">
+        <a:spcAft>
+          <a:spcPts val="200"/>
+        </a:spcAft>
+        <a:buFont typeface="Franklin Gothic Book" panose="020B0503020102020204" pitchFamily="34" charset="0"/>
+        <a:buChar char="■"/>
+        <a:defRPr sz="1800" kern="1200" baseline="0">
           <a:solidFill>
-            <a:schemeClr val="tx1"/>
+            <a:schemeClr val="tx2"/>
           </a:solidFill>
           <a:latin typeface="+mn-lt"/>
           <a:ea typeface="+mn-ea"/>
           <a:cs typeface="+mn-cs"/>
         </a:defRPr>
       </a:lvl3pPr>
-      <a:lvl4pPr marL="1600200" indent="-228600" algn="l" defTabSz="914400" rtl="0" eaLnBrk="1" latinLnBrk="0" hangingPunct="1">
+      <a:lvl4pPr marL="1828800" indent="-384048" algn="l" defTabSz="914400" rtl="0" eaLnBrk="1" latinLnBrk="0" hangingPunct="1">
         <a:lnSpc>
-          <a:spcPct val="90000"/>
+          <a:spcPct val="94000"/>
         </a:lnSpc>
         <a:spcBef>
           <a:spcPts val="500"/>
         </a:spcBef>
-        <a:buFont typeface="Arial" panose="020B0604020202020204" pitchFamily="34" charset="0"/>
-        <a:buChar char="•"/>
-        <a:defRPr sz="1800" kern="1200">
+        <a:spcAft>
+          <a:spcPts val="200"/>
+        </a:spcAft>
+        <a:buFont typeface="Franklin Gothic Book" panose="020B0503020102020204" pitchFamily="34" charset="0"/>
+        <a:buChar char="–"/>
+        <a:defRPr sz="1800" i="1" kern="1200" baseline="0">
           <a:solidFill>
-            <a:schemeClr val="tx1"/>
+            <a:schemeClr val="tx2"/>
           </a:solidFill>
           <a:latin typeface="+mn-lt"/>
           <a:ea typeface="+mn-ea"/>
           <a:cs typeface="+mn-cs"/>
         </a:defRPr>
       </a:lvl4pPr>
-      <a:lvl5pPr marL="2057400" indent="-228600" algn="l" defTabSz="914400" rtl="0" eaLnBrk="1" latinLnBrk="0" hangingPunct="1">
+      <a:lvl5pPr marL="2286000" indent="-384048" algn="l" defTabSz="914400" rtl="0" eaLnBrk="1" latinLnBrk="0" hangingPunct="1">
         <a:lnSpc>
-          <a:spcPct val="90000"/>
+          <a:spcPct val="94000"/>
         </a:lnSpc>
         <a:spcBef>
           <a:spcPts val="500"/>
         </a:spcBef>
-        <a:buFont typeface="Arial" panose="020B0604020202020204" pitchFamily="34" charset="0"/>
-        <a:buChar char="•"/>
-        <a:defRPr sz="1800" kern="1200">
+        <a:spcAft>
+          <a:spcPts val="200"/>
+        </a:spcAft>
+        <a:buFont typeface="Franklin Gothic Book" panose="020B0503020102020204" pitchFamily="34" charset="0"/>
+        <a:buChar char="■"/>
+        <a:defRPr sz="1600" kern="1200" baseline="0">
           <a:solidFill>
-            <a:schemeClr val="tx1"/>
+            <a:schemeClr val="tx2"/>
           </a:solidFill>
           <a:latin typeface="+mn-lt"/>
           <a:ea typeface="+mn-ea"/>
           <a:cs typeface="+mn-cs"/>
         </a:defRPr>
       </a:lvl5pPr>
-      <a:lvl6pPr marL="2514600" indent="-228600" algn="l" defTabSz="914400" rtl="0" eaLnBrk="1" latinLnBrk="0" hangingPunct="1">
+      <a:lvl6pPr marL="2743200" indent="-384048" algn="l" defTabSz="914400" rtl="0" eaLnBrk="1" latinLnBrk="0" hangingPunct="1">
         <a:lnSpc>
-          <a:spcPct val="90000"/>
+          <a:spcPct val="94000"/>
         </a:lnSpc>
         <a:spcBef>
           <a:spcPts val="500"/>
         </a:spcBef>
-        <a:buFont typeface="Arial" panose="020B0604020202020204" pitchFamily="34" charset="0"/>
-        <a:buChar char="•"/>
-        <a:defRPr sz="1800" kern="1200">
+        <a:spcAft>
+          <a:spcPts val="200"/>
+        </a:spcAft>
+        <a:buFont typeface="Franklin Gothic Book" panose="020B0503020102020204" pitchFamily="34" charset="0"/>
+        <a:buChar char="–"/>
+        <a:defRPr sz="1600" i="1" kern="1200" baseline="0">
           <a:solidFill>
-            <a:schemeClr val="tx1"/>
+            <a:schemeClr val="tx2"/>
           </a:solidFill>
           <a:latin typeface="+mn-lt"/>
           <a:ea typeface="+mn-ea"/>
           <a:cs typeface="+mn-cs"/>
         </a:defRPr>
       </a:lvl6pPr>
-      <a:lvl7pPr marL="2971800" indent="-228600" algn="l" defTabSz="914400" rtl="0" eaLnBrk="1" latinLnBrk="0" hangingPunct="1">
+      <a:lvl7pPr marL="3200400" indent="-384048" algn="l" defTabSz="914400" rtl="0" eaLnBrk="1" latinLnBrk="0" hangingPunct="1">
         <a:lnSpc>
-          <a:spcPct val="90000"/>
+          <a:spcPct val="94000"/>
         </a:lnSpc>
         <a:spcBef>
           <a:spcPts val="500"/>
         </a:spcBef>
-        <a:buFont typeface="Arial" panose="020B0604020202020204" pitchFamily="34" charset="0"/>
-        <a:buChar char="•"/>
-        <a:defRPr sz="1800" kern="1200">
+        <a:spcAft>
+          <a:spcPts val="200"/>
+        </a:spcAft>
+        <a:buFont typeface="Franklin Gothic Book" panose="020B0503020102020204" pitchFamily="34" charset="0"/>
+        <a:buChar char="■"/>
+        <a:defRPr sz="1400" kern="1200" baseline="0">
           <a:solidFill>
-            <a:schemeClr val="tx1"/>
+            <a:schemeClr val="tx2"/>
           </a:solidFill>
           <a:latin typeface="+mn-lt"/>
           <a:ea typeface="+mn-ea"/>
           <a:cs typeface="+mn-cs"/>
         </a:defRPr>
       </a:lvl7pPr>
-      <a:lvl8pPr marL="3429000" indent="-228600" algn="l" defTabSz="914400" rtl="0" eaLnBrk="1" latinLnBrk="0" hangingPunct="1">
+      <a:lvl8pPr marL="3657600" indent="-384048" algn="l" defTabSz="914400" rtl="0" eaLnBrk="1" latinLnBrk="0" hangingPunct="1">
         <a:lnSpc>
-          <a:spcPct val="90000"/>
+          <a:spcPct val="94000"/>
         </a:lnSpc>
         <a:spcBef>
           <a:spcPts val="500"/>
         </a:spcBef>
-        <a:buFont typeface="Arial" panose="020B0604020202020204" pitchFamily="34" charset="0"/>
-        <a:buChar char="•"/>
-        <a:defRPr sz="1800" kern="1200">
+        <a:spcAft>
+          <a:spcPts val="200"/>
+        </a:spcAft>
+        <a:buFont typeface="Franklin Gothic Book" panose="020B0503020102020204" pitchFamily="34" charset="0"/>
+        <a:buChar char="–"/>
+        <a:defRPr sz="1400" i="1" kern="1200" baseline="0">
           <a:solidFill>
-            <a:schemeClr val="tx1"/>
+            <a:schemeClr val="tx2"/>
           </a:solidFill>
           <a:latin typeface="+mn-lt"/>
           <a:ea typeface="+mn-ea"/>
           <a:cs typeface="+mn-cs"/>
         </a:defRPr>
       </a:lvl8pPr>
-      <a:lvl9pPr marL="3886200" indent="-228600" algn="l" defTabSz="914400" rtl="0" eaLnBrk="1" latinLnBrk="0" hangingPunct="1">
+      <a:lvl9pPr marL="4114800" indent="-384048" algn="l" defTabSz="914400" rtl="0" eaLnBrk="1" latinLnBrk="0" hangingPunct="1">
         <a:lnSpc>
-          <a:spcPct val="90000"/>
+          <a:spcPct val="94000"/>
         </a:lnSpc>
         <a:spcBef>
           <a:spcPts val="500"/>
         </a:spcBef>
-        <a:buFont typeface="Arial" panose="020B0604020202020204" pitchFamily="34" charset="0"/>
-        <a:buChar char="•"/>
-        <a:defRPr sz="1800" kern="1200">
+        <a:spcAft>
+          <a:spcPts val="200"/>
+        </a:spcAft>
+        <a:buFont typeface="Franklin Gothic Book" panose="020B0503020102020204" pitchFamily="34" charset="0"/>
+        <a:buChar char="■"/>
+        <a:defRPr sz="1400" kern="1200" baseline="0">
           <a:solidFill>
-            <a:schemeClr val="tx1"/>
+            <a:schemeClr val="tx2"/>
           </a:solidFill>
           <a:latin typeface="+mn-lt"/>
           <a:ea typeface="+mn-ea"/>
@@ -3353,6 +3821,52 @@
       </a:lvl9pPr>
     </p:otherStyle>
   </p:txStyles>
+  <p:extLst>
+    <p:ext uri="{27BBF7A9-308A-43DC-89C8-2F10F3537804}">
+      <p15:sldGuideLst xmlns:p15="http://schemas.microsoft.com/office/powerpoint/2012/main">
+        <p15:guide id="3" orient="horz" pos="1368">
+          <p15:clr>
+            <a:srgbClr val="F26B43"/>
+          </p15:clr>
+        </p15:guide>
+        <p15:guide id="4" orient="horz" pos="1440">
+          <p15:clr>
+            <a:srgbClr val="F26B43"/>
+          </p15:clr>
+        </p15:guide>
+        <p15:guide id="6" orient="horz" pos="3696">
+          <p15:clr>
+            <a:srgbClr val="F26B43"/>
+          </p15:clr>
+        </p15:guide>
+        <p15:guide id="7" orient="horz" pos="432">
+          <p15:clr>
+            <a:srgbClr val="F26B43"/>
+          </p15:clr>
+        </p15:guide>
+        <p15:guide id="8" orient="horz" pos="1512">
+          <p15:clr>
+            <a:srgbClr val="F26B43"/>
+          </p15:clr>
+        </p15:guide>
+        <p15:guide id="9" pos="6912">
+          <p15:clr>
+            <a:srgbClr val="F26B43"/>
+          </p15:clr>
+        </p15:guide>
+        <p15:guide id="10" pos="936">
+          <p15:clr>
+            <a:srgbClr val="F26B43"/>
+          </p15:clr>
+        </p15:guide>
+        <p15:guide id="11" pos="864">
+          <p15:clr>
+            <a:srgbClr val="F26B43"/>
+          </p15:clr>
+        </p15:guide>
+      </p15:sldGuideLst>
+    </p:ext>
+  </p:extLst>
 </p:sldMaster>
 </file>
 
@@ -3391,8 +3905,8 @@
         </p:nvSpPr>
         <p:spPr>
           <a:xfrm>
-            <a:off x="1524000" y="700332"/>
-            <a:ext cx="9144000" cy="2728668"/>
+            <a:off x="2286000" y="2675254"/>
+            <a:ext cx="8120743" cy="1658816"/>
           </a:xfrm>
         </p:spPr>
         <p:txBody>
@@ -3409,7 +3923,7 @@
               <a:rPr lang="en-US" dirty="0"/>
             </a:br>
             <a:br>
-              <a:rPr lang="en-US" dirty="0"/>
+              <a:rPr lang="en-US" sz="3600" dirty="0"/>
             </a:br>
             <a:r>
               <a:rPr lang="en-US" sz="3600" dirty="0"/>
@@ -3440,13 +3954,13 @@
         </p:nvSpPr>
         <p:spPr>
           <a:xfrm>
-            <a:off x="1664677" y="3598985"/>
-            <a:ext cx="9003323" cy="1658815"/>
+            <a:off x="2388637" y="3804259"/>
+            <a:ext cx="8120743" cy="1658815"/>
           </a:xfrm>
         </p:spPr>
         <p:txBody>
           <a:bodyPr>
-            <a:normAutofit fontScale="77500" lnSpcReduction="20000"/>
+            <a:normAutofit fontScale="92500" lnSpcReduction="20000"/>
           </a:bodyPr>
           <a:lstStyle/>
           <a:p>
@@ -3541,8 +4055,8 @@
         </p:nvSpPr>
         <p:spPr>
           <a:xfrm>
-            <a:off x="1061156" y="365126"/>
-            <a:ext cx="10292644" cy="966964"/>
+            <a:off x="1380930" y="365126"/>
+            <a:ext cx="9972869" cy="966964"/>
           </a:xfrm>
         </p:spPr>
         <p:txBody>
@@ -3574,13 +4088,13 @@
         </p:nvSpPr>
         <p:spPr>
           <a:xfrm>
-            <a:off x="327378" y="1529996"/>
-            <a:ext cx="4007555" cy="4566004"/>
+            <a:off x="839755" y="1506894"/>
+            <a:ext cx="3638939" cy="3844212"/>
           </a:xfrm>
         </p:spPr>
         <p:txBody>
           <a:bodyPr>
-            <a:normAutofit fontScale="92500" lnSpcReduction="20000"/>
+            <a:normAutofit fontScale="70000" lnSpcReduction="20000"/>
           </a:bodyPr>
           <a:lstStyle/>
           <a:p>
@@ -3588,19 +4102,28 @@
               <a:buNone/>
             </a:pPr>
             <a:r>
-              <a:rPr lang="en-US" dirty="0"/>
+              <a:rPr lang="en-US" dirty="0">
+                <a:latin typeface="Consolas" panose="020B0609020204030204" pitchFamily="49" charset="0"/>
+              </a:rPr>
               <a:t>Receive request</a:t>
             </a:r>
           </a:p>
           <a:p>
-            <a:endParaRPr lang="en-US" dirty="0"/>
-          </a:p>
-          <a:p>
             <a:pPr marL="0" indent="0">
               <a:buNone/>
             </a:pPr>
-            <a:r>
-              <a:rPr lang="en-US" dirty="0"/>
+            <a:endParaRPr lang="en-US" dirty="0">
+              <a:latin typeface="Consolas" panose="020B0609020204030204" pitchFamily="49" charset="0"/>
+            </a:endParaRPr>
+          </a:p>
+          <a:p>
+            <a:pPr marL="0" indent="0">
+              <a:buNone/>
+            </a:pPr>
+            <a:r>
+              <a:rPr lang="en-US" dirty="0">
+                <a:latin typeface="Consolas" panose="020B0609020204030204" pitchFamily="49" charset="0"/>
+              </a:rPr>
               <a:t>If GET:</a:t>
             </a:r>
           </a:p>
@@ -3609,20 +4132,28 @@
               <a:buNone/>
             </a:pPr>
             <a:r>
-              <a:rPr lang="en-US" sz="2000" dirty="0"/>
+              <a:rPr lang="en-US" sz="2000" i="0" dirty="0">
+                <a:latin typeface="Consolas" panose="020B0609020204030204" pitchFamily="49" charset="0"/>
+              </a:rPr>
               <a:t>Create a blank form and return it</a:t>
             </a:r>
-            <a:endParaRPr lang="en-US" sz="1600" dirty="0"/>
-          </a:p>
-          <a:p>
-            <a:endParaRPr lang="en-US" dirty="0"/>
+            <a:endParaRPr lang="en-US" sz="1600" i="0" dirty="0">
+              <a:latin typeface="Consolas" panose="020B0609020204030204" pitchFamily="49" charset="0"/>
+            </a:endParaRPr>
+          </a:p>
+          <a:p>
+            <a:endParaRPr lang="en-US" dirty="0">
+              <a:latin typeface="Consolas" panose="020B0609020204030204" pitchFamily="49" charset="0"/>
+            </a:endParaRPr>
           </a:p>
           <a:p>
             <a:pPr marL="0" indent="0">
               <a:buNone/>
             </a:pPr>
             <a:r>
-              <a:rPr lang="en-US" dirty="0"/>
+              <a:rPr lang="en-US" dirty="0">
+                <a:latin typeface="Consolas" panose="020B0609020204030204" pitchFamily="49" charset="0"/>
+              </a:rPr>
               <a:t>If POST:</a:t>
             </a:r>
           </a:p>
@@ -3631,7 +4162,9 @@
               <a:buNone/>
             </a:pPr>
             <a:r>
-              <a:rPr lang="en-US" sz="2000" dirty="0"/>
+              <a:rPr lang="en-US" sz="2000" i="0" dirty="0">
+                <a:latin typeface="Consolas" panose="020B0609020204030204" pitchFamily="49" charset="0"/>
+              </a:rPr>
               <a:t>Create a form using data from the POST (i.e. validate the data)</a:t>
             </a:r>
           </a:p>
@@ -3639,22 +4172,30 @@
             <a:pPr marL="457200" lvl="1" indent="0">
               <a:buNone/>
             </a:pPr>
-            <a:endParaRPr lang="en-US" sz="2000" dirty="0"/>
+            <a:endParaRPr lang="en-US" sz="2000" i="0" dirty="0">
+              <a:latin typeface="Consolas" panose="020B0609020204030204" pitchFamily="49" charset="0"/>
+            </a:endParaRPr>
           </a:p>
           <a:p>
             <a:pPr marL="457200" lvl="1" indent="0">
               <a:buNone/>
             </a:pPr>
             <a:r>
-              <a:rPr lang="en-US" sz="2000" dirty="0"/>
+              <a:rPr lang="en-US" sz="2000" i="0" dirty="0">
+                <a:latin typeface="Consolas" panose="020B0609020204030204" pitchFamily="49" charset="0"/>
+              </a:rPr>
               <a:t>If valid – save to DB and redirect to </a:t>
             </a:r>
             <a:r>
-              <a:rPr lang="en-US" sz="2000" dirty="0" err="1"/>
+              <a:rPr lang="en-US" sz="2000" i="0" dirty="0" err="1">
+                <a:latin typeface="Consolas" panose="020B0609020204030204" pitchFamily="49" charset="0"/>
+              </a:rPr>
               <a:t>player_home</a:t>
             </a:r>
             <a:r>
-              <a:rPr lang="en-US" sz="2000" dirty="0"/>
+              <a:rPr lang="en-US" sz="2000" i="0" dirty="0">
+                <a:latin typeface="Consolas" panose="020B0609020204030204" pitchFamily="49" charset="0"/>
+              </a:rPr>
               <a:t> page</a:t>
             </a:r>
           </a:p>
@@ -3662,14 +4203,18 @@
             <a:pPr marL="457200" lvl="1" indent="0">
               <a:buNone/>
             </a:pPr>
-            <a:endParaRPr lang="en-US" sz="2000" dirty="0"/>
+            <a:endParaRPr lang="en-US" sz="2000" i="0" dirty="0">
+              <a:latin typeface="Consolas" panose="020B0609020204030204" pitchFamily="49" charset="0"/>
+            </a:endParaRPr>
           </a:p>
           <a:p>
             <a:pPr marL="457200" lvl="1" indent="0">
               <a:buNone/>
             </a:pPr>
             <a:r>
-              <a:rPr lang="en-US" sz="2000" dirty="0"/>
+              <a:rPr lang="en-US" sz="2000" i="0" dirty="0">
+                <a:latin typeface="Consolas" panose="020B0609020204030204" pitchFamily="49" charset="0"/>
+              </a:rPr>
               <a:t>If not valid – send form back to user (with errors)</a:t>
             </a:r>
           </a:p>
@@ -3697,8 +4242,8 @@
         </p:blipFill>
         <p:spPr>
           <a:xfrm>
-            <a:off x="4460982" y="1529996"/>
-            <a:ext cx="7403640" cy="4962879"/>
+            <a:off x="4481804" y="872173"/>
+            <a:ext cx="7628565" cy="5113653"/>
           </a:xfrm>
           <a:prstGeom prst="rect">
             <a:avLst/>
@@ -3751,7 +4296,12 @@
             <p:ph type="title"/>
           </p:nvPr>
         </p:nvSpPr>
-        <p:spPr/>
+        <p:spPr>
+          <a:xfrm>
+            <a:off x="1335921" y="514642"/>
+            <a:ext cx="9520158" cy="1049235"/>
+          </a:xfrm>
+        </p:spPr>
         <p:txBody>
           <a:bodyPr/>
           <a:lstStyle/>
@@ -3781,8 +4331,8 @@
         </p:nvSpPr>
         <p:spPr>
           <a:xfrm>
-            <a:off x="251178" y="1611666"/>
-            <a:ext cx="10515600" cy="4351338"/>
+            <a:off x="1002851" y="1729665"/>
+            <a:ext cx="9334718" cy="3994245"/>
           </a:xfrm>
         </p:spPr>
         <p:txBody>
@@ -3792,206 +4342,292 @@
           <a:lstStyle/>
           <a:p>
             <a:r>
-              <a:rPr lang="en-US" dirty="0"/>
+              <a:rPr lang="en-US" sz="1800" dirty="0">
+                <a:latin typeface="Consolas" panose="020B0609020204030204" pitchFamily="49" charset="0"/>
+              </a:rPr>
               <a:t>Game(</a:t>
             </a:r>
             <a:r>
-              <a:rPr lang="en-US" dirty="0" err="1"/>
+              <a:rPr lang="en-US" sz="1800" dirty="0" err="1">
+                <a:latin typeface="Consolas" panose="020B0609020204030204" pitchFamily="49" charset="0"/>
+              </a:rPr>
               <a:t>models.Model</a:t>
             </a:r>
             <a:r>
-              <a:rPr lang="en-US" dirty="0"/>
+              <a:rPr lang="en-US" sz="1800" dirty="0">
+                <a:latin typeface="Consolas" panose="020B0609020204030204" pitchFamily="49" charset="0"/>
+              </a:rPr>
               <a:t>)</a:t>
             </a:r>
           </a:p>
           <a:p>
             <a:pPr lvl="1"/>
             <a:r>
-              <a:rPr lang="en-US" dirty="0" err="1"/>
+              <a:rPr lang="en-US" sz="1800" i="0" dirty="0" err="1">
+                <a:latin typeface="Consolas" panose="020B0609020204030204" pitchFamily="49" charset="0"/>
+              </a:rPr>
               <a:t>firstPlayer</a:t>
             </a:r>
             <a:r>
-              <a:rPr lang="en-US" dirty="0"/>
+              <a:rPr lang="en-US" sz="1800" i="0" dirty="0">
+                <a:latin typeface="Consolas" panose="020B0609020204030204" pitchFamily="49" charset="0"/>
+              </a:rPr>
               <a:t> = </a:t>
             </a:r>
             <a:r>
-              <a:rPr lang="en-US" dirty="0" err="1"/>
+              <a:rPr lang="en-US" sz="1800" i="0" dirty="0" err="1">
+                <a:latin typeface="Consolas" panose="020B0609020204030204" pitchFamily="49" charset="0"/>
+              </a:rPr>
               <a:t>models.ForeignKey</a:t>
             </a:r>
             <a:r>
-              <a:rPr lang="en-US" dirty="0"/>
+              <a:rPr lang="en-US" sz="1800" i="0" dirty="0">
+                <a:latin typeface="Consolas" panose="020B0609020204030204" pitchFamily="49" charset="0"/>
+              </a:rPr>
               <a:t>(User)</a:t>
             </a:r>
           </a:p>
           <a:p>
             <a:pPr lvl="1"/>
             <a:r>
-              <a:rPr lang="en-US" dirty="0" err="1"/>
+              <a:rPr lang="en-US" sz="1800" i="0" dirty="0" err="1">
+                <a:latin typeface="Consolas" panose="020B0609020204030204" pitchFamily="49" charset="0"/>
+              </a:rPr>
               <a:t>startTime</a:t>
             </a:r>
             <a:r>
-              <a:rPr lang="en-US" dirty="0"/>
+              <a:rPr lang="en-US" sz="1800" i="0" dirty="0">
+                <a:latin typeface="Consolas" panose="020B0609020204030204" pitchFamily="49" charset="0"/>
+              </a:rPr>
               <a:t> = </a:t>
             </a:r>
             <a:r>
-              <a:rPr lang="en-US" dirty="0" err="1"/>
+              <a:rPr lang="en-US" sz="1800" i="0" dirty="0" err="1">
+                <a:latin typeface="Consolas" panose="020B0609020204030204" pitchFamily="49" charset="0"/>
+              </a:rPr>
               <a:t>models.DateTimeField</a:t>
             </a:r>
             <a:r>
-              <a:rPr lang="en-US" dirty="0"/>
+              <a:rPr lang="en-US" sz="1800" i="0" dirty="0">
+                <a:latin typeface="Consolas" panose="020B0609020204030204" pitchFamily="49" charset="0"/>
+              </a:rPr>
               <a:t>()</a:t>
             </a:r>
           </a:p>
           <a:p>
             <a:pPr lvl="1"/>
             <a:r>
-              <a:rPr lang="en-US" dirty="0"/>
+              <a:rPr lang="en-US" sz="1800" i="0" dirty="0">
+                <a:latin typeface="Consolas" panose="020B0609020204030204" pitchFamily="49" charset="0"/>
+              </a:rPr>
               <a:t>status = </a:t>
             </a:r>
             <a:r>
-              <a:rPr lang="en-US" dirty="0" err="1"/>
+              <a:rPr lang="en-US" sz="1800" i="0" dirty="0" err="1">
+                <a:latin typeface="Consolas" panose="020B0609020204030204" pitchFamily="49" charset="0"/>
+              </a:rPr>
               <a:t>models.CharField</a:t>
             </a:r>
             <a:r>
-              <a:rPr lang="en-US" dirty="0"/>
+              <a:rPr lang="en-US" sz="1800" i="0" dirty="0">
+                <a:latin typeface="Consolas" panose="020B0609020204030204" pitchFamily="49" charset="0"/>
+              </a:rPr>
               <a:t>()</a:t>
             </a:r>
           </a:p>
           <a:p>
             <a:pPr lvl="1"/>
-            <a:endParaRPr lang="en-US" dirty="0"/>
-          </a:p>
-          <a:p>
-            <a:r>
-              <a:rPr lang="en-US" dirty="0"/>
+            <a:endParaRPr lang="en-US" sz="1800" i="0" dirty="0">
+              <a:latin typeface="Consolas" panose="020B0609020204030204" pitchFamily="49" charset="0"/>
+            </a:endParaRPr>
+          </a:p>
+          <a:p>
+            <a:r>
+              <a:rPr lang="en-US" sz="1800" dirty="0">
+                <a:latin typeface="Consolas" panose="020B0609020204030204" pitchFamily="49" charset="0"/>
+              </a:rPr>
               <a:t>Move(</a:t>
             </a:r>
             <a:r>
-              <a:rPr lang="en-US" dirty="0" err="1"/>
+              <a:rPr lang="en-US" sz="1800" dirty="0" err="1">
+                <a:latin typeface="Consolas" panose="020B0609020204030204" pitchFamily="49" charset="0"/>
+              </a:rPr>
               <a:t>models.Model</a:t>
             </a:r>
             <a:r>
-              <a:rPr lang="en-US" dirty="0"/>
+              <a:rPr lang="en-US" sz="1800" dirty="0">
+                <a:latin typeface="Consolas" panose="020B0609020204030204" pitchFamily="49" charset="0"/>
+              </a:rPr>
               <a:t>)</a:t>
             </a:r>
           </a:p>
           <a:p>
             <a:pPr lvl="1"/>
             <a:r>
-              <a:rPr lang="en-US" dirty="0"/>
+              <a:rPr lang="en-US" sz="1800" i="0" dirty="0">
+                <a:latin typeface="Consolas" panose="020B0609020204030204" pitchFamily="49" charset="0"/>
+              </a:rPr>
               <a:t>x, y = </a:t>
             </a:r>
             <a:r>
-              <a:rPr lang="en-US" dirty="0" err="1"/>
+              <a:rPr lang="en-US" sz="1800" i="0" dirty="0" err="1">
+                <a:latin typeface="Consolas" panose="020B0609020204030204" pitchFamily="49" charset="0"/>
+              </a:rPr>
               <a:t>models.IntegerField</a:t>
             </a:r>
             <a:r>
-              <a:rPr lang="en-US" dirty="0"/>
+              <a:rPr lang="en-US" sz="1800" i="0" dirty="0">
+                <a:latin typeface="Consolas" panose="020B0609020204030204" pitchFamily="49" charset="0"/>
+              </a:rPr>
               <a:t>()</a:t>
             </a:r>
           </a:p>
           <a:p>
             <a:pPr lvl="1"/>
             <a:r>
-              <a:rPr lang="en-US" dirty="0"/>
+              <a:rPr lang="en-US" sz="1800" i="0" dirty="0">
+                <a:latin typeface="Consolas" panose="020B0609020204030204" pitchFamily="49" charset="0"/>
+              </a:rPr>
               <a:t>game = </a:t>
             </a:r>
             <a:r>
-              <a:rPr lang="en-US" dirty="0" err="1"/>
+              <a:rPr lang="en-US" sz="1800" i="0" dirty="0" err="1">
+                <a:latin typeface="Consolas" panose="020B0609020204030204" pitchFamily="49" charset="0"/>
+              </a:rPr>
               <a:t>models.ForeignKey</a:t>
             </a:r>
             <a:r>
-              <a:rPr lang="en-US" dirty="0"/>
+              <a:rPr lang="en-US" sz="1800" i="0" dirty="0">
+                <a:latin typeface="Consolas" panose="020B0609020204030204" pitchFamily="49" charset="0"/>
+              </a:rPr>
               <a:t>(Game)</a:t>
             </a:r>
           </a:p>
           <a:p>
             <a:pPr lvl="1"/>
-            <a:endParaRPr lang="en-US" dirty="0"/>
-          </a:p>
-          <a:p>
-            <a:r>
-              <a:rPr lang="en-US" dirty="0"/>
+            <a:endParaRPr lang="en-US" sz="1800" i="0" dirty="0">
+              <a:latin typeface="Consolas" panose="020B0609020204030204" pitchFamily="49" charset="0"/>
+            </a:endParaRPr>
+          </a:p>
+          <a:p>
+            <a:r>
+              <a:rPr lang="en-US" sz="1800" dirty="0">
+                <a:latin typeface="Consolas" panose="020B0609020204030204" pitchFamily="49" charset="0"/>
+              </a:rPr>
               <a:t>Invitation(</a:t>
             </a:r>
             <a:r>
-              <a:rPr lang="en-US" dirty="0" err="1"/>
+              <a:rPr lang="en-US" sz="1800" dirty="0" err="1">
+                <a:latin typeface="Consolas" panose="020B0609020204030204" pitchFamily="49" charset="0"/>
+              </a:rPr>
               <a:t>models.Model</a:t>
             </a:r>
             <a:r>
-              <a:rPr lang="en-US" dirty="0"/>
+              <a:rPr lang="en-US" sz="1800" dirty="0">
+                <a:latin typeface="Consolas" panose="020B0609020204030204" pitchFamily="49" charset="0"/>
+              </a:rPr>
               <a:t>)</a:t>
             </a:r>
           </a:p>
           <a:p>
             <a:pPr lvl="1"/>
             <a:r>
-              <a:rPr lang="en-US" dirty="0" err="1"/>
+              <a:rPr lang="en-US" sz="1800" i="0" dirty="0" err="1">
+                <a:latin typeface="Consolas" panose="020B0609020204030204" pitchFamily="49" charset="0"/>
+              </a:rPr>
               <a:t>from_user</a:t>
             </a:r>
             <a:r>
-              <a:rPr lang="en-US" dirty="0"/>
+              <a:rPr lang="en-US" sz="1800" i="0" dirty="0">
+                <a:latin typeface="Consolas" panose="020B0609020204030204" pitchFamily="49" charset="0"/>
+              </a:rPr>
               <a:t> = </a:t>
             </a:r>
             <a:r>
-              <a:rPr lang="en-US" dirty="0" err="1"/>
+              <a:rPr lang="en-US" sz="1800" i="0" dirty="0" err="1">
+                <a:latin typeface="Consolas" panose="020B0609020204030204" pitchFamily="49" charset="0"/>
+              </a:rPr>
               <a:t>models.ForeignKey</a:t>
             </a:r>
             <a:r>
-              <a:rPr lang="en-US" dirty="0"/>
+              <a:rPr lang="en-US" sz="1800" i="0" dirty="0">
+                <a:latin typeface="Consolas" panose="020B0609020204030204" pitchFamily="49" charset="0"/>
+              </a:rPr>
               <a:t>(User)</a:t>
             </a:r>
           </a:p>
           <a:p>
             <a:pPr lvl="1"/>
             <a:r>
-              <a:rPr lang="en-US" dirty="0" err="1"/>
+              <a:rPr lang="en-US" sz="1800" i="0" dirty="0" err="1">
+                <a:latin typeface="Consolas" panose="020B0609020204030204" pitchFamily="49" charset="0"/>
+              </a:rPr>
               <a:t>to_user</a:t>
             </a:r>
             <a:r>
-              <a:rPr lang="en-US" dirty="0"/>
+              <a:rPr lang="en-US" sz="1800" i="0" dirty="0">
+                <a:latin typeface="Consolas" panose="020B0609020204030204" pitchFamily="49" charset="0"/>
+              </a:rPr>
               <a:t> = </a:t>
             </a:r>
             <a:r>
-              <a:rPr lang="en-US" dirty="0" err="1"/>
+              <a:rPr lang="en-US" sz="1800" i="0" dirty="0" err="1">
+                <a:latin typeface="Consolas" panose="020B0609020204030204" pitchFamily="49" charset="0"/>
+              </a:rPr>
               <a:t>models.ForeignKey</a:t>
             </a:r>
             <a:r>
-              <a:rPr lang="en-US" dirty="0"/>
+              <a:rPr lang="en-US" sz="1800" i="0" dirty="0">
+                <a:latin typeface="Consolas" panose="020B0609020204030204" pitchFamily="49" charset="0"/>
+              </a:rPr>
               <a:t>(User)</a:t>
             </a:r>
           </a:p>
           <a:p>
             <a:pPr lvl="1"/>
             <a:r>
-              <a:rPr lang="en-US" dirty="0"/>
+              <a:rPr lang="en-US" sz="1800" i="0" dirty="0">
+                <a:latin typeface="Consolas" panose="020B0609020204030204" pitchFamily="49" charset="0"/>
+              </a:rPr>
               <a:t>message = </a:t>
             </a:r>
             <a:r>
-              <a:rPr lang="en-US" dirty="0" err="1"/>
+              <a:rPr lang="en-US" sz="1800" i="0" dirty="0" err="1">
+                <a:latin typeface="Consolas" panose="020B0609020204030204" pitchFamily="49" charset="0"/>
+              </a:rPr>
               <a:t>models.CharField</a:t>
             </a:r>
             <a:r>
-              <a:rPr lang="en-US" dirty="0"/>
+              <a:rPr lang="en-US" sz="1800" i="0" dirty="0">
+                <a:latin typeface="Consolas" panose="020B0609020204030204" pitchFamily="49" charset="0"/>
+              </a:rPr>
               <a:t>()</a:t>
             </a:r>
           </a:p>
           <a:p>
             <a:pPr lvl="1"/>
             <a:r>
-              <a:rPr lang="en-US" dirty="0" err="1"/>
+              <a:rPr lang="en-US" sz="1800" i="0" dirty="0" err="1">
+                <a:latin typeface="Consolas" panose="020B0609020204030204" pitchFamily="49" charset="0"/>
+              </a:rPr>
               <a:t>time_to_play</a:t>
             </a:r>
             <a:r>
-              <a:rPr lang="en-US" dirty="0"/>
+              <a:rPr lang="en-US" sz="1800" i="0" dirty="0">
+                <a:latin typeface="Consolas" panose="020B0609020204030204" pitchFamily="49" charset="0"/>
+              </a:rPr>
               <a:t> = </a:t>
             </a:r>
             <a:r>
-              <a:rPr lang="en-US" dirty="0" err="1"/>
+              <a:rPr lang="en-US" sz="1800" i="0" dirty="0" err="1">
+                <a:latin typeface="Consolas" panose="020B0609020204030204" pitchFamily="49" charset="0"/>
+              </a:rPr>
               <a:t>models.DateTime</a:t>
             </a:r>
             <a:r>
-              <a:rPr lang="en-US" dirty="0"/>
+              <a:rPr lang="en-US" sz="1800" i="0" dirty="0">
+                <a:latin typeface="Consolas" panose="020B0609020204030204" pitchFamily="49" charset="0"/>
+              </a:rPr>
               <a:t>()</a:t>
             </a:r>
           </a:p>
@@ -4033,8 +4669,8 @@
         </p:blipFill>
         <p:spPr>
           <a:xfrm>
-            <a:off x="5283200" y="234723"/>
-            <a:ext cx="6798679" cy="6587321"/>
+            <a:off x="6096000" y="830299"/>
+            <a:ext cx="5978849" cy="5792978"/>
           </a:xfrm>
           <a:prstGeom prst="rect">
             <a:avLst/>
@@ -4121,8 +4757,8 @@
         </p:blipFill>
         <p:spPr>
           <a:xfrm>
-            <a:off x="1264552" y="1652587"/>
-            <a:ext cx="8517623" cy="4104746"/>
+            <a:off x="1981332" y="1759928"/>
+            <a:ext cx="9359056" cy="4510243"/>
           </a:xfrm>
           <a:prstGeom prst="rect">
             <a:avLst/>
@@ -4175,7 +4811,12 @@
             <p:ph type="title"/>
           </p:nvPr>
         </p:nvSpPr>
-        <p:spPr/>
+        <p:spPr>
+          <a:xfrm>
+            <a:off x="1516035" y="543262"/>
+            <a:ext cx="9520158" cy="1049235"/>
+          </a:xfrm>
+        </p:spPr>
         <p:txBody>
           <a:bodyPr>
             <a:normAutofit/>
@@ -4184,21 +4825,29 @@
           <a:p>
             <a:r>
               <a:rPr lang="en-US" dirty="0"/>
-              <a:t>Models: The Schema Delivered</a:t>
+              <a:t>Models and Migrations</a:t>
             </a:r>
             <a:br>
               <a:rPr lang="en-US" dirty="0"/>
             </a:br>
             <a:r>
-              <a:rPr lang="en-US" sz="2000" dirty="0"/>
-              <a:t>(and migrating an existing schema) (and providing an API for Views) (and abstracts </a:t>
-            </a:r>
-            <a:r>
-              <a:rPr lang="en-US" sz="2000" dirty="0" err="1"/>
+              <a:rPr lang="en-US" sz="1600" dirty="0"/>
+              <a:t>(create and update schema) (</a:t>
+            </a:r>
+            <a:r>
+              <a:rPr lang="en-US" sz="1600" dirty="0" err="1"/>
+              <a:t>provids</a:t>
+            </a:r>
+            <a:r>
+              <a:rPr lang="en-US" sz="1600" dirty="0"/>
+              <a:t> API for Views) (and abstracts </a:t>
+            </a:r>
+            <a:r>
+              <a:rPr lang="en-US" sz="1600" dirty="0" err="1"/>
               <a:t>db</a:t>
             </a:r>
             <a:r>
-              <a:rPr lang="en-US" sz="2000" dirty="0"/>
+              <a:rPr lang="en-US" sz="1600" dirty="0"/>
               <a:t>-specifics)</a:t>
             </a:r>
             <a:endParaRPr lang="en-US" dirty="0"/>
@@ -4223,13 +4872,13 @@
         </p:nvSpPr>
         <p:spPr>
           <a:xfrm>
-            <a:off x="476955" y="1882599"/>
-            <a:ext cx="3970867" cy="4486275"/>
+            <a:off x="783771" y="1882599"/>
+            <a:ext cx="3825551" cy="4033009"/>
           </a:xfrm>
         </p:spPr>
         <p:txBody>
           <a:bodyPr>
-            <a:normAutofit fontScale="92500" lnSpcReduction="20000"/>
+            <a:normAutofit/>
           </a:bodyPr>
           <a:lstStyle/>
           <a:p>
@@ -4247,19 +4896,19 @@
           <a:p>
             <a:r>
               <a:rPr lang="en-US" dirty="0"/>
-              <a:t>This works for both initial and UPDATES to existing schema</a:t>
-            </a:r>
-          </a:p>
-          <a:p>
-            <a:r>
-              <a:rPr lang="en-US" dirty="0"/>
-              <a:t>Model also provides an API for the View (as we will see)</a:t>
-            </a:r>
-          </a:p>
-          <a:p>
-            <a:r>
-              <a:rPr lang="en-US" dirty="0"/>
-              <a:t>Is database independent</a:t>
+              <a:t>Migrations also UPDATE existing schema</a:t>
+            </a:r>
+          </a:p>
+          <a:p>
+            <a:r>
+              <a:rPr lang="en-US" dirty="0"/>
+              <a:t>Model provides an API for the View</a:t>
+            </a:r>
+          </a:p>
+          <a:p>
+            <a:r>
+              <a:rPr lang="en-US" dirty="0"/>
+              <a:t>Model generates the SQL and hides vendor-specific details</a:t>
             </a:r>
           </a:p>
         </p:txBody>
@@ -4286,8 +4935,8 @@
         </p:blipFill>
         <p:spPr>
           <a:xfrm>
-            <a:off x="4809066" y="1919111"/>
-            <a:ext cx="7290193" cy="4815946"/>
+            <a:off x="4609322" y="1592497"/>
+            <a:ext cx="7457641" cy="4926563"/>
           </a:xfrm>
           <a:prstGeom prst="rect">
             <a:avLst/>
@@ -4370,8 +5019,8 @@
         </p:nvSpPr>
         <p:spPr>
           <a:xfrm>
-            <a:off x="428978" y="1690688"/>
-            <a:ext cx="3183351" cy="4770132"/>
+            <a:off x="802433" y="1690688"/>
+            <a:ext cx="2809896" cy="4770132"/>
           </a:xfrm>
         </p:spPr>
         <p:txBody>
@@ -4433,7 +5082,7 @@
         </p:blipFill>
         <p:spPr>
           <a:xfrm>
-            <a:off x="4031296" y="1027906"/>
+            <a:off x="3984643" y="1836234"/>
             <a:ext cx="8065278" cy="4657243"/>
           </a:xfrm>
           <a:prstGeom prst="rect">
@@ -4487,7 +5136,12 @@
             <p:ph type="title"/>
           </p:nvPr>
         </p:nvSpPr>
-        <p:spPr/>
+        <p:spPr>
+          <a:xfrm>
+            <a:off x="1483566" y="990600"/>
+            <a:ext cx="9601200" cy="1485900"/>
+          </a:xfrm>
+        </p:spPr>
         <p:txBody>
           <a:bodyPr/>
           <a:lstStyle/>
@@ -4515,16 +5169,25 @@
             <p:ph idx="1"/>
           </p:nvPr>
         </p:nvSpPr>
-        <p:spPr/>
+        <p:spPr>
+          <a:xfrm>
+            <a:off x="1595534" y="2286000"/>
+            <a:ext cx="9377265" cy="3581400"/>
+          </a:xfrm>
+        </p:spPr>
         <p:txBody>
           <a:bodyPr>
-            <a:normAutofit fontScale="92500"/>
+            <a:normAutofit lnSpcReduction="10000"/>
           </a:bodyPr>
           <a:lstStyle/>
           <a:p>
             <a:r>
               <a:rPr lang="en-US" dirty="0"/>
-              <a:t>Django is Python + DB backend (can you say ML language and models...)</a:t>
+              <a:t>Django is Python + DB backend </a:t>
+            </a:r>
+            <a:r>
+              <a:rPr lang="en-US" sz="1800" dirty="0"/>
+              <a:t>(can you say ML language and models...)</a:t>
             </a:r>
           </a:p>
           <a:p>
@@ -4536,7 +5199,7 @@
           <a:p>
             <a:r>
               <a:rPr lang="en-US" dirty="0"/>
-              <a:t>/admin to view/edit project or user DB tables</a:t>
+              <a:t>Admin pages to view or edit project and DB tables</a:t>
             </a:r>
           </a:p>
           <a:p>
@@ -4569,7 +5232,7 @@
             </a:pPr>
             <a:r>
               <a:rPr lang="en-US" dirty="0"/>
-              <a:t>In summary – Django is production ready Python backend, perfect for exposing ML and data science via web applications.</a:t>
+              <a:t>In summary – Django is production ready Python backend, perfect for Machine Learning and data science web applications.</a:t>
             </a:r>
           </a:p>
         </p:txBody>
@@ -4650,13 +5313,13 @@
         </p:nvSpPr>
         <p:spPr>
           <a:xfrm>
-            <a:off x="838200" y="1406480"/>
-            <a:ext cx="10515600" cy="5229211"/>
+            <a:off x="1474236" y="1406480"/>
+            <a:ext cx="9879563" cy="5229211"/>
           </a:xfrm>
         </p:spPr>
         <p:txBody>
           <a:bodyPr>
-            <a:normAutofit fontScale="62500" lnSpcReduction="20000"/>
+            <a:normAutofit fontScale="70000" lnSpcReduction="20000"/>
           </a:bodyPr>
           <a:lstStyle/>
           <a:p>
@@ -4815,12 +5478,14 @@
         </p:nvSpPr>
         <p:spPr>
           <a:xfrm>
-            <a:off x="4404048" y="2766218"/>
-            <a:ext cx="2967135" cy="1325563"/>
-          </a:xfrm>
-        </p:spPr>
-        <p:txBody>
-          <a:bodyPr/>
+            <a:off x="5066521" y="2677577"/>
+            <a:ext cx="2967135" cy="751423"/>
+          </a:xfrm>
+        </p:spPr>
+        <p:txBody>
+          <a:bodyPr>
+            <a:normAutofit/>
+          </a:bodyPr>
           <a:lstStyle/>
           <a:p>
             <a:r>
@@ -4834,581 +5499,6 @@
     <p:extLst>
       <p:ext uri="{BB962C8B-B14F-4D97-AF65-F5344CB8AC3E}">
         <p14:creationId xmlns:p14="http://schemas.microsoft.com/office/powerpoint/2010/main" val="2172409844"/>
-      </p:ext>
-    </p:extLst>
-  </p:cSld>
-  <p:clrMapOvr>
-    <a:masterClrMapping/>
-  </p:clrMapOvr>
-</p:sld>
-</file>
-
-<file path=ppt/slides/slide18.xml><?xml version="1.0" encoding="utf-8"?>
-<p:sld xmlns:a="http://schemas.openxmlformats.org/drawingml/2006/main" xmlns:r="http://schemas.openxmlformats.org/officeDocument/2006/relationships" xmlns:p="http://schemas.openxmlformats.org/presentationml/2006/main">
-  <p:cSld>
-    <p:spTree>
-      <p:nvGrpSpPr>
-        <p:cNvPr id="1" name=""/>
-        <p:cNvGrpSpPr/>
-        <p:nvPr/>
-      </p:nvGrpSpPr>
-      <p:grpSpPr>
-        <a:xfrm>
-          <a:off x="0" y="0"/>
-          <a:ext cx="0" cy="0"/>
-          <a:chOff x="0" y="0"/>
-          <a:chExt cx="0" cy="0"/>
-        </a:xfrm>
-      </p:grpSpPr>
-      <p:sp>
-        <p:nvSpPr>
-          <p:cNvPr id="2" name="Title 1">
-            <a:extLst>
-              <a:ext uri="{FF2B5EF4-FFF2-40B4-BE49-F238E27FC236}">
-                <a16:creationId xmlns:a16="http://schemas.microsoft.com/office/drawing/2014/main" id="{DE8AB6A3-70AA-4880-9F0E-048FB4ED66EF}"/>
-              </a:ext>
-            </a:extLst>
-          </p:cNvPr>
-          <p:cNvSpPr>
-            <a:spLocks noGrp="1"/>
-          </p:cNvSpPr>
-          <p:nvPr>
-            <p:ph type="title"/>
-          </p:nvPr>
-        </p:nvSpPr>
-        <p:spPr/>
-        <p:txBody>
-          <a:bodyPr/>
-          <a:lstStyle/>
-          <a:p>
-            <a:r>
-              <a:rPr lang="en-US" dirty="0"/>
-              <a:t>Code Structure and Walkthrough ...</a:t>
-            </a:r>
-          </a:p>
-        </p:txBody>
-      </p:sp>
-      <p:pic>
-        <p:nvPicPr>
-          <p:cNvPr id="4" name="Picture 3">
-            <a:extLst>
-              <a:ext uri="{FF2B5EF4-FFF2-40B4-BE49-F238E27FC236}">
-                <a16:creationId xmlns:a16="http://schemas.microsoft.com/office/drawing/2014/main" id="{6E5BE0BA-D9EF-4A27-8423-704C81FE1136}"/>
-              </a:ext>
-            </a:extLst>
-          </p:cNvPr>
-          <p:cNvPicPr>
-            <a:picLocks noChangeAspect="1"/>
-          </p:cNvPicPr>
-          <p:nvPr/>
-        </p:nvPicPr>
-        <p:blipFill>
-          <a:blip r:embed="rId2"/>
-          <a:stretch>
-            <a:fillRect/>
-          </a:stretch>
-        </p:blipFill>
-        <p:spPr>
-          <a:xfrm>
-            <a:off x="1085849" y="1690688"/>
-            <a:ext cx="9629485" cy="4476017"/>
-          </a:xfrm>
-          <a:prstGeom prst="rect">
-            <a:avLst/>
-          </a:prstGeom>
-        </p:spPr>
-      </p:pic>
-    </p:spTree>
-    <p:extLst>
-      <p:ext uri="{BB962C8B-B14F-4D97-AF65-F5344CB8AC3E}">
-        <p14:creationId xmlns:p14="http://schemas.microsoft.com/office/powerpoint/2010/main" val="4221781844"/>
-      </p:ext>
-    </p:extLst>
-  </p:cSld>
-  <p:clrMapOvr>
-    <a:masterClrMapping/>
-  </p:clrMapOvr>
-</p:sld>
-</file>
-
-<file path=ppt/slides/slide19.xml><?xml version="1.0" encoding="utf-8"?>
-<p:sld xmlns:a="http://schemas.openxmlformats.org/drawingml/2006/main" xmlns:r="http://schemas.openxmlformats.org/officeDocument/2006/relationships" xmlns:p="http://schemas.openxmlformats.org/presentationml/2006/main">
-  <p:cSld>
-    <p:spTree>
-      <p:nvGrpSpPr>
-        <p:cNvPr id="1" name=""/>
-        <p:cNvGrpSpPr/>
-        <p:nvPr/>
-      </p:nvGrpSpPr>
-      <p:grpSpPr>
-        <a:xfrm>
-          <a:off x="0" y="0"/>
-          <a:ext cx="0" cy="0"/>
-          <a:chOff x="0" y="0"/>
-          <a:chExt cx="0" cy="0"/>
-        </a:xfrm>
-      </p:grpSpPr>
-      <p:sp>
-        <p:nvSpPr>
-          <p:cNvPr id="2" name="Title 1">
-            <a:extLst>
-              <a:ext uri="{FF2B5EF4-FFF2-40B4-BE49-F238E27FC236}">
-                <a16:creationId xmlns:a16="http://schemas.microsoft.com/office/drawing/2014/main" id="{8A7A0977-6876-4E2A-8AE6-895A30E6CA0E}"/>
-              </a:ext>
-            </a:extLst>
-          </p:cNvPr>
-          <p:cNvSpPr>
-            <a:spLocks noGrp="1"/>
-          </p:cNvSpPr>
-          <p:nvPr>
-            <p:ph type="title"/>
-          </p:nvPr>
-        </p:nvSpPr>
-        <p:spPr/>
-        <p:txBody>
-          <a:bodyPr/>
-          <a:lstStyle/>
-          <a:p>
-            <a:r>
-              <a:rPr lang="en-US" dirty="0"/>
-              <a:t>Creating Models</a:t>
-            </a:r>
-          </a:p>
-        </p:txBody>
-      </p:sp>
-      <p:pic>
-        <p:nvPicPr>
-          <p:cNvPr id="4" name="Picture 3">
-            <a:extLst>
-              <a:ext uri="{FF2B5EF4-FFF2-40B4-BE49-F238E27FC236}">
-                <a16:creationId xmlns:a16="http://schemas.microsoft.com/office/drawing/2014/main" id="{B078F4AA-B697-46FB-AC10-B3EA1CFEA319}"/>
-              </a:ext>
-            </a:extLst>
-          </p:cNvPr>
-          <p:cNvPicPr>
-            <a:picLocks noChangeAspect="1"/>
-          </p:cNvPicPr>
-          <p:nvPr/>
-        </p:nvPicPr>
-        <p:blipFill>
-          <a:blip r:embed="rId2"/>
-          <a:stretch>
-            <a:fillRect/>
-          </a:stretch>
-        </p:blipFill>
-        <p:spPr>
-          <a:xfrm>
-            <a:off x="1802056" y="1690688"/>
-            <a:ext cx="7743825" cy="3190875"/>
-          </a:xfrm>
-          <a:prstGeom prst="rect">
-            <a:avLst/>
-          </a:prstGeom>
-        </p:spPr>
-      </p:pic>
-      <p:sp>
-        <p:nvSpPr>
-          <p:cNvPr id="6" name="Rectangle 1">
-            <a:extLst>
-              <a:ext uri="{FF2B5EF4-FFF2-40B4-BE49-F238E27FC236}">
-                <a16:creationId xmlns:a16="http://schemas.microsoft.com/office/drawing/2014/main" id="{534EBB61-F146-49C4-B1A0-6DBFFF27AFC2}"/>
-              </a:ext>
-            </a:extLst>
-          </p:cNvPr>
-          <p:cNvSpPr>
-            <a:spLocks noChangeArrowheads="1"/>
-          </p:cNvSpPr>
-          <p:nvPr/>
-        </p:nvSpPr>
-        <p:spPr bwMode="auto">
-          <a:xfrm>
-            <a:off x="1582615" y="5141612"/>
-            <a:ext cx="9577754" cy="1015663"/>
-          </a:xfrm>
-          <a:prstGeom prst="rect">
-            <a:avLst/>
-          </a:prstGeom>
-          <a:solidFill>
-            <a:srgbClr val="FFFFFF"/>
-          </a:solidFill>
-          <a:ln>
-            <a:noFill/>
-          </a:ln>
-          <a:effectLst/>
-          <a:extLst>
-            <a:ext uri="{91240B29-F687-4F45-9708-019B960494DF}">
-              <a14:hiddenLine xmlns:a14="http://schemas.microsoft.com/office/drawing/2010/main" w="9525">
-                <a:solidFill>
-                  <a:schemeClr val="tx1"/>
-                </a:solidFill>
-                <a:miter lim="800000"/>
-                <a:headEnd/>
-                <a:tailEnd/>
-              </a14:hiddenLine>
-            </a:ext>
-            <a:ext uri="{AF507438-7753-43E0-B8FC-AC1667EBCBE1}">
-              <a14:hiddenEffects xmlns:a14="http://schemas.microsoft.com/office/drawing/2010/main">
-                <a:effectLst>
-                  <a:outerShdw dist="35921" dir="2700000" algn="ctr" rotWithShape="0">
-                    <a:schemeClr val="bg2"/>
-                  </a:outerShdw>
-                </a:effectLst>
-              </a14:hiddenEffects>
-            </a:ext>
-          </a:extLst>
-        </p:spPr>
-        <p:txBody>
-          <a:bodyPr vert="horz" wrap="square" lIns="91440" tIns="45720" rIns="91440" bIns="45720" numCol="1" anchor="ctr" anchorCtr="0" compatLnSpc="1">
-            <a:prstTxWarp prst="textNoShape">
-              <a:avLst/>
-            </a:prstTxWarp>
-            <a:spAutoFit/>
-          </a:bodyPr>
-          <a:lstStyle/>
-          <a:p>
-            <a:pPr marL="0" marR="0" lvl="0" indent="0" algn="l" defTabSz="914400" rtl="0" eaLnBrk="0" fontAlgn="base" latinLnBrk="0" hangingPunct="0">
-              <a:lnSpc>
-                <a:spcPct val="100000"/>
-              </a:lnSpc>
-              <a:spcBef>
-                <a:spcPct val="0"/>
-              </a:spcBef>
-              <a:spcAft>
-                <a:spcPct val="0"/>
-              </a:spcAft>
-              <a:buClrTx/>
-              <a:buSzTx/>
-              <a:buFontTx/>
-              <a:buNone/>
-              <a:tabLst/>
-            </a:pPr>
-            <a:r>
-              <a:rPr kumimoji="0" lang="en-US" altLang="en-US" sz="1400" b="0" i="0" u="none" strike="noStrike" cap="none" normalizeH="0" baseline="0" dirty="0">
-                <a:ln>
-                  <a:noFill/>
-                </a:ln>
-                <a:solidFill>
-                  <a:srgbClr val="0C3C26"/>
-                </a:solidFill>
-                <a:effectLst/>
-                <a:latin typeface="Roboto"/>
-              </a:rPr>
-              <a:t> With </a:t>
-            </a:r>
-            <a:r>
-              <a:rPr lang="en-US" altLang="en-US" sz="1400" dirty="0">
-                <a:solidFill>
-                  <a:srgbClr val="0C3C26"/>
-                </a:solidFill>
-                <a:latin typeface="Roboto"/>
-              </a:rPr>
-              <a:t>this</a:t>
-            </a:r>
-            <a:r>
-              <a:rPr kumimoji="0" lang="en-US" altLang="en-US" sz="1400" b="0" i="0" u="none" strike="noStrike" cap="none" normalizeH="0" baseline="0" dirty="0">
-                <a:ln>
-                  <a:noFill/>
-                </a:ln>
-                <a:solidFill>
-                  <a:srgbClr val="0C3C26"/>
-                </a:solidFill>
-                <a:effectLst/>
-                <a:latin typeface="Roboto"/>
-              </a:rPr>
-              <a:t>, Django is able to:</a:t>
-            </a:r>
-            <a:endParaRPr kumimoji="0" lang="en-US" altLang="en-US" sz="1100" b="0" i="0" u="none" strike="noStrike" cap="none" normalizeH="0" baseline="0" dirty="0">
-              <a:ln>
-                <a:noFill/>
-              </a:ln>
-              <a:solidFill>
-                <a:schemeClr val="tx1"/>
-              </a:solidFill>
-              <a:effectLst/>
-            </a:endParaRPr>
-          </a:p>
-          <a:p>
-            <a:pPr marL="0" marR="0" lvl="0" indent="0" algn="l" defTabSz="914400" rtl="0" eaLnBrk="0" fontAlgn="base" latinLnBrk="0" hangingPunct="0">
-              <a:lnSpc>
-                <a:spcPct val="100000"/>
-              </a:lnSpc>
-              <a:spcBef>
-                <a:spcPct val="0"/>
-              </a:spcBef>
-              <a:spcAft>
-                <a:spcPct val="0"/>
-              </a:spcAft>
-              <a:buClrTx/>
-              <a:buSzTx/>
-              <a:buFontTx/>
-              <a:buChar char="•"/>
-              <a:tabLst/>
-            </a:pPr>
-            <a:r>
-              <a:rPr kumimoji="0" lang="en-US" altLang="en-US" sz="1400" b="0" i="0" u="none" strike="noStrike" cap="none" normalizeH="0" baseline="0" dirty="0">
-                <a:ln>
-                  <a:noFill/>
-                </a:ln>
-                <a:solidFill>
-                  <a:srgbClr val="0C3C26"/>
-                </a:solidFill>
-                <a:effectLst/>
-                <a:latin typeface="Roboto"/>
-              </a:rPr>
-              <a:t> Create a database schema (</a:t>
-            </a:r>
-            <a:r>
-              <a:rPr kumimoji="0" lang="en-US" altLang="en-US" sz="1400" b="1" i="0" u="none" strike="noStrike" cap="none" normalizeH="0" baseline="0" dirty="0">
-                <a:ln>
-                  <a:noFill/>
-                </a:ln>
-                <a:solidFill>
-                  <a:srgbClr val="0C4B33"/>
-                </a:solidFill>
-                <a:effectLst/>
-                <a:latin typeface="Fira Mono"/>
-              </a:rPr>
-              <a:t>CREATE TABLE</a:t>
-            </a:r>
-            <a:r>
-              <a:rPr kumimoji="0" lang="en-US" altLang="en-US" sz="1400" b="0" i="0" u="none" strike="noStrike" cap="none" normalizeH="0" baseline="0" dirty="0">
-                <a:ln>
-                  <a:noFill/>
-                </a:ln>
-                <a:solidFill>
-                  <a:srgbClr val="0C3C26"/>
-                </a:solidFill>
-                <a:effectLst/>
-                <a:latin typeface="Roboto"/>
-              </a:rPr>
-              <a:t> statements) for this app.</a:t>
-            </a:r>
-          </a:p>
-          <a:p>
-            <a:pPr marL="0" marR="0" lvl="0" indent="0" algn="l" defTabSz="914400" rtl="0" eaLnBrk="0" fontAlgn="base" latinLnBrk="0" hangingPunct="0">
-              <a:lnSpc>
-                <a:spcPct val="100000"/>
-              </a:lnSpc>
-              <a:spcBef>
-                <a:spcPct val="0"/>
-              </a:spcBef>
-              <a:spcAft>
-                <a:spcPct val="0"/>
-              </a:spcAft>
-              <a:buClrTx/>
-              <a:buSzTx/>
-              <a:buFontTx/>
-              <a:buChar char="•"/>
-              <a:tabLst/>
-            </a:pPr>
-            <a:r>
-              <a:rPr kumimoji="0" lang="en-US" altLang="en-US" sz="1400" b="0" i="0" u="none" strike="noStrike" cap="none" normalizeH="0" baseline="0" dirty="0">
-                <a:ln>
-                  <a:noFill/>
-                </a:ln>
-                <a:solidFill>
-                  <a:srgbClr val="0C3C26"/>
-                </a:solidFill>
-                <a:effectLst/>
-                <a:latin typeface="Roboto"/>
-              </a:rPr>
-              <a:t> Create a Python database-access API for accessing </a:t>
-            </a:r>
-            <a:r>
-              <a:rPr kumimoji="0" lang="en-US" altLang="en-US" sz="1400" b="1" i="0" u="none" strike="noStrike" cap="none" normalizeH="0" baseline="0" dirty="0">
-                <a:ln>
-                  <a:noFill/>
-                </a:ln>
-                <a:solidFill>
-                  <a:srgbClr val="0C4B33"/>
-                </a:solidFill>
-                <a:effectLst/>
-                <a:latin typeface="Fira Mono"/>
-              </a:rPr>
-              <a:t>Question</a:t>
-            </a:r>
-            <a:r>
-              <a:rPr kumimoji="0" lang="en-US" altLang="en-US" sz="1400" b="0" i="0" u="none" strike="noStrike" cap="none" normalizeH="0" baseline="0" dirty="0">
-                <a:ln>
-                  <a:noFill/>
-                </a:ln>
-                <a:solidFill>
-                  <a:srgbClr val="0C3C26"/>
-                </a:solidFill>
-                <a:effectLst/>
-                <a:latin typeface="Roboto"/>
-              </a:rPr>
-              <a:t> and </a:t>
-            </a:r>
-            <a:r>
-              <a:rPr kumimoji="0" lang="en-US" altLang="en-US" sz="1400" b="1" i="0" u="none" strike="noStrike" cap="none" normalizeH="0" baseline="0" dirty="0">
-                <a:ln>
-                  <a:noFill/>
-                </a:ln>
-                <a:solidFill>
-                  <a:srgbClr val="0C4B33"/>
-                </a:solidFill>
-                <a:effectLst/>
-                <a:latin typeface="Fira Mono"/>
-              </a:rPr>
-              <a:t>Choice</a:t>
-            </a:r>
-            <a:r>
-              <a:rPr kumimoji="0" lang="en-US" altLang="en-US" sz="1400" b="0" i="0" u="none" strike="noStrike" cap="none" normalizeH="0" baseline="0" dirty="0">
-                <a:ln>
-                  <a:noFill/>
-                </a:ln>
-                <a:solidFill>
-                  <a:srgbClr val="0C3C26"/>
-                </a:solidFill>
-                <a:effectLst/>
-                <a:latin typeface="Roboto"/>
-              </a:rPr>
-              <a:t> objects.</a:t>
-            </a:r>
-          </a:p>
-          <a:p>
-            <a:pPr marL="0" marR="0" lvl="0" indent="0" algn="l" defTabSz="914400" rtl="0" eaLnBrk="0" fontAlgn="base" latinLnBrk="0" hangingPunct="0">
-              <a:lnSpc>
-                <a:spcPct val="100000"/>
-              </a:lnSpc>
-              <a:spcBef>
-                <a:spcPct val="0"/>
-              </a:spcBef>
-              <a:spcAft>
-                <a:spcPct val="0"/>
-              </a:spcAft>
-              <a:buClrTx/>
-              <a:buSzTx/>
-              <a:buFontTx/>
-              <a:buNone/>
-              <a:tabLst/>
-            </a:pPr>
-            <a:endParaRPr kumimoji="0" lang="en-US" altLang="en-US" sz="1800" b="0" i="0" u="none" strike="noStrike" cap="none" normalizeH="0" baseline="0" dirty="0">
-              <a:ln>
-                <a:noFill/>
-              </a:ln>
-              <a:solidFill>
-                <a:schemeClr val="tx1"/>
-              </a:solidFill>
-              <a:effectLst/>
-              <a:latin typeface="Arial" panose="020B0604020202020204" pitchFamily="34" charset="0"/>
-            </a:endParaRPr>
-          </a:p>
-        </p:txBody>
-      </p:sp>
-      <p:sp>
-        <p:nvSpPr>
-          <p:cNvPr id="7" name="Rectangle 1">
-            <a:extLst>
-              <a:ext uri="{FF2B5EF4-FFF2-40B4-BE49-F238E27FC236}">
-                <a16:creationId xmlns:a16="http://schemas.microsoft.com/office/drawing/2014/main" id="{B92506E8-1F33-42BC-AB80-AAA205D2ADD4}"/>
-              </a:ext>
-            </a:extLst>
-          </p:cNvPr>
-          <p:cNvSpPr>
-            <a:spLocks noChangeArrowheads="1"/>
-          </p:cNvSpPr>
-          <p:nvPr/>
-        </p:nvSpPr>
-        <p:spPr bwMode="auto">
-          <a:xfrm>
-            <a:off x="5350212" y="406392"/>
-            <a:ext cx="6575399" cy="1661993"/>
-          </a:xfrm>
-          <a:prstGeom prst="rect">
-            <a:avLst/>
-          </a:prstGeom>
-          <a:solidFill>
-            <a:srgbClr val="FFFFFF"/>
-          </a:solidFill>
-          <a:ln w="9525">
-            <a:solidFill>
-              <a:schemeClr val="tx1"/>
-            </a:solidFill>
-            <a:miter lim="800000"/>
-            <a:headEnd/>
-            <a:tailEnd/>
-          </a:ln>
-          <a:effectLst/>
-          <a:extLst>
-            <a:ext uri="{AF507438-7753-43E0-B8FC-AC1667EBCBE1}">
-              <a14:hiddenEffects xmlns:a14="http://schemas.microsoft.com/office/drawing/2010/main">
-                <a:effectLst>
-                  <a:outerShdw dist="35921" dir="2700000" algn="ctr" rotWithShape="0">
-                    <a:schemeClr val="bg2"/>
-                  </a:outerShdw>
-                </a:effectLst>
-              </a14:hiddenEffects>
-            </a:ext>
-          </a:extLst>
-        </p:spPr>
-        <p:txBody>
-          <a:bodyPr vert="horz" wrap="square" lIns="91440" tIns="45720" rIns="91440" bIns="45720" numCol="1" anchor="ctr" anchorCtr="0" compatLnSpc="1">
-            <a:prstTxWarp prst="textNoShape">
-              <a:avLst/>
-            </a:prstTxWarp>
-            <a:spAutoFit/>
-          </a:bodyPr>
-          <a:lstStyle/>
-          <a:p>
-            <a:r>
-              <a:rPr lang="en-US" sz="1200" dirty="0"/>
-              <a:t>A model is the single, definitive source of truth about your data. It contains the essential fields and behaviors of the data you’re storing. Django follows the DRY (Don’t Repeat Yourself) Principle.</a:t>
-            </a:r>
-          </a:p>
-          <a:p>
-            <a:endParaRPr lang="en-US" sz="1200" dirty="0"/>
-          </a:p>
-          <a:p>
-            <a:r>
-              <a:rPr lang="en-US" sz="1200" dirty="0"/>
-              <a:t>The goal is to define your data model in one place and automatically derive things from it.</a:t>
-            </a:r>
-          </a:p>
-          <a:p>
-            <a:endParaRPr lang="en-US" sz="1200" dirty="0"/>
-          </a:p>
-          <a:p>
-            <a:r>
-              <a:rPr lang="en-US" sz="1200" dirty="0"/>
-              <a:t>This includes the migrations - migrations are entirely derived from your models file, and are essentially a history that Django can roll through to update your database schema to match your current models.</a:t>
-            </a:r>
-          </a:p>
-          <a:p>
-            <a:pPr marL="0" marR="0" lvl="0" indent="0" algn="l" defTabSz="914400" rtl="0" eaLnBrk="0" fontAlgn="base" latinLnBrk="0" hangingPunct="0">
-              <a:lnSpc>
-                <a:spcPct val="100000"/>
-              </a:lnSpc>
-              <a:spcBef>
-                <a:spcPct val="0"/>
-              </a:spcBef>
-              <a:spcAft>
-                <a:spcPct val="0"/>
-              </a:spcAft>
-              <a:buClrTx/>
-              <a:buSzTx/>
-              <a:buFontTx/>
-              <a:buNone/>
-              <a:tabLst/>
-            </a:pPr>
-            <a:endParaRPr kumimoji="0" lang="en-US" altLang="en-US" sz="1800" b="0" i="0" u="none" strike="noStrike" cap="none" normalizeH="0" baseline="0" dirty="0">
-              <a:ln>
-                <a:noFill/>
-              </a:ln>
-              <a:solidFill>
-                <a:schemeClr val="tx1"/>
-              </a:solidFill>
-              <a:effectLst/>
-              <a:latin typeface="Arial" panose="020B0604020202020204" pitchFamily="34" charset="0"/>
-            </a:endParaRPr>
-          </a:p>
-        </p:txBody>
-      </p:sp>
-    </p:spTree>
-    <p:extLst>
-      <p:ext uri="{BB962C8B-B14F-4D97-AF65-F5344CB8AC3E}">
-        <p14:creationId xmlns:p14="http://schemas.microsoft.com/office/powerpoint/2010/main" val="82589530"/>
       </p:ext>
     </p:extLst>
   </p:cSld>
@@ -5451,7 +5541,12 @@
             <p:ph type="title"/>
           </p:nvPr>
         </p:nvSpPr>
-        <p:spPr/>
+        <p:spPr>
+          <a:xfrm>
+            <a:off x="1534696" y="487278"/>
+            <a:ext cx="9520158" cy="1049235"/>
+          </a:xfrm>
+        </p:spPr>
         <p:txBody>
           <a:bodyPr/>
           <a:lstStyle/>
@@ -5481,13 +5576,13 @@
         </p:nvSpPr>
         <p:spPr>
           <a:xfrm>
-            <a:off x="838200" y="1690688"/>
-            <a:ext cx="10515600" cy="4486275"/>
+            <a:off x="1147664" y="1672026"/>
+            <a:ext cx="9907189" cy="4698696"/>
           </a:xfrm>
         </p:spPr>
         <p:txBody>
           <a:bodyPr>
-            <a:normAutofit fontScale="92500" lnSpcReduction="20000"/>
+            <a:normAutofit fontScale="85000" lnSpcReduction="20000"/>
           </a:bodyPr>
           <a:lstStyle/>
           <a:p>
@@ -5739,99 +5834,6 @@
     <p:extLst>
       <p:ext uri="{BB962C8B-B14F-4D97-AF65-F5344CB8AC3E}">
         <p14:creationId xmlns:p14="http://schemas.microsoft.com/office/powerpoint/2010/main" val="2730406630"/>
-      </p:ext>
-    </p:extLst>
-  </p:cSld>
-  <p:clrMapOvr>
-    <a:masterClrMapping/>
-  </p:clrMapOvr>
-</p:sld>
-</file>
-
-<file path=ppt/slides/slide20.xml><?xml version="1.0" encoding="utf-8"?>
-<p:sld xmlns:a="http://schemas.openxmlformats.org/drawingml/2006/main" xmlns:r="http://schemas.openxmlformats.org/officeDocument/2006/relationships" xmlns:p="http://schemas.openxmlformats.org/presentationml/2006/main">
-  <p:cSld>
-    <p:spTree>
-      <p:nvGrpSpPr>
-        <p:cNvPr id="1" name=""/>
-        <p:cNvGrpSpPr/>
-        <p:nvPr/>
-      </p:nvGrpSpPr>
-      <p:grpSpPr>
-        <a:xfrm>
-          <a:off x="0" y="0"/>
-          <a:ext cx="0" cy="0"/>
-          <a:chOff x="0" y="0"/>
-          <a:chExt cx="0" cy="0"/>
-        </a:xfrm>
-      </p:grpSpPr>
-      <p:sp>
-        <p:nvSpPr>
-          <p:cNvPr id="2" name="Title 1">
-            <a:extLst>
-              <a:ext uri="{FF2B5EF4-FFF2-40B4-BE49-F238E27FC236}">
-                <a16:creationId xmlns:a16="http://schemas.microsoft.com/office/drawing/2014/main" id="{65B21350-C49E-4973-BE29-37D700E9D82A}"/>
-              </a:ext>
-            </a:extLst>
-          </p:cNvPr>
-          <p:cNvSpPr>
-            <a:spLocks noGrp="1"/>
-          </p:cNvSpPr>
-          <p:nvPr>
-            <p:ph type="title"/>
-          </p:nvPr>
-        </p:nvSpPr>
-        <p:spPr>
-          <a:xfrm>
-            <a:off x="838200" y="365125"/>
-            <a:ext cx="10515600" cy="900967"/>
-          </a:xfrm>
-        </p:spPr>
-        <p:txBody>
-          <a:bodyPr/>
-          <a:lstStyle/>
-          <a:p>
-            <a:r>
-              <a:rPr lang="en-US" dirty="0"/>
-              <a:t>Explore the app...</a:t>
-            </a:r>
-          </a:p>
-        </p:txBody>
-      </p:sp>
-      <p:pic>
-        <p:nvPicPr>
-          <p:cNvPr id="5" name="Picture 4">
-            <a:extLst>
-              <a:ext uri="{FF2B5EF4-FFF2-40B4-BE49-F238E27FC236}">
-                <a16:creationId xmlns:a16="http://schemas.microsoft.com/office/drawing/2014/main" id="{F2915A8C-5815-45C7-8A08-0B13735D89F3}"/>
-              </a:ext>
-            </a:extLst>
-          </p:cNvPr>
-          <p:cNvPicPr>
-            <a:picLocks noChangeAspect="1"/>
-          </p:cNvPicPr>
-          <p:nvPr/>
-        </p:nvPicPr>
-        <p:blipFill>
-          <a:blip r:embed="rId2"/>
-          <a:stretch>
-            <a:fillRect/>
-          </a:stretch>
-        </p:blipFill>
-        <p:spPr>
-          <a:xfrm>
-            <a:off x="1995487" y="1481137"/>
-            <a:ext cx="8201025" cy="4810125"/>
-          </a:xfrm>
-          <a:prstGeom prst="rect">
-            <a:avLst/>
-          </a:prstGeom>
-        </p:spPr>
-      </p:pic>
-    </p:spTree>
-    <p:extLst>
-      <p:ext uri="{BB962C8B-B14F-4D97-AF65-F5344CB8AC3E}">
-        <p14:creationId xmlns:p14="http://schemas.microsoft.com/office/powerpoint/2010/main" val="3744539357"/>
       </p:ext>
     </p:extLst>
   </p:cSld>
@@ -5902,10 +5904,15 @@
             <p:ph idx="1"/>
           </p:nvPr>
         </p:nvSpPr>
-        <p:spPr/>
+        <p:spPr>
+          <a:xfrm>
+            <a:off x="1534696" y="2193013"/>
+            <a:ext cx="9520158" cy="3450613"/>
+          </a:xfrm>
+        </p:spPr>
         <p:txBody>
           <a:bodyPr>
-            <a:normAutofit/>
+            <a:normAutofit lnSpcReduction="10000"/>
           </a:bodyPr>
           <a:lstStyle/>
           <a:p>
@@ -5919,14 +5926,14 @@
             </a:r>
             <a:r>
               <a:rPr lang="en-US" sz="3000" dirty="0"/>
-              <a:t> </a:t>
+              <a:t> (node.js, express)</a:t>
             </a:r>
           </a:p>
           <a:p>
             <a:pPr lvl="1"/>
             <a:r>
               <a:rPr lang="en-US" sz="2600" dirty="0"/>
-              <a:t>More common than server-side Python</a:t>
+              <a:t>Most common implementation</a:t>
             </a:r>
           </a:p>
           <a:p>
@@ -5948,7 +5955,7 @@
             <a:pPr lvl="1"/>
             <a:r>
               <a:rPr lang="en-US" sz="2600" dirty="0"/>
-              <a:t>And certainly can hook into Python on the back-end</a:t>
+              <a:t>Python hooks in on the back-end</a:t>
             </a:r>
           </a:p>
           <a:p>
@@ -5967,7 +5974,7 @@
             <a:pPr lvl="1"/>
             <a:r>
               <a:rPr lang="en-US" sz="2600" dirty="0"/>
-              <a:t>Server-side Python – light</a:t>
+              <a:t>Server-side Python – lighter than Django</a:t>
             </a:r>
           </a:p>
         </p:txBody>
@@ -6048,8 +6055,8 @@
         </p:nvSpPr>
         <p:spPr>
           <a:xfrm>
-            <a:off x="726233" y="2463281"/>
-            <a:ext cx="10515600" cy="3816317"/>
+            <a:off x="1534695" y="2463281"/>
+            <a:ext cx="9707137" cy="3816317"/>
           </a:xfrm>
         </p:spPr>
         <p:txBody>
@@ -6060,38 +6067,38 @@
           <a:p>
             <a:pPr lvl="1"/>
             <a:r>
-              <a:rPr lang="en-US" sz="3200" dirty="0"/>
+              <a:rPr lang="en-US" sz="2800" dirty="0"/>
               <a:t>Python is the language of Machine Learning</a:t>
             </a:r>
           </a:p>
           <a:p>
             <a:pPr lvl="1"/>
             <a:r>
-              <a:rPr lang="en-US" sz="3200" dirty="0"/>
+              <a:rPr lang="en-US" sz="2800" dirty="0"/>
               <a:t>ONE language on the server, not two</a:t>
             </a:r>
           </a:p>
           <a:p>
             <a:pPr lvl="1"/>
             <a:r>
-              <a:rPr lang="en-US" sz="3200" dirty="0"/>
+              <a:rPr lang="en-US" sz="2800" dirty="0"/>
               <a:t>Is robust and suitable for commercial sites (vs Flask)</a:t>
             </a:r>
           </a:p>
           <a:p>
             <a:pPr lvl="1"/>
             <a:r>
-              <a:rPr lang="en-US" sz="3200" dirty="0"/>
+              <a:rPr lang="en-US" sz="2800" dirty="0"/>
               <a:t>Well documented, well structured (DRY principle)</a:t>
             </a:r>
           </a:p>
           <a:p>
             <a:pPr lvl="1"/>
             <a:r>
-              <a:rPr lang="en-US" sz="3200" i="1" dirty="0"/>
+              <a:rPr lang="en-US" sz="2800" i="1" dirty="0"/>
               <a:t>Python is fun!</a:t>
             </a:r>
-            <a:endParaRPr lang="en-US" sz="2800" dirty="0"/>
+            <a:endParaRPr lang="en-US" sz="2400" dirty="0"/>
           </a:p>
         </p:txBody>
       </p:sp>
@@ -6157,7 +6164,7 @@
             </a:br>
             <a:r>
               <a:rPr lang="en-US" sz="2200" dirty="0"/>
-              <a:t>(hint - you’ve seen this before)</a:t>
+              <a:t>(you’ve seen this before)</a:t>
             </a:r>
             <a:br>
               <a:rPr lang="en-US" sz="2200" dirty="0"/>
@@ -6196,13 +6203,13 @@
         </p:nvSpPr>
         <p:spPr>
           <a:xfrm>
-            <a:off x="636864" y="1993405"/>
-            <a:ext cx="10515600" cy="4351338"/>
+            <a:off x="1856792" y="2276668"/>
+            <a:ext cx="6690048" cy="4357397"/>
           </a:xfrm>
         </p:spPr>
         <p:txBody>
           <a:bodyPr>
-            <a:normAutofit fontScale="62500" lnSpcReduction="20000"/>
+            <a:normAutofit fontScale="77500" lnSpcReduction="20000"/>
           </a:bodyPr>
           <a:lstStyle/>
           <a:p>
@@ -6374,7 +6381,12 @@
             <p:ph type="title"/>
           </p:nvPr>
         </p:nvSpPr>
-        <p:spPr/>
+        <p:spPr>
+          <a:xfrm>
+            <a:off x="1441390" y="337988"/>
+            <a:ext cx="9520158" cy="1049235"/>
+          </a:xfrm>
+        </p:spPr>
         <p:txBody>
           <a:bodyPr/>
           <a:lstStyle/>
@@ -6408,8 +6420,8 @@
         </p:blipFill>
         <p:spPr>
           <a:xfrm>
-            <a:off x="2065093" y="1520825"/>
-            <a:ext cx="7686675" cy="4972050"/>
+            <a:off x="2883159" y="1576181"/>
+            <a:ext cx="7643050" cy="4943831"/>
           </a:xfrm>
           <a:prstGeom prst="rect">
             <a:avLst/>
@@ -6524,7 +6536,7 @@
               <a:rPr lang="en-US" dirty="0">
                 <a:hlinkClick r:id="rId2"/>
               </a:rPr>
-              <a:t>http://x.x.x.x:9595</a:t>
+              <a:t>http://192.168.1.220:9595</a:t>
             </a:r>
             <a:endParaRPr lang="en-US" dirty="0"/>
           </a:p>
@@ -6600,8 +6612,8 @@
         </p:nvSpPr>
         <p:spPr>
           <a:xfrm>
-            <a:off x="3778898" y="1455575"/>
-            <a:ext cx="8024326" cy="5113175"/>
+            <a:off x="4282750" y="1881077"/>
+            <a:ext cx="7753739" cy="4724996"/>
           </a:xfrm>
           <a:prstGeom prst="rect">
             <a:avLst/>
@@ -6651,7 +6663,9 @@
         </p:nvSpPr>
         <p:spPr/>
         <p:txBody>
-          <a:bodyPr/>
+          <a:bodyPr>
+            <a:normAutofit/>
+          </a:bodyPr>
           <a:lstStyle/>
           <a:p>
             <a:r>
@@ -6683,7 +6697,7 @@
         </p:nvSpPr>
         <p:spPr>
           <a:xfrm>
-            <a:off x="8223824" y="1905084"/>
+            <a:off x="8363783" y="2287639"/>
             <a:ext cx="1486252" cy="1262635"/>
           </a:xfrm>
           <a:prstGeom prst="rect">
@@ -6732,7 +6746,7 @@
         </p:nvSpPr>
         <p:spPr>
           <a:xfrm>
-            <a:off x="8154096" y="4676773"/>
+            <a:off x="8465329" y="4587519"/>
             <a:ext cx="1486253" cy="1262634"/>
           </a:xfrm>
           <a:prstGeom prst="rect">
@@ -6781,7 +6795,7 @@
         </p:nvSpPr>
         <p:spPr>
           <a:xfrm>
-            <a:off x="5811953" y="2644150"/>
+            <a:off x="5951912" y="3026705"/>
             <a:ext cx="1648654" cy="1676181"/>
           </a:xfrm>
           <a:prstGeom prst="rect">
@@ -6830,7 +6844,7 @@
         </p:nvSpPr>
         <p:spPr>
           <a:xfrm>
-            <a:off x="8325370" y="3358178"/>
+            <a:off x="8465329" y="3740733"/>
             <a:ext cx="2769412" cy="369332"/>
           </a:xfrm>
           <a:prstGeom prst="rect">
@@ -6865,7 +6879,7 @@
         </p:nvSpPr>
         <p:spPr>
           <a:xfrm>
-            <a:off x="10333842" y="2079992"/>
+            <a:off x="10473801" y="2462547"/>
             <a:ext cx="1113475" cy="1203514"/>
           </a:xfrm>
           <a:prstGeom prst="can">
@@ -6911,7 +6925,7 @@
         </p:nvSpPr>
         <p:spPr>
           <a:xfrm>
-            <a:off x="588628" y="2119771"/>
+            <a:off x="976457" y="2463087"/>
             <a:ext cx="2029915" cy="369332"/>
           </a:xfrm>
           <a:prstGeom prst="rect">
@@ -6946,7 +6960,7 @@
         </p:nvSpPr>
         <p:spPr>
           <a:xfrm>
-            <a:off x="588628" y="2451511"/>
+            <a:off x="1375440" y="2918956"/>
             <a:ext cx="1081515" cy="369332"/>
           </a:xfrm>
           <a:prstGeom prst="rect">
@@ -6981,8 +6995,8 @@
         </p:nvSpPr>
         <p:spPr>
           <a:xfrm rot="789011">
-            <a:off x="2584530" y="2416977"/>
-            <a:ext cx="2357363" cy="398857"/>
+            <a:off x="3058289" y="2838007"/>
+            <a:ext cx="2019128" cy="398857"/>
           </a:xfrm>
           <a:prstGeom prst="rightArrow">
             <a:avLst/>
@@ -7026,9 +7040,9 @@
           <p:nvPr/>
         </p:nvSpPr>
         <p:spPr>
-          <a:xfrm rot="13306222">
-            <a:off x="6929870" y="4654217"/>
-            <a:ext cx="1288096" cy="398857"/>
+          <a:xfrm rot="12682247">
+            <a:off x="7276169" y="4888621"/>
+            <a:ext cx="1036147" cy="398857"/>
           </a:xfrm>
           <a:prstGeom prst="rightArrow">
             <a:avLst/>
@@ -7073,8 +7087,8 @@
         </p:nvSpPr>
         <p:spPr>
           <a:xfrm rot="11675026">
-            <a:off x="1712879" y="2902246"/>
-            <a:ext cx="3215843" cy="398857"/>
+            <a:off x="2554201" y="3374545"/>
+            <a:ext cx="2502995" cy="398857"/>
           </a:xfrm>
           <a:prstGeom prst="rightArrow">
             <a:avLst/>
@@ -7119,7 +7133,7 @@
         </p:nvSpPr>
         <p:spPr>
           <a:xfrm rot="19976179">
-            <a:off x="7451712" y="2601468"/>
+            <a:off x="7591671" y="2984023"/>
             <a:ext cx="753529" cy="392032"/>
           </a:xfrm>
           <a:prstGeom prst="leftRightArrow">
@@ -7168,7 +7182,7 @@
         </p:nvCxnSpPr>
         <p:spPr>
           <a:xfrm>
-            <a:off x="9710076" y="2536402"/>
+            <a:off x="9850035" y="2918957"/>
             <a:ext cx="623766" cy="145347"/>
           </a:xfrm>
           <a:prstGeom prst="line">
@@ -7205,7 +7219,7 @@
         </p:nvSpPr>
         <p:spPr>
           <a:xfrm>
-            <a:off x="7169919" y="5970600"/>
+            <a:off x="7640680" y="5987534"/>
             <a:ext cx="3594061" cy="369332"/>
           </a:xfrm>
           <a:prstGeom prst="rect">
@@ -7240,7 +7254,7 @@
         </p:nvSpPr>
         <p:spPr>
           <a:xfrm>
-            <a:off x="4828933" y="1658106"/>
+            <a:off x="4968892" y="2040661"/>
             <a:ext cx="2790476" cy="923330"/>
           </a:xfrm>
           <a:prstGeom prst="rect">
@@ -7283,7 +7297,7 @@
         </p:nvSpPr>
         <p:spPr>
           <a:xfrm>
-            <a:off x="5050633" y="2625147"/>
+            <a:off x="5190592" y="3007702"/>
             <a:ext cx="668940" cy="1676181"/>
           </a:xfrm>
           <a:prstGeom prst="rect">
@@ -7372,7 +7386,12 @@
             <p:ph type="title"/>
           </p:nvPr>
         </p:nvSpPr>
-        <p:spPr/>
+        <p:spPr>
+          <a:xfrm>
+            <a:off x="1335921" y="513762"/>
+            <a:ext cx="9520158" cy="1049235"/>
+          </a:xfrm>
+        </p:spPr>
         <p:txBody>
           <a:bodyPr/>
           <a:lstStyle/>
@@ -7406,8 +7425,8 @@
         </p:blipFill>
         <p:spPr>
           <a:xfrm>
-            <a:off x="838200" y="1389916"/>
-            <a:ext cx="10920780" cy="4963991"/>
+            <a:off x="970336" y="1562997"/>
+            <a:ext cx="11053713" cy="5024415"/>
           </a:xfrm>
           <a:prstGeom prst="rect">
             <a:avLst/>
@@ -7428,9 +7447,9 @@
 </file>
 
 <file path=ppt/theme/theme1.xml><?xml version="1.0" encoding="utf-8"?>
-<a:theme xmlns:a="http://schemas.openxmlformats.org/drawingml/2006/main" name="Office Theme">
+<a:theme xmlns:a="http://schemas.openxmlformats.org/drawingml/2006/main" name="Crop">
   <a:themeElements>
-    <a:clrScheme name="Office">
+    <a:clrScheme name="Crop">
       <a:dk1>
         <a:sysClr val="windowText" lastClr="000000"/>
       </a:dk1>
@@ -7438,100 +7457,48 @@
         <a:sysClr val="window" lastClr="FFFFFF"/>
       </a:lt1>
       <a:dk2>
-        <a:srgbClr val="44546A"/>
+        <a:srgbClr val="191B0E"/>
       </a:dk2>
       <a:lt2>
-        <a:srgbClr val="E7E6E6"/>
+        <a:srgbClr val="EFEDE3"/>
       </a:lt2>
       <a:accent1>
-        <a:srgbClr val="4472C4"/>
+        <a:srgbClr val="8C8D86"/>
       </a:accent1>
       <a:accent2>
-        <a:srgbClr val="ED7D31"/>
+        <a:srgbClr val="E6C069"/>
       </a:accent2>
       <a:accent3>
-        <a:srgbClr val="A5A5A5"/>
+        <a:srgbClr val="897B61"/>
       </a:accent3>
       <a:accent4>
-        <a:srgbClr val="FFC000"/>
+        <a:srgbClr val="8DAB8E"/>
       </a:accent4>
       <a:accent5>
-        <a:srgbClr val="5B9BD5"/>
+        <a:srgbClr val="77A2BB"/>
       </a:accent5>
       <a:accent6>
-        <a:srgbClr val="70AD47"/>
+        <a:srgbClr val="E28394"/>
       </a:accent6>
       <a:hlink>
-        <a:srgbClr val="0563C1"/>
+        <a:srgbClr val="77A2BB"/>
       </a:hlink>
       <a:folHlink>
-        <a:srgbClr val="954F72"/>
+        <a:srgbClr val="957A99"/>
       </a:folHlink>
     </a:clrScheme>
-    <a:fontScheme name="Office">
+    <a:fontScheme name="Crop">
       <a:majorFont>
-        <a:latin typeface="Calibri Light" panose="020F0302020204030204"/>
+        <a:latin typeface="Franklin Gothic Book" panose="020B0503020102020204"/>
         <a:ea typeface=""/>
         <a:cs typeface=""/>
-        <a:font script="Jpan" typeface="游ゴシック Light"/>
-        <a:font script="Hang" typeface="맑은 고딕"/>
-        <a:font script="Hans" typeface="等线 Light"/>
-        <a:font script="Hant" typeface="新細明體"/>
-        <a:font script="Arab" typeface="Times New Roman"/>
-        <a:font script="Hebr" typeface="Times New Roman"/>
-        <a:font script="Thai" typeface="Angsana New"/>
-        <a:font script="Ethi" typeface="Nyala"/>
-        <a:font script="Beng" typeface="Vrinda"/>
-        <a:font script="Gujr" typeface="Shruti"/>
-        <a:font script="Khmr" typeface="MoolBoran"/>
-        <a:font script="Knda" typeface="Tunga"/>
-        <a:font script="Guru" typeface="Raavi"/>
-        <a:font script="Cans" typeface="Euphemia"/>
-        <a:font script="Cher" typeface="Plantagenet Cherokee"/>
-        <a:font script="Yiii" typeface="Microsoft Yi Baiti"/>
-        <a:font script="Tibt" typeface="Microsoft Himalaya"/>
-        <a:font script="Thaa" typeface="MV Boli"/>
-        <a:font script="Deva" typeface="Mangal"/>
-        <a:font script="Telu" typeface="Gautami"/>
-        <a:font script="Taml" typeface="Latha"/>
-        <a:font script="Syrc" typeface="Estrangelo Edessa"/>
-        <a:font script="Orya" typeface="Kalinga"/>
-        <a:font script="Mlym" typeface="Kartika"/>
-        <a:font script="Laoo" typeface="DokChampa"/>
-        <a:font script="Sinh" typeface="Iskoola Pota"/>
-        <a:font script="Mong" typeface="Mongolian Baiti"/>
-        <a:font script="Viet" typeface="Times New Roman"/>
-        <a:font script="Uigh" typeface="Microsoft Uighur"/>
-        <a:font script="Geor" typeface="Sylfaen"/>
-        <a:font script="Armn" typeface="Arial"/>
-        <a:font script="Bugi" typeface="Leelawadee UI"/>
-        <a:font script="Bopo" typeface="Microsoft JhengHei"/>
-        <a:font script="Java" typeface="Javanese Text"/>
-        <a:font script="Lisu" typeface="Segoe UI"/>
-        <a:font script="Mymr" typeface="Myanmar Text"/>
-        <a:font script="Nkoo" typeface="Ebrima"/>
-        <a:font script="Olck" typeface="Nirmala UI"/>
-        <a:font script="Osma" typeface="Ebrima"/>
-        <a:font script="Phag" typeface="Phagspa"/>
-        <a:font script="Syrn" typeface="Estrangelo Edessa"/>
-        <a:font script="Syrj" typeface="Estrangelo Edessa"/>
-        <a:font script="Syre" typeface="Estrangelo Edessa"/>
-        <a:font script="Sora" typeface="Nirmala UI"/>
-        <a:font script="Tale" typeface="Microsoft Tai Le"/>
-        <a:font script="Talu" typeface="Microsoft New Tai Lue"/>
-        <a:font script="Tfng" typeface="Ebrima"/>
-      </a:majorFont>
-      <a:minorFont>
-        <a:latin typeface="Calibri" panose="020F0502020204030204"/>
-        <a:ea typeface=""/>
-        <a:cs typeface=""/>
-        <a:font script="Jpan" typeface="游ゴシック"/>
-        <a:font script="Hang" typeface="맑은 고딕"/>
-        <a:font script="Hans" typeface="等线"/>
-        <a:font script="Hant" typeface="新細明體"/>
-        <a:font script="Arab" typeface="Arial"/>
-        <a:font script="Hebr" typeface="Arial"/>
-        <a:font script="Thai" typeface="Cordia New"/>
+        <a:font script="Jpan" typeface="メイリオ"/>
+        <a:font script="Hang" typeface="돋움"/>
+        <a:font script="Hans" typeface="华文楷体"/>
+        <a:font script="Hant" typeface="微軟正黑體"/>
+        <a:font script="Arab" typeface="Tahoma"/>
+        <a:font script="Hebr" typeface="Aharoni"/>
+        <a:font script="Thai" typeface="LilyUPC"/>
         <a:font script="Ethi" typeface="Nyala"/>
         <a:font script="Beng" typeface="Vrinda"/>
         <a:font script="Gujr" typeface="Shruti"/>
@@ -7552,29 +7519,47 @@
         <a:font script="Laoo" typeface="DokChampa"/>
         <a:font script="Sinh" typeface="Iskoola Pota"/>
         <a:font script="Mong" typeface="Mongolian Baiti"/>
-        <a:font script="Viet" typeface="Arial"/>
+        <a:font script="Viet" typeface="Tahoma"/>
         <a:font script="Uigh" typeface="Microsoft Uighur"/>
         <a:font script="Geor" typeface="Sylfaen"/>
-        <a:font script="Armn" typeface="Arial"/>
-        <a:font script="Bugi" typeface="Leelawadee UI"/>
-        <a:font script="Bopo" typeface="Microsoft JhengHei"/>
-        <a:font script="Java" typeface="Javanese Text"/>
-        <a:font script="Lisu" typeface="Segoe UI"/>
-        <a:font script="Mymr" typeface="Myanmar Text"/>
-        <a:font script="Nkoo" typeface="Ebrima"/>
-        <a:font script="Olck" typeface="Nirmala UI"/>
-        <a:font script="Osma" typeface="Ebrima"/>
-        <a:font script="Phag" typeface="Phagspa"/>
-        <a:font script="Syrn" typeface="Estrangelo Edessa"/>
-        <a:font script="Syrj" typeface="Estrangelo Edessa"/>
-        <a:font script="Syre" typeface="Estrangelo Edessa"/>
-        <a:font script="Sora" typeface="Nirmala UI"/>
-        <a:font script="Tale" typeface="Microsoft Tai Le"/>
-        <a:font script="Talu" typeface="Microsoft New Tai Lue"/>
-        <a:font script="Tfng" typeface="Ebrima"/>
+      </a:majorFont>
+      <a:minorFont>
+        <a:latin typeface="Franklin Gothic Book" panose="020B0503020102020204"/>
+        <a:ea typeface=""/>
+        <a:cs typeface=""/>
+        <a:font script="Jpan" typeface="メイリオ"/>
+        <a:font script="Hang" typeface="돋움"/>
+        <a:font script="Hans" typeface="华文楷体"/>
+        <a:font script="Hant" typeface="微軟正黑體"/>
+        <a:font script="Arab" typeface="Tahoma"/>
+        <a:font script="Hebr" typeface="Aharoni"/>
+        <a:font script="Thai" typeface="LilyUPC"/>
+        <a:font script="Ethi" typeface="Nyala"/>
+        <a:font script="Beng" typeface="Vrinda"/>
+        <a:font script="Gujr" typeface="Shruti"/>
+        <a:font script="Khmr" typeface="DaunPenh"/>
+        <a:font script="Knda" typeface="Tunga"/>
+        <a:font script="Guru" typeface="Raavi"/>
+        <a:font script="Cans" typeface="Euphemia"/>
+        <a:font script="Cher" typeface="Plantagenet Cherokee"/>
+        <a:font script="Yiii" typeface="Microsoft Yi Baiti"/>
+        <a:font script="Tibt" typeface="Microsoft Himalaya"/>
+        <a:font script="Thaa" typeface="MV Boli"/>
+        <a:font script="Deva" typeface="Mangal"/>
+        <a:font script="Telu" typeface="Gautami"/>
+        <a:font script="Taml" typeface="Latha"/>
+        <a:font script="Syrc" typeface="Estrangelo Edessa"/>
+        <a:font script="Orya" typeface="Kalinga"/>
+        <a:font script="Mlym" typeface="Kartika"/>
+        <a:font script="Laoo" typeface="DokChampa"/>
+        <a:font script="Sinh" typeface="Iskoola Pota"/>
+        <a:font script="Mong" typeface="Mongolian Baiti"/>
+        <a:font script="Viet" typeface="Tahoma"/>
+        <a:font script="Uigh" typeface="Microsoft Uighur"/>
+        <a:font script="Geor" typeface="Sylfaen"/>
       </a:minorFont>
     </a:fontScheme>
-    <a:fmtScheme name="Office">
+    <a:fmtScheme name="Crop">
       <a:fillStyleLst>
         <a:solidFill>
           <a:schemeClr val="phClr"/>
@@ -7583,23 +7568,23 @@
           <a:gsLst>
             <a:gs pos="0">
               <a:schemeClr val="phClr">
+                <a:tint val="67000"/>
+                <a:satMod val="105000"/>
                 <a:lumMod val="110000"/>
-                <a:satMod val="105000"/>
-                <a:tint val="67000"/>
               </a:schemeClr>
             </a:gs>
             <a:gs pos="50000">
               <a:schemeClr val="phClr">
+                <a:tint val="73000"/>
+                <a:satMod val="103000"/>
                 <a:lumMod val="105000"/>
-                <a:satMod val="103000"/>
-                <a:tint val="73000"/>
               </a:schemeClr>
             </a:gs>
             <a:gs pos="100000">
               <a:schemeClr val="phClr">
+                <a:tint val="81000"/>
+                <a:satMod val="109000"/>
                 <a:lumMod val="105000"/>
-                <a:satMod val="109000"/>
-                <a:tint val="81000"/>
               </a:schemeClr>
             </a:gs>
           </a:gsLst>
@@ -7609,23 +7594,23 @@
           <a:gsLst>
             <a:gs pos="0">
               <a:schemeClr val="phClr">
+                <a:tint val="94000"/>
                 <a:satMod val="103000"/>
                 <a:lumMod val="102000"/>
-                <a:tint val="94000"/>
               </a:schemeClr>
             </a:gs>
             <a:gs pos="50000">
               <a:schemeClr val="phClr">
+                <a:shade val="100000"/>
                 <a:satMod val="110000"/>
                 <a:lumMod val="100000"/>
-                <a:shade val="100000"/>
               </a:schemeClr>
             </a:gs>
             <a:gs pos="100000">
               <a:schemeClr val="phClr">
+                <a:shade val="78000"/>
+                <a:satMod val="120000"/>
                 <a:lumMod val="99000"/>
-                <a:satMod val="120000"/>
-                <a:shade val="78000"/>
               </a:schemeClr>
             </a:gs>
           </a:gsLst>
@@ -7633,26 +7618,23 @@
         </a:gradFill>
       </a:fillStyleLst>
       <a:lnStyleLst>
-        <a:ln w="6350" cap="flat" cmpd="sng" algn="ctr">
+        <a:ln w="6350" cap="flat" cmpd="sng" algn="in">
           <a:solidFill>
             <a:schemeClr val="phClr"/>
           </a:solidFill>
           <a:prstDash val="solid"/>
-          <a:miter lim="800000"/>
         </a:ln>
-        <a:ln w="12700" cap="flat" cmpd="sng" algn="ctr">
+        <a:ln w="34925" cap="flat" cmpd="sng" algn="in">
           <a:solidFill>
             <a:schemeClr val="phClr"/>
           </a:solidFill>
           <a:prstDash val="solid"/>
-          <a:miter lim="800000"/>
         </a:ln>
-        <a:ln w="19050" cap="flat" cmpd="sng" algn="ctr">
+        <a:ln w="19050" cap="flat" cmpd="sng" algn="in">
           <a:solidFill>
             <a:schemeClr val="phClr"/>
           </a:solidFill>
           <a:prstDash val="solid"/>
-          <a:miter lim="800000"/>
         </a:ln>
       </a:lnStyleLst>
       <a:effectStyleLst>
@@ -7666,7 +7648,7 @@
           <a:effectLst>
             <a:outerShdw blurRad="57150" dist="19050" dir="5400000" algn="ctr" rotWithShape="0">
               <a:srgbClr val="000000">
-                <a:alpha val="63000"/>
+                <a:alpha val="35000"/>
               </a:srgbClr>
             </a:outerShdw>
           </a:effectLst>
@@ -7687,16 +7669,16 @@
             <a:gs pos="0">
               <a:schemeClr val="phClr">
                 <a:tint val="93000"/>
+                <a:shade val="98000"/>
                 <a:satMod val="150000"/>
-                <a:shade val="98000"/>
                 <a:lumMod val="102000"/>
               </a:schemeClr>
             </a:gs>
             <a:gs pos="50000">
               <a:schemeClr val="phClr">
                 <a:tint val="98000"/>
+                <a:shade val="90000"/>
                 <a:satMod val="130000"/>
-                <a:shade val="90000"/>
                 <a:lumMod val="103000"/>
               </a:schemeClr>
             </a:gs>
@@ -7716,7 +7698,7 @@
   <a:extraClrSchemeLst/>
   <a:extLst>
     <a:ext uri="{05A4C25C-085E-4340-85A3-A5531E510DB2}">
-      <thm15:themeFamily xmlns:thm15="http://schemas.microsoft.com/office/thememl/2012/main" name="Office Theme" id="{62F939B6-93AF-4DB8-9C6B-D6C7DFDC589F}" vid="{4A3C46E8-61CC-4603-A589-7422A47A8E4A}"/>
+      <thm15:themeFamily xmlns:thm15="http://schemas.microsoft.com/office/thememl/2012/main" name="Crop" id="{EC9488ED-E761-4D60-9AC4-764D1FE2C171}" vid="{CE19780C-D67D-4C13-9DE9-A52BC3BA51B4}"/>
     </a:ext>
   </a:extLst>
 </a:theme>
